--- a/week03/文本分析與程式設計Week3.pptx
+++ b/week03/文本分析與程式設計Week3.pptx
@@ -275,7 +275,7 @@
       <p15:sldGuideLst xmlns:p15="http://schemas.microsoft.com/office/powerpoint/2012/main"/>
     </p:ext>
     <p:ext uri="http://customooxmlschemas.google.com/">
-      <go:slidesCustomData xmlns="" xmlns:mc="http://schemas.openxmlformats.org/markup-compatibility/2006" xmlns:mv="urn:schemas-microsoft-com:mac:vml" xmlns:c="http://schemas.openxmlformats.org/drawingml/2006/chart" xmlns:dgm="http://schemas.openxmlformats.org/drawingml/2006/diagram" xmlns:o="urn:schemas-microsoft-com:office:office" xmlns:v="urn:schemas-microsoft-com:vml" xmlns:pvml="urn:schemas-microsoft-com:office:powerpoint" xmlns:com="http://schemas.openxmlformats.org/drawingml/2006/compatibility" xmlns:p14="http://schemas.microsoft.com/office/powerpoint/2010/main" xmlns:p15="http://schemas.microsoft.com/office/powerpoint/2012/main" xmlns:ahyp="http://schemas.microsoft.com/office/drawing/2018/hyperlinkcolor" xmlns:go="http://customooxmlschemas.google.com/" r:id="rId33" roundtripDataSignature="AMtx7mjdcmhsf5qhXmMRw4mkjP7VT7/UtQ=="/>
+      <go:slidesCustomData xmlns:go="http://customooxmlschemas.google.com/" xmlns:ahyp="http://schemas.microsoft.com/office/drawing/2018/hyperlinkcolor" xmlns:p15="http://schemas.microsoft.com/office/powerpoint/2012/main" xmlns:p14="http://schemas.microsoft.com/office/powerpoint/2010/main" xmlns:com="http://schemas.openxmlformats.org/drawingml/2006/compatibility" xmlns:pvml="urn:schemas-microsoft-com:office:powerpoint" xmlns:v="urn:schemas-microsoft-com:vml" xmlns:o="urn:schemas-microsoft-com:office:office" xmlns:dgm="http://schemas.openxmlformats.org/drawingml/2006/diagram" xmlns:c="http://schemas.openxmlformats.org/drawingml/2006/chart" xmlns:mv="urn:schemas-microsoft-com:mac:vml" xmlns:mc="http://schemas.openxmlformats.org/markup-compatibility/2006" xmlns="" r:id="rId33" roundtripDataSignature="AMtx7mjdcmhsf5qhXmMRw4mkjP7VT7/UtQ=="/>
     </p:ext>
   </p:extLst>
 </p:presentation>
@@ -11142,7 +11142,7 @@
         <p:spPr>
           <a:xfrm>
             <a:off x="1503163" y="6473196"/>
-            <a:ext cx="9272609" cy="276999"/>
+            <a:ext cx="9272609" cy="276959"/>
           </a:xfrm>
           <a:prstGeom prst="rect">
             <a:avLst/>
@@ -11158,35 +11158,72 @@
           </a:bodyPr>
           <a:lstStyle/>
           <a:p>
-            <a:pPr marL="0" marR="0" lvl="0" indent="0" algn="l" rtl="0">
-              <a:spcBef>
-                <a:spcPts val="0"/>
-              </a:spcBef>
-              <a:spcAft>
-                <a:spcPts val="0"/>
-              </a:spcAft>
-              <a:buNone/>
-            </a:pPr>
-            <a:r>
-              <a:rPr lang="zh-TW" sz="1200" b="1" i="0" u="none" strike="noStrike" cap="none">
-                <a:solidFill>
-                  <a:srgbClr val="164161"/>
-                </a:solidFill>
-                <a:latin typeface="Trebuchet MS"/>
-                <a:ea typeface="Trebuchet MS"/>
-                <a:cs typeface="Trebuchet MS"/>
-                <a:sym typeface="Trebuchet MS"/>
-              </a:rPr>
-              <a:t>推動大學程式設計教學計畫。分項六：資料分析領域與學習評量推動團隊（○○系○○老師主編）</a:t>
-            </a:r>
-            <a:endParaRPr sz="1200">
+            <a:r>
+              <a:rPr lang="zh-TW" altLang="en-US" sz="1200" b="1" dirty="0">
+                <a:solidFill>
+                  <a:schemeClr val="tx1"/>
+                </a:solidFill>
+                <a:latin typeface="微軟正黑體" panose="020B0604030504040204" pitchFamily="34" charset="-120"/>
+                <a:ea typeface="微軟正黑體" panose="020B0604030504040204" pitchFamily="34" charset="-120"/>
+              </a:rPr>
+              <a:t>推動大學程式設計教學計畫。分項六</a:t>
+            </a:r>
+            <a:r>
+              <a:rPr lang="en-US" altLang="zh-TW" sz="1200" b="1" dirty="0">
+                <a:solidFill>
+                  <a:schemeClr val="tx1"/>
+                </a:solidFill>
+                <a:latin typeface="微軟正黑體" panose="020B0604030504040204" pitchFamily="34" charset="-120"/>
+                <a:ea typeface="微軟正黑體" panose="020B0604030504040204" pitchFamily="34" charset="-120"/>
+              </a:rPr>
+              <a:t>:</a:t>
+            </a:r>
+            <a:r>
+              <a:rPr lang="zh-TW" altLang="en-US" sz="1200" b="1" dirty="0">
+                <a:solidFill>
+                  <a:schemeClr val="tx1"/>
+                </a:solidFill>
+                <a:latin typeface="微軟正黑體" panose="020B0604030504040204" pitchFamily="34" charset="-120"/>
+                <a:ea typeface="微軟正黑體" panose="020B0604030504040204" pitchFamily="34" charset="-120"/>
+              </a:rPr>
+              <a:t>資料分析領域與學習評量推動團隊</a:t>
+            </a:r>
+            <a:r>
+              <a:rPr lang="en-US" altLang="zh-TW" sz="1200" b="1" dirty="0">
+                <a:solidFill>
+                  <a:schemeClr val="tx1"/>
+                </a:solidFill>
+                <a:latin typeface="微軟正黑體" panose="020B0604030504040204" pitchFamily="34" charset="-120"/>
+                <a:ea typeface="微軟正黑體" panose="020B0604030504040204" pitchFamily="34" charset="-120"/>
+              </a:rPr>
+              <a:t>(</a:t>
+            </a:r>
+            <a:r>
+              <a:rPr lang="zh-TW" altLang="en-US" sz="1200" b="1" dirty="0">
+                <a:solidFill>
+                  <a:schemeClr val="tx1"/>
+                </a:solidFill>
+                <a:latin typeface="微軟正黑體" panose="020B0604030504040204" pitchFamily="34" charset="-120"/>
+                <a:ea typeface="微軟正黑體" panose="020B0604030504040204" pitchFamily="34" charset="-120"/>
+              </a:rPr>
+              <a:t>王文傑老師主編，林融、蘇洪寬協助編輯</a:t>
+            </a:r>
+            <a:r>
+              <a:rPr lang="en-US" altLang="zh-TW" sz="1200" b="1" dirty="0">
+                <a:solidFill>
+                  <a:schemeClr val="tx1"/>
+                </a:solidFill>
+                <a:latin typeface="微軟正黑體" panose="020B0604030504040204" pitchFamily="34" charset="-120"/>
+                <a:ea typeface="微軟正黑體" panose="020B0604030504040204" pitchFamily="34" charset="-120"/>
+              </a:rPr>
+              <a:t>)</a:t>
+            </a:r>
+            <a:endParaRPr lang="zh-TW" altLang="en-US" sz="1200" b="1" dirty="0">
               <a:solidFill>
-                <a:srgbClr val="164161"/>
+                <a:schemeClr val="tx1"/>
               </a:solidFill>
-              <a:latin typeface="Trebuchet MS"/>
-              <a:ea typeface="Trebuchet MS"/>
-              <a:cs typeface="Trebuchet MS"/>
-              <a:sym typeface="Trebuchet MS"/>
+              <a:latin typeface="微軟正黑體" panose="020B0604030504040204" pitchFamily="34" charset="-120"/>
+              <a:ea typeface="微軟正黑體" panose="020B0604030504040204" pitchFamily="34" charset="-120"/>
             </a:endParaRPr>
           </a:p>
         </p:txBody>
@@ -24156,6 +24193,11 @@
               <a:rPr lang="en-US" altLang="zh-TW" dirty="0"/>
               <a:t>TF-IDF</a:t>
             </a:r>
+            <a:r>
+              <a:rPr lang="zh-TW" altLang="en-US" dirty="0"/>
+              <a:t> </a:t>
+            </a:r>
+            <a:endParaRPr lang="en-US" altLang="zh-TW" dirty="0"/>
           </a:p>
           <a:p>
             <a:pPr marL="800100" lvl="1" indent="-342900">
@@ -24202,6 +24244,40 @@
               <a:rPr lang="zh-TW" altLang="zh-TW" dirty="0"/>
               <a:t>「人、事、時、地、物」取特徵詞</a:t>
             </a:r>
+            <a:endParaRPr lang="en-US" altLang="zh-TW" dirty="0"/>
+          </a:p>
+          <a:p>
+            <a:pPr marL="342900" indent="-342900">
+              <a:spcBef>
+                <a:spcPts val="0"/>
+              </a:spcBef>
+              <a:buSzPts val="2240"/>
+            </a:pPr>
+            <a:r>
+              <a:rPr lang="zh-TW" altLang="en-US" dirty="0"/>
+              <a:t>這週會講解關於如何以</a:t>
+            </a:r>
+            <a:r>
+              <a:rPr lang="zh-TW" altLang="zh-TW" dirty="0"/>
+              <a:t>「人、事、時、地、物」</a:t>
+            </a:r>
+            <a:r>
+              <a:rPr lang="zh-TW" altLang="en-US" dirty="0"/>
+              <a:t>來</a:t>
+            </a:r>
+            <a:r>
+              <a:rPr lang="zh-TW" altLang="zh-TW" dirty="0"/>
+              <a:t>取特徵詞</a:t>
+            </a:r>
+            <a:endParaRPr lang="en-US" altLang="zh-TW" dirty="0"/>
+          </a:p>
+          <a:p>
+            <a:pPr marL="342900" indent="-342900">
+              <a:spcBef>
+                <a:spcPts val="0"/>
+              </a:spcBef>
+              <a:buSzPts val="2240"/>
+            </a:pPr>
             <a:endParaRPr lang="en-US" altLang="zh-TW" dirty="0"/>
           </a:p>
           <a:p>

--- a/week03/文本分析與程式設計Week3.pptx
+++ b/week03/文本分析與程式設計Week3.pptx
@@ -275,7 +275,7 @@
       <p15:sldGuideLst xmlns:p15="http://schemas.microsoft.com/office/powerpoint/2012/main"/>
     </p:ext>
     <p:ext uri="http://customooxmlschemas.google.com/">
-      <go:slidesCustomData xmlns:go="http://customooxmlschemas.google.com/" xmlns:ahyp="http://schemas.microsoft.com/office/drawing/2018/hyperlinkcolor" xmlns:p15="http://schemas.microsoft.com/office/powerpoint/2012/main" xmlns:p14="http://schemas.microsoft.com/office/powerpoint/2010/main" xmlns:com="http://schemas.openxmlformats.org/drawingml/2006/compatibility" xmlns:pvml="urn:schemas-microsoft-com:office:powerpoint" xmlns:v="urn:schemas-microsoft-com:vml" xmlns:o="urn:schemas-microsoft-com:office:office" xmlns:dgm="http://schemas.openxmlformats.org/drawingml/2006/diagram" xmlns:c="http://schemas.openxmlformats.org/drawingml/2006/chart" xmlns:mv="urn:schemas-microsoft-com:mac:vml" xmlns:mc="http://schemas.openxmlformats.org/markup-compatibility/2006" xmlns="" r:id="rId33" roundtripDataSignature="AMtx7mjdcmhsf5qhXmMRw4mkjP7VT7/UtQ=="/>
+      <go:slidesCustomData xmlns="" xmlns:mc="http://schemas.openxmlformats.org/markup-compatibility/2006" xmlns:mv="urn:schemas-microsoft-com:mac:vml" xmlns:c="http://schemas.openxmlformats.org/drawingml/2006/chart" xmlns:dgm="http://schemas.openxmlformats.org/drawingml/2006/diagram" xmlns:o="urn:schemas-microsoft-com:office:office" xmlns:v="urn:schemas-microsoft-com:vml" xmlns:pvml="urn:schemas-microsoft-com:office:powerpoint" xmlns:com="http://schemas.openxmlformats.org/drawingml/2006/compatibility" xmlns:p14="http://schemas.microsoft.com/office/powerpoint/2010/main" xmlns:p15="http://schemas.microsoft.com/office/powerpoint/2012/main" xmlns:ahyp="http://schemas.microsoft.com/office/drawing/2018/hyperlinkcolor" xmlns:go="http://customooxmlschemas.google.com/" r:id="rId33" roundtripDataSignature="AMtx7mjdcmhsf5qhXmMRw4mkjP7VT7/UtQ=="/>
     </p:ext>
   </p:extLst>
 </p:presentation>
@@ -23876,25 +23876,45 @@
           <a:lstStyle/>
           <a:p>
             <a:r>
-              <a:rPr lang="zh-TW" altLang="en-US" dirty="0"/>
+              <a:rPr lang="zh-TW" altLang="en-US" dirty="0">
+                <a:solidFill>
+                  <a:srgbClr val="FF0000"/>
+                </a:solidFill>
+              </a:rPr>
               <a:t>棒球類文本輸出的結果如下</a:t>
             </a:r>
-            <a:endParaRPr lang="en-US" altLang="zh-TW" dirty="0"/>
-          </a:p>
-          <a:p>
-            <a:endParaRPr lang="en-US" altLang="zh-TW" dirty="0"/>
-          </a:p>
-          <a:p>
-            <a:endParaRPr lang="en-US" altLang="zh-TW" dirty="0"/>
-          </a:p>
-          <a:p>
-            <a:endParaRPr lang="en-US" altLang="zh-TW" dirty="0"/>
+            <a:endParaRPr lang="en-US" altLang="zh-TW" dirty="0">
+              <a:solidFill>
+                <a:srgbClr val="FF0000"/>
+              </a:solidFill>
+            </a:endParaRPr>
+          </a:p>
+          <a:p>
+            <a:endParaRPr lang="en-US" altLang="zh-TW" dirty="0">
+              <a:solidFill>
+                <a:srgbClr val="FF0000"/>
+              </a:solidFill>
+            </a:endParaRPr>
+          </a:p>
+          <a:p>
+            <a:endParaRPr lang="en-US" altLang="zh-TW" dirty="0">
+              <a:solidFill>
+                <a:srgbClr val="FF0000"/>
+              </a:solidFill>
+            </a:endParaRPr>
+          </a:p>
+          <a:p>
+            <a:endParaRPr lang="en-US" altLang="zh-TW" dirty="0">
+              <a:solidFill>
+                <a:srgbClr val="FF0000"/>
+              </a:solidFill>
+            </a:endParaRPr>
           </a:p>
           <a:p>
             <a:r>
               <a:rPr lang="zh-TW" altLang="en-US" dirty="0">
                 <a:solidFill>
-                  <a:schemeClr val="dk1"/>
+                  <a:srgbClr val="FF0000"/>
                 </a:solidFill>
               </a:rPr>
               <a:t>在原文「本週三在紐約的比賽</a:t>
@@ -23902,7 +23922,7 @@
             <a:r>
               <a:rPr lang="en-US" altLang="zh-TW" dirty="0">
                 <a:solidFill>
-                  <a:schemeClr val="dk1"/>
+                  <a:srgbClr val="FF0000"/>
                 </a:solidFill>
               </a:rPr>
               <a:t>…</a:t>
@@ -23910,7 +23930,7 @@
             <a:r>
               <a:rPr lang="zh-TW" altLang="en-US" dirty="0">
                 <a:solidFill>
-                  <a:schemeClr val="dk1"/>
+                  <a:srgbClr val="FF0000"/>
                 </a:solidFill>
               </a:rPr>
               <a:t>」裡，「週三」就是一個表示時間的詞彙。</a:t>
@@ -23918,7 +23938,7 @@
             <a:r>
               <a:rPr lang="en-US" altLang="zh-TW" dirty="0" err="1">
                 <a:solidFill>
-                  <a:schemeClr val="dk1"/>
+                  <a:srgbClr val="FF0000"/>
                 </a:solidFill>
               </a:rPr>
               <a:t>Articut</a:t>
@@ -23926,7 +23946,7 @@
             <a:r>
               <a:rPr lang="en-US" altLang="zh-TW" dirty="0">
                 <a:solidFill>
-                  <a:schemeClr val="dk1"/>
+                  <a:srgbClr val="FF0000"/>
                 </a:solidFill>
               </a:rPr>
               <a:t> </a:t>
@@ -23934,7 +23954,7 @@
             <a:r>
               <a:rPr lang="zh-TW" altLang="en-US" dirty="0">
                 <a:solidFill>
-                  <a:schemeClr val="dk1"/>
+                  <a:srgbClr val="FF0000"/>
                 </a:solidFill>
               </a:rPr>
               <a:t>的</a:t>
@@ -23942,7 +23962,7 @@
             <a:r>
               <a:rPr lang="en-US" altLang="zh-TW" dirty="0">
                 <a:solidFill>
-                  <a:schemeClr val="dk1"/>
+                  <a:srgbClr val="FF0000"/>
                 </a:solidFill>
               </a:rPr>
               <a:t>lv3 </a:t>
@@ -23950,7 +23970,7 @@
             <a:r>
               <a:rPr lang="zh-TW" altLang="en-US" dirty="0">
                 <a:solidFill>
-                  <a:schemeClr val="dk1"/>
+                  <a:srgbClr val="FF0000"/>
                 </a:solidFill>
               </a:rPr>
               <a:t>在計算時間時，可自行決定要不要參考當下的時間。由於本範例是在 </a:t>
@@ -23958,7 +23978,7 @@
             <a:r>
               <a:rPr lang="en-US" altLang="zh-TW" dirty="0">
                 <a:solidFill>
-                  <a:schemeClr val="dk1"/>
+                  <a:srgbClr val="FF0000"/>
                 </a:solidFill>
               </a:rPr>
               <a:t>2021.05.06 (</a:t>
@@ -23966,7 +23986,7 @@
             <a:r>
               <a:rPr lang="zh-TW" altLang="en-US" dirty="0">
                 <a:solidFill>
-                  <a:schemeClr val="dk1"/>
+                  <a:srgbClr val="FF0000"/>
                 </a:solidFill>
               </a:rPr>
               <a:t>四</a:t>
@@ -23974,7 +23994,7 @@
             <a:r>
               <a:rPr lang="en-US" altLang="zh-TW" dirty="0">
                 <a:solidFill>
-                  <a:schemeClr val="dk1"/>
+                  <a:srgbClr val="FF0000"/>
                 </a:solidFill>
               </a:rPr>
               <a:t>) </a:t>
@@ -23982,7 +24002,7 @@
             <a:r>
               <a:rPr lang="zh-TW" altLang="en-US" dirty="0">
                 <a:solidFill>
-                  <a:schemeClr val="dk1"/>
+                  <a:srgbClr val="FF0000"/>
                 </a:solidFill>
               </a:rPr>
               <a:t>執行的，參考這個時間的結果，</a:t>
@@ -23990,7 +24010,7 @@
             <a:r>
               <a:rPr lang="en-US" altLang="zh-TW" dirty="0" err="1">
                 <a:solidFill>
-                  <a:schemeClr val="dk1"/>
+                  <a:srgbClr val="FF0000"/>
                 </a:solidFill>
               </a:rPr>
               <a:t>Articut</a:t>
@@ -23998,7 +24018,7 @@
             <a:r>
               <a:rPr lang="en-US" altLang="zh-TW" dirty="0">
                 <a:solidFill>
-                  <a:schemeClr val="dk1"/>
+                  <a:srgbClr val="FF0000"/>
                 </a:solidFill>
               </a:rPr>
               <a:t> </a:t>
@@ -24006,7 +24026,7 @@
             <a:r>
               <a:rPr lang="zh-TW" altLang="en-US" dirty="0">
                 <a:solidFill>
-                  <a:schemeClr val="dk1"/>
+                  <a:srgbClr val="FF0000"/>
                 </a:solidFill>
               </a:rPr>
               <a:t>將「週三」計算為 </a:t>
@@ -24014,7 +24034,7 @@
             <a:r>
               <a:rPr lang="en-US" altLang="zh-TW" dirty="0">
                 <a:solidFill>
-                  <a:schemeClr val="dk1"/>
+                  <a:srgbClr val="FF0000"/>
                 </a:solidFill>
               </a:rPr>
               <a:t>"2021-05-05" </a:t>
@@ -24022,7 +24042,7 @@
             <a:r>
               <a:rPr lang="zh-TW" altLang="en-US" dirty="0">
                 <a:solidFill>
-                  <a:schemeClr val="dk1"/>
+                  <a:srgbClr val="FF0000"/>
                 </a:solidFill>
               </a:rPr>
               <a:t>這天。</a:t>
@@ -29388,7 +29408,9 @@
         </p:nvSpPr>
         <p:spPr/>
         <p:txBody>
-          <a:bodyPr/>
+          <a:bodyPr>
+            <a:normAutofit/>
+          </a:bodyPr>
           <a:lstStyle/>
           <a:p>
             <a:r>
@@ -29402,6 +29424,62 @@
               <a:rPr lang="zh-TW" altLang="en-US" dirty="0"/>
               <a:t>知道為什麼要取出人事時地物的特徵詞</a:t>
             </a:r>
+            <a:endParaRPr lang="en-US" altLang="zh-TW" dirty="0"/>
+          </a:p>
+          <a:p>
+            <a:endParaRPr lang="en-US" altLang="zh-TW" dirty="0"/>
+          </a:p>
+          <a:p>
+            <a:endParaRPr lang="en-US" altLang="zh-TW" dirty="0"/>
+          </a:p>
+          <a:p>
+            <a:endParaRPr lang="en-US" altLang="zh-TW" dirty="0"/>
+          </a:p>
+          <a:p>
+            <a:endParaRPr lang="en-US" altLang="zh-TW" dirty="0"/>
+          </a:p>
+          <a:p>
+            <a:r>
+              <a:rPr lang="zh-TW" altLang="en-US" sz="1600" dirty="0"/>
+              <a:t>本課程使用的文本是從</a:t>
+            </a:r>
+            <a:endParaRPr lang="en-US" altLang="zh-TW" sz="1600" dirty="0"/>
+          </a:p>
+          <a:p>
+            <a:r>
+              <a:rPr lang="en-US" altLang="zh-TW" sz="1600" dirty="0"/>
+              <a:t>1.</a:t>
+            </a:r>
+            <a:r>
+              <a:rPr lang="zh-TW" altLang="en-US" sz="1600" dirty="0"/>
+              <a:t> </a:t>
+            </a:r>
+            <a:r>
+              <a:rPr lang="en-US" altLang="zh-TW" sz="1600" dirty="0">
+                <a:hlinkClick r:id="rId2"/>
+              </a:rPr>
+              <a:t>https://news-taiwan.xyz/uncategorized/39053.html</a:t>
+            </a:r>
+            <a:endParaRPr lang="en-US" altLang="zh-TW" sz="1600" dirty="0"/>
+          </a:p>
+          <a:p>
+            <a:r>
+              <a:rPr lang="en-US" altLang="zh-TW" sz="1600" dirty="0"/>
+              <a:t>2.</a:t>
+            </a:r>
+            <a:r>
+              <a:rPr lang="zh-TW" altLang="en-US" sz="1600" dirty="0"/>
+              <a:t> </a:t>
+            </a:r>
+            <a:r>
+              <a:rPr lang="en-US" altLang="zh-TW" sz="1600" dirty="0">
+                <a:hlinkClick r:id="rId3"/>
+              </a:rPr>
+              <a:t>https://www.ctwant.com/article/111388</a:t>
+            </a:r>
+            <a:endParaRPr lang="en-US" altLang="zh-TW" sz="1600" dirty="0"/>
+          </a:p>
+          <a:p>
             <a:endParaRPr lang="en-US" altLang="zh-TW" dirty="0"/>
           </a:p>
           <a:p>

--- a/week03/文本分析與程式設計Week3.pptx
+++ b/week03/文本分析與程式設計Week3.pptx
@@ -2,10 +2,10 @@
 <file path=ppt/presentation.xml><?xml version="1.0" encoding="utf-8"?>
 <p:presentation xmlns:a="http://schemas.openxmlformats.org/drawingml/2006/main" xmlns:r="http://schemas.openxmlformats.org/officeDocument/2006/relationships" xmlns:p="http://schemas.openxmlformats.org/presentationml/2006/main" strictFirstAndLastChars="0" saveSubsetFonts="1" autoCompressPictures="0">
   <p:sldMasterIdLst>
-    <p:sldMasterId id="2147483648" r:id="rId1"/>
+    <p:sldMasterId id="2147483669" r:id="rId1"/>
   </p:sldMasterIdLst>
   <p:notesMasterIdLst>
-    <p:notesMasterId r:id="rId32"/>
+    <p:notesMasterId r:id="rId44"/>
   </p:notesMasterIdLst>
   <p:sldIdLst>
     <p:sldId id="256" r:id="rId2"/>
@@ -38,6 +38,18 @@
     <p:sldId id="269" r:id="rId29"/>
     <p:sldId id="289" r:id="rId30"/>
     <p:sldId id="290" r:id="rId31"/>
+    <p:sldId id="295" r:id="rId32"/>
+    <p:sldId id="296" r:id="rId33"/>
+    <p:sldId id="297" r:id="rId34"/>
+    <p:sldId id="298" r:id="rId35"/>
+    <p:sldId id="299" r:id="rId36"/>
+    <p:sldId id="302" r:id="rId37"/>
+    <p:sldId id="301" r:id="rId38"/>
+    <p:sldId id="300" r:id="rId39"/>
+    <p:sldId id="303" r:id="rId40"/>
+    <p:sldId id="304" r:id="rId41"/>
+    <p:sldId id="305" r:id="rId42"/>
+    <p:sldId id="306" r:id="rId43"/>
   </p:sldIdLst>
   <p:sldSz cx="12192000" cy="6858000"/>
   <p:notesSz cx="7099300" cy="10234613"/>
@@ -275,7 +287,7 @@
       <p15:sldGuideLst xmlns:p15="http://schemas.microsoft.com/office/powerpoint/2012/main"/>
     </p:ext>
     <p:ext uri="http://customooxmlschemas.google.com/">
-      <go:slidesCustomData xmlns="" xmlns:mc="http://schemas.openxmlformats.org/markup-compatibility/2006" xmlns:mv="urn:schemas-microsoft-com:mac:vml" xmlns:c="http://schemas.openxmlformats.org/drawingml/2006/chart" xmlns:dgm="http://schemas.openxmlformats.org/drawingml/2006/diagram" xmlns:o="urn:schemas-microsoft-com:office:office" xmlns:v="urn:schemas-microsoft-com:vml" xmlns:pvml="urn:schemas-microsoft-com:office:powerpoint" xmlns:com="http://schemas.openxmlformats.org/drawingml/2006/compatibility" xmlns:p14="http://schemas.microsoft.com/office/powerpoint/2010/main" xmlns:p15="http://schemas.microsoft.com/office/powerpoint/2012/main" xmlns:ahyp="http://schemas.microsoft.com/office/drawing/2018/hyperlinkcolor" xmlns:go="http://customooxmlschemas.google.com/" r:id="rId33" roundtripDataSignature="AMtx7mjdcmhsf5qhXmMRw4mkjP7VT7/UtQ=="/>
+      <go:slidesCustomData xmlns:go="http://customooxmlschemas.google.com/" xmlns:ahyp="http://schemas.microsoft.com/office/drawing/2018/hyperlinkcolor" xmlns:p15="http://schemas.microsoft.com/office/powerpoint/2012/main" xmlns:p14="http://schemas.microsoft.com/office/powerpoint/2010/main" xmlns:com="http://schemas.openxmlformats.org/drawingml/2006/compatibility" xmlns:pvml="urn:schemas-microsoft-com:office:powerpoint" xmlns:v="urn:schemas-microsoft-com:vml" xmlns:o="urn:schemas-microsoft-com:office:office" xmlns:dgm="http://schemas.openxmlformats.org/drawingml/2006/diagram" xmlns:c="http://schemas.openxmlformats.org/drawingml/2006/chart" xmlns:mv="urn:schemas-microsoft-com:mac:vml" xmlns:mc="http://schemas.openxmlformats.org/markup-compatibility/2006" xmlns="" r:id="rId45" roundtripDataSignature="AMtx7mjdcmhsf5qhXmMRw4mkjP7VT7/UtQ=="/>
     </p:ext>
   </p:extLst>
 </p:presentation>
@@ -1744,7 +1756,7 @@
 
 <file path=ppt/slideLayouts/slideLayout1.xml><?xml version="1.0" encoding="utf-8"?>
 <p:sldLayout xmlns:a="http://schemas.openxmlformats.org/drawingml/2006/main" xmlns:r="http://schemas.openxmlformats.org/officeDocument/2006/relationships" xmlns:p="http://schemas.openxmlformats.org/presentationml/2006/main" showMasterSp="0" matchingName="標題投影片" type="title">
-  <p:cSld name="TITLE">
+  <p:cSld name="標題投影片">
     <p:spTree>
       <p:nvGrpSpPr>
         <p:cNvPr id="1" name="Shape 26"/>
@@ -2343,6 +2355,10 @@
             </a:lvl9pPr>
           </a:lstStyle>
           <a:p>
+            <a:r>
+              <a:rPr lang="en-US" altLang="zh-TW"/>
+              <a:t>Click to edit Master title style</a:t>
+            </a:r>
             <a:endParaRPr/>
           </a:p>
         </p:txBody>
@@ -2512,6 +2528,10 @@
             </a:lvl9pPr>
           </a:lstStyle>
           <a:p>
+            <a:r>
+              <a:rPr lang="en-US" altLang="zh-TW"/>
+              <a:t>Click to edit Master subtitle style</a:t>
+            </a:r>
             <a:endParaRPr/>
           </a:p>
         </p:txBody>
@@ -2645,7 +2665,7 @@
             </a:lvl9pPr>
           </a:lstStyle>
           <a:p>
-            <a:endParaRPr/>
+            <a:endParaRPr lang="zh-TW" altLang="en-US"/>
           </a:p>
         </p:txBody>
       </p:sp>
@@ -2778,7 +2798,7 @@
             </a:lvl9pPr>
           </a:lstStyle>
           <a:p>
-            <a:endParaRPr/>
+            <a:endParaRPr lang="zh-TW" altLang="en-US"/>
           </a:p>
         </p:txBody>
       </p:sp>
@@ -2885,14 +2905,19 @@
               <a:buNone/>
             </a:pPr>
             <a:fld id="{00000000-1234-1234-1234-123412341234}" type="slidenum">
-              <a:rPr lang="zh-TW"/>
+              <a:rPr lang="en-US" altLang="zh-TW" smtClean="0"/>
               <a:t>‹#›</a:t>
             </a:fld>
-            <a:endParaRPr/>
+            <a:endParaRPr lang="zh-TW" altLang="en-US"/>
           </a:p>
         </p:txBody>
       </p:sp>
     </p:spTree>
+    <p:extLst>
+      <p:ext uri="{BB962C8B-B14F-4D97-AF65-F5344CB8AC3E}">
+        <p14:creationId xmlns:p14="http://schemas.microsoft.com/office/powerpoint/2010/main" val="571386437"/>
+      </p:ext>
+    </p:extLst>
   </p:cSld>
   <p:clrMapOvr>
     <a:masterClrMapping/>
@@ -3050,6 +3075,10 @@
             </a:lvl9pPr>
           </a:lstStyle>
           <a:p>
+            <a:r>
+              <a:rPr lang="en-US" altLang="zh-TW"/>
+              <a:t>Click to edit Master title style</a:t>
+            </a:r>
             <a:endParaRPr/>
           </a:p>
         </p:txBody>
@@ -3219,7 +3248,11 @@
             </a:lvl9pPr>
           </a:lstStyle>
           <a:p>
-            <a:endParaRPr/>
+            <a:pPr lvl="0"/>
+            <a:r>
+              <a:rPr lang="en-US" altLang="zh-TW"/>
+              <a:t>Edit Master text styles</a:t>
+            </a:r>
           </a:p>
         </p:txBody>
       </p:sp>
@@ -3352,7 +3385,7 @@
             </a:lvl9pPr>
           </a:lstStyle>
           <a:p>
-            <a:endParaRPr/>
+            <a:endParaRPr lang="zh-TW" altLang="en-US"/>
           </a:p>
         </p:txBody>
       </p:sp>
@@ -3485,7 +3518,7 @@
             </a:lvl9pPr>
           </a:lstStyle>
           <a:p>
-            <a:endParaRPr/>
+            <a:endParaRPr lang="zh-TW" altLang="en-US"/>
           </a:p>
         </p:txBody>
       </p:sp>
@@ -3592,14 +3625,19 @@
               <a:buNone/>
             </a:pPr>
             <a:fld id="{00000000-1234-1234-1234-123412341234}" type="slidenum">
-              <a:rPr lang="zh-TW"/>
+              <a:rPr lang="en-US" altLang="zh-TW" smtClean="0"/>
               <a:t>‹#›</a:t>
             </a:fld>
-            <a:endParaRPr/>
+            <a:endParaRPr lang="zh-TW" altLang="en-US"/>
           </a:p>
         </p:txBody>
       </p:sp>
     </p:spTree>
+    <p:extLst>
+      <p:ext uri="{BB962C8B-B14F-4D97-AF65-F5344CB8AC3E}">
+        <p14:creationId xmlns:p14="http://schemas.microsoft.com/office/powerpoint/2010/main" val="2839743890"/>
+      </p:ext>
+    </p:extLst>
   </p:cSld>
   <p:clrMapOvr>
     <a:masterClrMapping/>
@@ -3757,6 +3795,10 @@
             </a:lvl9pPr>
           </a:lstStyle>
           <a:p>
+            <a:r>
+              <a:rPr lang="en-US" altLang="zh-TW"/>
+              <a:t>Click to edit Master title style</a:t>
+            </a:r>
             <a:endParaRPr/>
           </a:p>
         </p:txBody>
@@ -3899,7 +3941,11 @@
             </a:lvl9pPr>
           </a:lstStyle>
           <a:p>
-            <a:endParaRPr/>
+            <a:pPr lvl="0"/>
+            <a:r>
+              <a:rPr lang="en-US" altLang="zh-TW"/>
+              <a:t>Edit Master text styles</a:t>
+            </a:r>
           </a:p>
         </p:txBody>
       </p:sp>
@@ -4068,7 +4114,11 @@
             </a:lvl9pPr>
           </a:lstStyle>
           <a:p>
-            <a:endParaRPr/>
+            <a:pPr lvl="0"/>
+            <a:r>
+              <a:rPr lang="en-US" altLang="zh-TW"/>
+              <a:t>Edit Master text styles</a:t>
+            </a:r>
           </a:p>
         </p:txBody>
       </p:sp>
@@ -4201,7 +4251,7 @@
             </a:lvl9pPr>
           </a:lstStyle>
           <a:p>
-            <a:endParaRPr/>
+            <a:endParaRPr lang="zh-TW" altLang="en-US"/>
           </a:p>
         </p:txBody>
       </p:sp>
@@ -4334,7 +4384,7 @@
             </a:lvl9pPr>
           </a:lstStyle>
           <a:p>
-            <a:endParaRPr/>
+            <a:endParaRPr lang="zh-TW" altLang="en-US"/>
           </a:p>
         </p:txBody>
       </p:sp>
@@ -4441,10 +4491,10 @@
               <a:buNone/>
             </a:pPr>
             <a:fld id="{00000000-1234-1234-1234-123412341234}" type="slidenum">
-              <a:rPr lang="zh-TW"/>
+              <a:rPr lang="en-US" altLang="zh-TW" smtClean="0"/>
               <a:t>‹#›</a:t>
             </a:fld>
-            <a:endParaRPr/>
+            <a:endParaRPr lang="zh-TW" altLang="en-US"/>
           </a:p>
         </p:txBody>
       </p:sp>
@@ -4549,6 +4599,11 @@
         </p:txBody>
       </p:sp>
     </p:spTree>
+    <p:extLst>
+      <p:ext uri="{BB962C8B-B14F-4D97-AF65-F5344CB8AC3E}">
+        <p14:creationId xmlns:p14="http://schemas.microsoft.com/office/powerpoint/2010/main" val="1496126871"/>
+      </p:ext>
+    </p:extLst>
   </p:cSld>
   <p:clrMapOvr>
     <a:masterClrMapping/>
@@ -4706,6 +4761,10 @@
             </a:lvl9pPr>
           </a:lstStyle>
           <a:p>
+            <a:r>
+              <a:rPr lang="en-US" altLang="zh-TW"/>
+              <a:t>Click to edit Master title style</a:t>
+            </a:r>
             <a:endParaRPr/>
           </a:p>
         </p:txBody>
@@ -4875,7 +4934,11 @@
             </a:lvl9pPr>
           </a:lstStyle>
           <a:p>
-            <a:endParaRPr/>
+            <a:pPr lvl="0"/>
+            <a:r>
+              <a:rPr lang="en-US" altLang="zh-TW"/>
+              <a:t>Edit Master text styles</a:t>
+            </a:r>
           </a:p>
         </p:txBody>
       </p:sp>
@@ -5008,7 +5071,7 @@
             </a:lvl9pPr>
           </a:lstStyle>
           <a:p>
-            <a:endParaRPr/>
+            <a:endParaRPr lang="zh-TW" altLang="en-US"/>
           </a:p>
         </p:txBody>
       </p:sp>
@@ -5141,7 +5204,7 @@
             </a:lvl9pPr>
           </a:lstStyle>
           <a:p>
-            <a:endParaRPr/>
+            <a:endParaRPr lang="zh-TW" altLang="en-US"/>
           </a:p>
         </p:txBody>
       </p:sp>
@@ -5248,14 +5311,19 @@
               <a:buNone/>
             </a:pPr>
             <a:fld id="{00000000-1234-1234-1234-123412341234}" type="slidenum">
-              <a:rPr lang="zh-TW"/>
+              <a:rPr lang="en-US" altLang="zh-TW" smtClean="0"/>
               <a:t>‹#›</a:t>
             </a:fld>
-            <a:endParaRPr/>
+            <a:endParaRPr lang="zh-TW" altLang="en-US"/>
           </a:p>
         </p:txBody>
       </p:sp>
     </p:spTree>
+    <p:extLst>
+      <p:ext uri="{BB962C8B-B14F-4D97-AF65-F5344CB8AC3E}">
+        <p14:creationId xmlns:p14="http://schemas.microsoft.com/office/powerpoint/2010/main" val="2504212936"/>
+      </p:ext>
+    </p:extLst>
   </p:cSld>
   <p:clrMapOvr>
     <a:masterClrMapping/>
@@ -5413,6 +5481,10 @@
             </a:lvl9pPr>
           </a:lstStyle>
           <a:p>
+            <a:r>
+              <a:rPr lang="en-US" altLang="zh-TW"/>
+              <a:t>Click to edit Master title style</a:t>
+            </a:r>
             <a:endParaRPr/>
           </a:p>
         </p:txBody>
@@ -5555,7 +5627,11 @@
             </a:lvl9pPr>
           </a:lstStyle>
           <a:p>
-            <a:endParaRPr/>
+            <a:pPr lvl="0"/>
+            <a:r>
+              <a:rPr lang="en-US" altLang="zh-TW"/>
+              <a:t>Edit Master text styles</a:t>
+            </a:r>
           </a:p>
         </p:txBody>
       </p:sp>
@@ -5724,7 +5800,11 @@
             </a:lvl9pPr>
           </a:lstStyle>
           <a:p>
-            <a:endParaRPr/>
+            <a:pPr lvl="0"/>
+            <a:r>
+              <a:rPr lang="en-US" altLang="zh-TW"/>
+              <a:t>Edit Master text styles</a:t>
+            </a:r>
           </a:p>
         </p:txBody>
       </p:sp>
@@ -5857,7 +5937,7 @@
             </a:lvl9pPr>
           </a:lstStyle>
           <a:p>
-            <a:endParaRPr/>
+            <a:endParaRPr lang="zh-TW" altLang="en-US"/>
           </a:p>
         </p:txBody>
       </p:sp>
@@ -5990,7 +6070,7 @@
             </a:lvl9pPr>
           </a:lstStyle>
           <a:p>
-            <a:endParaRPr/>
+            <a:endParaRPr lang="zh-TW" altLang="en-US"/>
           </a:p>
         </p:txBody>
       </p:sp>
@@ -6097,10 +6177,10 @@
               <a:buNone/>
             </a:pPr>
             <a:fld id="{00000000-1234-1234-1234-123412341234}" type="slidenum">
-              <a:rPr lang="zh-TW"/>
+              <a:rPr lang="en-US" altLang="zh-TW" smtClean="0"/>
               <a:t>‹#›</a:t>
             </a:fld>
-            <a:endParaRPr/>
+            <a:endParaRPr lang="zh-TW" altLang="en-US"/>
           </a:p>
         </p:txBody>
       </p:sp>
@@ -6205,6 +6285,11 @@
         </p:txBody>
       </p:sp>
     </p:spTree>
+    <p:extLst>
+      <p:ext uri="{BB962C8B-B14F-4D97-AF65-F5344CB8AC3E}">
+        <p14:creationId xmlns:p14="http://schemas.microsoft.com/office/powerpoint/2010/main" val="2500626187"/>
+      </p:ext>
+    </p:extLst>
   </p:cSld>
   <p:clrMapOvr>
     <a:masterClrMapping/>
@@ -6362,6 +6447,10 @@
             </a:lvl9pPr>
           </a:lstStyle>
           <a:p>
+            <a:r>
+              <a:rPr lang="en-US" altLang="zh-TW"/>
+              <a:t>Click to edit Master title style</a:t>
+            </a:r>
             <a:endParaRPr/>
           </a:p>
         </p:txBody>
@@ -6504,7 +6593,11 @@
             </a:lvl9pPr>
           </a:lstStyle>
           <a:p>
-            <a:endParaRPr/>
+            <a:pPr lvl="0"/>
+            <a:r>
+              <a:rPr lang="en-US" altLang="zh-TW"/>
+              <a:t>Edit Master text styles</a:t>
+            </a:r>
           </a:p>
         </p:txBody>
       </p:sp>
@@ -6673,7 +6766,11 @@
             </a:lvl9pPr>
           </a:lstStyle>
           <a:p>
-            <a:endParaRPr/>
+            <a:pPr lvl="0"/>
+            <a:r>
+              <a:rPr lang="en-US" altLang="zh-TW"/>
+              <a:t>Edit Master text styles</a:t>
+            </a:r>
           </a:p>
         </p:txBody>
       </p:sp>
@@ -6806,7 +6903,7 @@
             </a:lvl9pPr>
           </a:lstStyle>
           <a:p>
-            <a:endParaRPr/>
+            <a:endParaRPr lang="zh-TW" altLang="en-US"/>
           </a:p>
         </p:txBody>
       </p:sp>
@@ -6939,7 +7036,7 @@
             </a:lvl9pPr>
           </a:lstStyle>
           <a:p>
-            <a:endParaRPr/>
+            <a:endParaRPr lang="zh-TW" altLang="en-US"/>
           </a:p>
         </p:txBody>
       </p:sp>
@@ -7046,14 +7143,19 @@
               <a:buNone/>
             </a:pPr>
             <a:fld id="{00000000-1234-1234-1234-123412341234}" type="slidenum">
-              <a:rPr lang="zh-TW"/>
+              <a:rPr lang="en-US" altLang="zh-TW" smtClean="0"/>
               <a:t>‹#›</a:t>
             </a:fld>
-            <a:endParaRPr/>
+            <a:endParaRPr lang="zh-TW" altLang="en-US"/>
           </a:p>
         </p:txBody>
       </p:sp>
     </p:spTree>
+    <p:extLst>
+      <p:ext uri="{BB962C8B-B14F-4D97-AF65-F5344CB8AC3E}">
+        <p14:creationId xmlns:p14="http://schemas.microsoft.com/office/powerpoint/2010/main" val="3464267957"/>
+      </p:ext>
+    </p:extLst>
   </p:cSld>
   <p:clrMapOvr>
     <a:masterClrMapping/>
@@ -7063,7 +7165,7 @@
 
 <file path=ppt/slideLayouts/slideLayout15.xml><?xml version="1.0" encoding="utf-8"?>
 <p:sldLayout xmlns:a="http://schemas.openxmlformats.org/drawingml/2006/main" xmlns:r="http://schemas.openxmlformats.org/officeDocument/2006/relationships" xmlns:p="http://schemas.openxmlformats.org/presentationml/2006/main" matchingName="標題及直排文字" type="vertTx">
-  <p:cSld name="VERTICAL_TEXT">
+  <p:cSld name="標題及直排文字">
     <p:spTree>
       <p:nvGrpSpPr>
         <p:cNvPr id="1" name="Shape 135"/>
@@ -7210,6 +7312,10 @@
             </a:lvl9pPr>
           </a:lstStyle>
           <a:p>
+            <a:r>
+              <a:rPr lang="en-US" altLang="zh-TW"/>
+              <a:t>Click to edit Master title style</a:t>
+            </a:r>
             <a:endParaRPr/>
           </a:p>
         </p:txBody>
@@ -7343,7 +7449,11 @@
             </a:lvl9pPr>
           </a:lstStyle>
           <a:p>
-            <a:endParaRPr/>
+            <a:pPr lvl="0"/>
+            <a:r>
+              <a:rPr lang="en-US" altLang="zh-TW"/>
+              <a:t>Edit Master text styles</a:t>
+            </a:r>
           </a:p>
         </p:txBody>
       </p:sp>
@@ -7476,7 +7586,7 @@
             </a:lvl9pPr>
           </a:lstStyle>
           <a:p>
-            <a:endParaRPr/>
+            <a:endParaRPr lang="zh-TW" altLang="en-US"/>
           </a:p>
         </p:txBody>
       </p:sp>
@@ -7609,7 +7719,7 @@
             </a:lvl9pPr>
           </a:lstStyle>
           <a:p>
-            <a:endParaRPr/>
+            <a:endParaRPr lang="zh-TW" altLang="en-US"/>
           </a:p>
         </p:txBody>
       </p:sp>
@@ -7716,14 +7826,19 @@
               <a:buNone/>
             </a:pPr>
             <a:fld id="{00000000-1234-1234-1234-123412341234}" type="slidenum">
-              <a:rPr lang="zh-TW"/>
+              <a:rPr lang="en-US" altLang="zh-TW" smtClean="0"/>
               <a:t>‹#›</a:t>
             </a:fld>
-            <a:endParaRPr/>
+            <a:endParaRPr lang="zh-TW" altLang="en-US"/>
           </a:p>
         </p:txBody>
       </p:sp>
     </p:spTree>
+    <p:extLst>
+      <p:ext uri="{BB962C8B-B14F-4D97-AF65-F5344CB8AC3E}">
+        <p14:creationId xmlns:p14="http://schemas.microsoft.com/office/powerpoint/2010/main" val="184835826"/>
+      </p:ext>
+    </p:extLst>
   </p:cSld>
   <p:clrMapOvr>
     <a:masterClrMapping/>
@@ -7733,7 +7848,7 @@
 
 <file path=ppt/slideLayouts/slideLayout16.xml><?xml version="1.0" encoding="utf-8"?>
 <p:sldLayout xmlns:a="http://schemas.openxmlformats.org/drawingml/2006/main" xmlns:r="http://schemas.openxmlformats.org/officeDocument/2006/relationships" xmlns:p="http://schemas.openxmlformats.org/presentationml/2006/main" matchingName="直排標題及文字" type="vertTitleAndTx">
-  <p:cSld name="VERTICAL_TITLE_AND_VERTICAL_TEXT">
+  <p:cSld name="直排標題及文字">
     <p:spTree>
       <p:nvGrpSpPr>
         <p:cNvPr id="1" name="Shape 141"/>
@@ -7880,6 +7995,10 @@
             </a:lvl9pPr>
           </a:lstStyle>
           <a:p>
+            <a:r>
+              <a:rPr lang="en-US" altLang="zh-TW"/>
+              <a:t>Click to edit Master title style</a:t>
+            </a:r>
             <a:endParaRPr/>
           </a:p>
         </p:txBody>
@@ -8013,7 +8132,11 @@
             </a:lvl9pPr>
           </a:lstStyle>
           <a:p>
-            <a:endParaRPr/>
+            <a:pPr lvl="0"/>
+            <a:r>
+              <a:rPr lang="en-US" altLang="zh-TW"/>
+              <a:t>Edit Master text styles</a:t>
+            </a:r>
           </a:p>
         </p:txBody>
       </p:sp>
@@ -8146,7 +8269,7 @@
             </a:lvl9pPr>
           </a:lstStyle>
           <a:p>
-            <a:endParaRPr/>
+            <a:endParaRPr lang="zh-TW" altLang="en-US"/>
           </a:p>
         </p:txBody>
       </p:sp>
@@ -8279,7 +8402,7 @@
             </a:lvl9pPr>
           </a:lstStyle>
           <a:p>
-            <a:endParaRPr/>
+            <a:endParaRPr lang="zh-TW" altLang="en-US"/>
           </a:p>
         </p:txBody>
       </p:sp>
@@ -8386,14 +8509,19 @@
               <a:buNone/>
             </a:pPr>
             <a:fld id="{00000000-1234-1234-1234-123412341234}" type="slidenum">
-              <a:rPr lang="zh-TW"/>
+              <a:rPr lang="en-US" altLang="zh-TW" smtClean="0"/>
               <a:t>‹#›</a:t>
             </a:fld>
-            <a:endParaRPr/>
+            <a:endParaRPr lang="zh-TW" altLang="en-US"/>
           </a:p>
         </p:txBody>
       </p:sp>
     </p:spTree>
+    <p:extLst>
+      <p:ext uri="{BB962C8B-B14F-4D97-AF65-F5344CB8AC3E}">
+        <p14:creationId xmlns:p14="http://schemas.microsoft.com/office/powerpoint/2010/main" val="3802417625"/>
+      </p:ext>
+    </p:extLst>
   </p:cSld>
   <p:clrMapOvr>
     <a:masterClrMapping/>
@@ -8557,11 +8685,11 @@
               <a:buNone/>
             </a:pPr>
             <a:r>
-              <a:rPr lang="zh-TW"/>
+              <a:rPr lang="en-US" altLang="zh-TW"/>
               <a:t>— </a:t>
             </a:r>
             <a:fld id="{00000000-1234-1234-1234-123412341234}" type="slidenum">
-              <a:rPr lang="zh-TW" sz="1800"/>
+              <a:rPr lang="zh-TW" sz="1800" smtClean="0"/>
               <a:t>‹#›</a:t>
             </a:fld>
             <a:r>
@@ -8921,7 +9049,11 @@
             </a:lvl9pPr>
           </a:lstStyle>
           <a:p>
-            <a:endParaRPr/>
+            <a:pPr lvl="0"/>
+            <a:r>
+              <a:rPr lang="en-US" altLang="zh-TW"/>
+              <a:t>Edit Master text styles</a:t>
+            </a:r>
           </a:p>
         </p:txBody>
       </p:sp>
@@ -9058,11 +9190,20 @@
             </a:lvl9pPr>
           </a:lstStyle>
           <a:p>
-            <a:endParaRPr/>
+            <a:pPr lvl="0"/>
+            <a:r>
+              <a:rPr lang="en-US" altLang="zh-TW"/>
+              <a:t>Edit Master text styles</a:t>
+            </a:r>
           </a:p>
         </p:txBody>
       </p:sp>
     </p:spTree>
+    <p:extLst>
+      <p:ext uri="{BB962C8B-B14F-4D97-AF65-F5344CB8AC3E}">
+        <p14:creationId xmlns:p14="http://schemas.microsoft.com/office/powerpoint/2010/main" val="1841246074"/>
+      </p:ext>
+    </p:extLst>
   </p:cSld>
   <p:clrMapOvr>
     <a:masterClrMapping/>
@@ -9226,11 +9367,11 @@
               <a:buNone/>
             </a:pPr>
             <a:r>
-              <a:rPr lang="zh-TW"/>
+              <a:rPr lang="en-US" altLang="zh-TW"/>
               <a:t>— </a:t>
             </a:r>
             <a:fld id="{00000000-1234-1234-1234-123412341234}" type="slidenum">
-              <a:rPr lang="zh-TW" sz="1800"/>
+              <a:rPr lang="zh-TW" sz="1800" smtClean="0"/>
               <a:t>‹#›</a:t>
             </a:fld>
             <a:r>
@@ -9590,7 +9731,11 @@
             </a:lvl9pPr>
           </a:lstStyle>
           <a:p>
-            <a:endParaRPr/>
+            <a:pPr lvl="0"/>
+            <a:r>
+              <a:rPr lang="en-US" altLang="zh-TW"/>
+              <a:t>Edit Master text styles</a:t>
+            </a:r>
           </a:p>
         </p:txBody>
       </p:sp>
@@ -9727,11 +9872,20 @@
             </a:lvl9pPr>
           </a:lstStyle>
           <a:p>
-            <a:endParaRPr/>
+            <a:pPr lvl="0"/>
+            <a:r>
+              <a:rPr lang="en-US" altLang="zh-TW"/>
+              <a:t>Edit Master text styles</a:t>
+            </a:r>
           </a:p>
         </p:txBody>
       </p:sp>
     </p:spTree>
+    <p:extLst>
+      <p:ext uri="{BB962C8B-B14F-4D97-AF65-F5344CB8AC3E}">
+        <p14:creationId xmlns:p14="http://schemas.microsoft.com/office/powerpoint/2010/main" val="3126168312"/>
+      </p:ext>
+    </p:extLst>
   </p:cSld>
   <p:clrMapOvr>
     <a:masterClrMapping/>
@@ -9895,11 +10049,11 @@
               <a:buNone/>
             </a:pPr>
             <a:r>
-              <a:rPr lang="zh-TW"/>
+              <a:rPr lang="en-US" altLang="zh-TW"/>
               <a:t>— </a:t>
             </a:r>
             <a:fld id="{00000000-1234-1234-1234-123412341234}" type="slidenum">
-              <a:rPr lang="zh-TW" sz="1800"/>
+              <a:rPr lang="zh-TW" sz="1800" smtClean="0"/>
               <a:t>‹#›</a:t>
             </a:fld>
             <a:r>
@@ -10259,7 +10413,11 @@
             </a:lvl9pPr>
           </a:lstStyle>
           <a:p>
-            <a:endParaRPr/>
+            <a:pPr lvl="0"/>
+            <a:r>
+              <a:rPr lang="en-US" altLang="zh-TW"/>
+              <a:t>Edit Master text styles</a:t>
+            </a:r>
           </a:p>
         </p:txBody>
       </p:sp>
@@ -10396,11 +10554,20 @@
             </a:lvl9pPr>
           </a:lstStyle>
           <a:p>
-            <a:endParaRPr/>
+            <a:pPr lvl="0"/>
+            <a:r>
+              <a:rPr lang="en-US" altLang="zh-TW"/>
+              <a:t>Edit Master text styles</a:t>
+            </a:r>
           </a:p>
         </p:txBody>
       </p:sp>
     </p:spTree>
+    <p:extLst>
+      <p:ext uri="{BB962C8B-B14F-4D97-AF65-F5344CB8AC3E}">
+        <p14:creationId xmlns:p14="http://schemas.microsoft.com/office/powerpoint/2010/main" val="1161970874"/>
+      </p:ext>
+    </p:extLst>
   </p:cSld>
   <p:clrMapOvr>
     <a:masterClrMapping/>
@@ -10410,7 +10577,7 @@
 
 <file path=ppt/slideLayouts/slideLayout2.xml><?xml version="1.0" encoding="utf-8"?>
 <p:sldLayout xmlns:a="http://schemas.openxmlformats.org/drawingml/2006/main" xmlns:r="http://schemas.openxmlformats.org/officeDocument/2006/relationships" xmlns:p="http://schemas.openxmlformats.org/presentationml/2006/main" matchingName="標題及物件" type="obj">
-  <p:cSld name="OBJECT">
+  <p:cSld name="標題及物件">
     <p:spTree>
       <p:nvGrpSpPr>
         <p:cNvPr id="1" name="Shape 43"/>
@@ -10620,6 +10787,10 @@
             </a:lvl9pPr>
           </a:lstStyle>
           <a:p>
+            <a:r>
+              <a:rPr lang="en-US" altLang="zh-TW"/>
+              <a:t>Click to edit Master title style</a:t>
+            </a:r>
             <a:endParaRPr/>
           </a:p>
         </p:txBody>
@@ -10753,7 +10924,11 @@
             </a:lvl9pPr>
           </a:lstStyle>
           <a:p>
-            <a:endParaRPr/>
+            <a:pPr lvl="0"/>
+            <a:r>
+              <a:rPr lang="en-US" altLang="zh-TW"/>
+              <a:t>Edit Master text styles</a:t>
+            </a:r>
           </a:p>
         </p:txBody>
       </p:sp>
@@ -10886,7 +11061,7 @@
             </a:lvl9pPr>
           </a:lstStyle>
           <a:p>
-            <a:endParaRPr/>
+            <a:endParaRPr lang="zh-TW" altLang="en-US"/>
           </a:p>
         </p:txBody>
       </p:sp>
@@ -11019,7 +11194,7 @@
             </a:lvl9pPr>
           </a:lstStyle>
           <a:p>
-            <a:endParaRPr/>
+            <a:endParaRPr lang="zh-TW" altLang="en-US"/>
           </a:p>
         </p:txBody>
       </p:sp>
@@ -11126,10 +11301,10 @@
               <a:buNone/>
             </a:pPr>
             <a:fld id="{00000000-1234-1234-1234-123412341234}" type="slidenum">
-              <a:rPr lang="zh-TW"/>
+              <a:rPr lang="en-US" altLang="zh-TW" smtClean="0"/>
               <a:t>‹#›</a:t>
             </a:fld>
-            <a:endParaRPr/>
+            <a:endParaRPr lang="zh-TW" altLang="en-US"/>
           </a:p>
         </p:txBody>
       </p:sp>
@@ -11142,7 +11317,7 @@
         <p:spPr>
           <a:xfrm>
             <a:off x="1503163" y="6473196"/>
-            <a:ext cx="9272609" cy="276959"/>
+            <a:ext cx="9272609" cy="276999"/>
           </a:xfrm>
           <a:prstGeom prst="rect">
             <a:avLst/>
@@ -11158,72 +11333,35 @@
           </a:bodyPr>
           <a:lstStyle/>
           <a:p>
-            <a:r>
-              <a:rPr lang="zh-TW" altLang="en-US" sz="1200" b="1" dirty="0">
-                <a:solidFill>
-                  <a:schemeClr val="tx1"/>
-                </a:solidFill>
-                <a:latin typeface="微軟正黑體" panose="020B0604030504040204" pitchFamily="34" charset="-120"/>
-                <a:ea typeface="微軟正黑體" panose="020B0604030504040204" pitchFamily="34" charset="-120"/>
-              </a:rPr>
-              <a:t>推動大學程式設計教學計畫。分項六</a:t>
-            </a:r>
-            <a:r>
-              <a:rPr lang="en-US" altLang="zh-TW" sz="1200" b="1" dirty="0">
-                <a:solidFill>
-                  <a:schemeClr val="tx1"/>
-                </a:solidFill>
-                <a:latin typeface="微軟正黑體" panose="020B0604030504040204" pitchFamily="34" charset="-120"/>
-                <a:ea typeface="微軟正黑體" panose="020B0604030504040204" pitchFamily="34" charset="-120"/>
-              </a:rPr>
-              <a:t>:</a:t>
-            </a:r>
-            <a:r>
-              <a:rPr lang="zh-TW" altLang="en-US" sz="1200" b="1" dirty="0">
-                <a:solidFill>
-                  <a:schemeClr val="tx1"/>
-                </a:solidFill>
-                <a:latin typeface="微軟正黑體" panose="020B0604030504040204" pitchFamily="34" charset="-120"/>
-                <a:ea typeface="微軟正黑體" panose="020B0604030504040204" pitchFamily="34" charset="-120"/>
-              </a:rPr>
-              <a:t>資料分析領域與學習評量推動團隊</a:t>
-            </a:r>
-            <a:r>
-              <a:rPr lang="en-US" altLang="zh-TW" sz="1200" b="1" dirty="0">
-                <a:solidFill>
-                  <a:schemeClr val="tx1"/>
-                </a:solidFill>
-                <a:latin typeface="微軟正黑體" panose="020B0604030504040204" pitchFamily="34" charset="-120"/>
-                <a:ea typeface="微軟正黑體" panose="020B0604030504040204" pitchFamily="34" charset="-120"/>
-              </a:rPr>
-              <a:t>(</a:t>
-            </a:r>
-            <a:r>
-              <a:rPr lang="zh-TW" altLang="en-US" sz="1200" b="1" dirty="0">
-                <a:solidFill>
-                  <a:schemeClr val="tx1"/>
-                </a:solidFill>
-                <a:latin typeface="微軟正黑體" panose="020B0604030504040204" pitchFamily="34" charset="-120"/>
-                <a:ea typeface="微軟正黑體" panose="020B0604030504040204" pitchFamily="34" charset="-120"/>
-              </a:rPr>
-              <a:t>王文傑老師主編，林融、蘇洪寬協助編輯</a:t>
-            </a:r>
-            <a:r>
-              <a:rPr lang="en-US" altLang="zh-TW" sz="1200" b="1" dirty="0">
-                <a:solidFill>
-                  <a:schemeClr val="tx1"/>
-                </a:solidFill>
-                <a:latin typeface="微軟正黑體" panose="020B0604030504040204" pitchFamily="34" charset="-120"/>
-                <a:ea typeface="微軟正黑體" panose="020B0604030504040204" pitchFamily="34" charset="-120"/>
-              </a:rPr>
-              <a:t>)</a:t>
-            </a:r>
-            <a:endParaRPr lang="zh-TW" altLang="en-US" sz="1200" b="1" dirty="0">
+            <a:pPr marL="0" marR="0" lvl="0" indent="0" algn="l" rtl="0">
+              <a:spcBef>
+                <a:spcPts val="0"/>
+              </a:spcBef>
+              <a:spcAft>
+                <a:spcPts val="0"/>
+              </a:spcAft>
+              <a:buNone/>
+            </a:pPr>
+            <a:r>
+              <a:rPr lang="zh-TW" sz="1200" b="1" i="0" u="none" strike="noStrike" cap="none">
+                <a:solidFill>
+                  <a:srgbClr val="164161"/>
+                </a:solidFill>
+                <a:latin typeface="Trebuchet MS"/>
+                <a:ea typeface="Trebuchet MS"/>
+                <a:cs typeface="Trebuchet MS"/>
+                <a:sym typeface="Trebuchet MS"/>
+              </a:rPr>
+              <a:t>推動大學程式設計教學計畫。分項六：資料分析領域與學習評量推動團隊（○○系○○老師主編）</a:t>
+            </a:r>
+            <a:endParaRPr sz="1200">
               <a:solidFill>
-                <a:schemeClr val="tx1"/>
+                <a:srgbClr val="164161"/>
               </a:solidFill>
-              <a:latin typeface="微軟正黑體" panose="020B0604030504040204" pitchFamily="34" charset="-120"/>
-              <a:ea typeface="微軟正黑體" panose="020B0604030504040204" pitchFamily="34" charset="-120"/>
+              <a:latin typeface="Trebuchet MS"/>
+              <a:ea typeface="Trebuchet MS"/>
+              <a:cs typeface="Trebuchet MS"/>
+              <a:sym typeface="Trebuchet MS"/>
             </a:endParaRPr>
           </a:p>
         </p:txBody>
@@ -11282,7 +11420,143 @@
           </a:ln>
         </p:spPr>
       </p:pic>
+      <p:sp>
+        <p:nvSpPr>
+          <p:cNvPr id="11" name="Rectangle 10">
+            <a:extLst>
+              <a:ext uri="{FF2B5EF4-FFF2-40B4-BE49-F238E27FC236}">
+                <a16:creationId xmlns:a16="http://schemas.microsoft.com/office/drawing/2014/main" id="{49FAA97C-A418-4AED-9A1C-EC9D98CFBD91}"/>
+              </a:ext>
+            </a:extLst>
+          </p:cNvPr>
+          <p:cNvSpPr/>
+          <p:nvPr/>
+        </p:nvSpPr>
+        <p:spPr>
+          <a:xfrm>
+            <a:off x="1544320" y="6415589"/>
+            <a:ext cx="9961165" cy="432000"/>
+          </a:xfrm>
+          <a:prstGeom prst="rect">
+            <a:avLst/>
+          </a:prstGeom>
+          <a:gradFill flip="none" rotWithShape="1">
+            <a:gsLst>
+              <a:gs pos="0">
+                <a:srgbClr val="20A4D6"/>
+              </a:gs>
+              <a:gs pos="100000">
+                <a:srgbClr val="86D7F3">
+                  <a:shade val="100000"/>
+                  <a:satMod val="115000"/>
+                </a:srgbClr>
+              </a:gs>
+            </a:gsLst>
+            <a:path path="circle">
+              <a:fillToRect l="100000" t="100000"/>
+            </a:path>
+            <a:tileRect r="-100000" b="-100000"/>
+          </a:gradFill>
+          <a:ln>
+            <a:noFill/>
+          </a:ln>
+        </p:spPr>
+        <p:style>
+          <a:lnRef idx="2">
+            <a:schemeClr val="accent1">
+              <a:shade val="50000"/>
+            </a:schemeClr>
+          </a:lnRef>
+          <a:fillRef idx="1">
+            <a:schemeClr val="accent1"/>
+          </a:fillRef>
+          <a:effectRef idx="0">
+            <a:schemeClr val="accent1"/>
+          </a:effectRef>
+          <a:fontRef idx="minor">
+            <a:schemeClr val="lt1"/>
+          </a:fontRef>
+        </p:style>
+        <p:txBody>
+          <a:bodyPr rtlCol="0" anchor="ctr"/>
+          <a:lstStyle/>
+          <a:p>
+            <a:r>
+              <a:rPr lang="zh-TW" altLang="en-US" sz="1100" b="1" dirty="0">
+                <a:solidFill>
+                  <a:schemeClr val="tx1"/>
+                </a:solidFill>
+                <a:latin typeface="微軟正黑體" panose="020B0604030504040204" pitchFamily="34" charset="-120"/>
+                <a:ea typeface="微軟正黑體" panose="020B0604030504040204" pitchFamily="34" charset="-120"/>
+              </a:rPr>
+              <a:t>推動大學程式設計教學計畫。分項六</a:t>
+            </a:r>
+            <a:r>
+              <a:rPr lang="en-US" altLang="zh-TW" sz="1100" b="1" dirty="0">
+                <a:solidFill>
+                  <a:schemeClr val="tx1"/>
+                </a:solidFill>
+                <a:latin typeface="微軟正黑體" panose="020B0604030504040204" pitchFamily="34" charset="-120"/>
+                <a:ea typeface="微軟正黑體" panose="020B0604030504040204" pitchFamily="34" charset="-120"/>
+              </a:rPr>
+              <a:t>:</a:t>
+            </a:r>
+            <a:r>
+              <a:rPr lang="zh-TW" altLang="en-US" sz="1100" b="1" dirty="0">
+                <a:solidFill>
+                  <a:schemeClr val="tx1"/>
+                </a:solidFill>
+                <a:latin typeface="微軟正黑體" panose="020B0604030504040204" pitchFamily="34" charset="-120"/>
+                <a:ea typeface="微軟正黑體" panose="020B0604030504040204" pitchFamily="34" charset="-120"/>
+              </a:rPr>
+              <a:t>資料分析領域與學習評量推動團隊</a:t>
+            </a:r>
+            <a:r>
+              <a:rPr lang="en-US" altLang="zh-TW" sz="1100" b="1" dirty="0">
+                <a:solidFill>
+                  <a:schemeClr val="tx1"/>
+                </a:solidFill>
+                <a:latin typeface="微軟正黑體" panose="020B0604030504040204" pitchFamily="34" charset="-120"/>
+                <a:ea typeface="微軟正黑體" panose="020B0604030504040204" pitchFamily="34" charset="-120"/>
+              </a:rPr>
+              <a:t>(</a:t>
+            </a:r>
+            <a:r>
+              <a:rPr lang="zh-TW" altLang="en-US" sz="1100" b="1" dirty="0">
+                <a:solidFill>
+                  <a:schemeClr val="tx1"/>
+                </a:solidFill>
+                <a:latin typeface="微軟正黑體" panose="020B0604030504040204" pitchFamily="34" charset="-120"/>
+                <a:ea typeface="微軟正黑體" panose="020B0604030504040204" pitchFamily="34" charset="-120"/>
+              </a:rPr>
+              <a:t>王文傑老師主編，林融、蘇洪寬協助編輯</a:t>
+            </a:r>
+            <a:r>
+              <a:rPr lang="en-US" altLang="zh-TW" sz="1100" b="1" dirty="0">
+                <a:solidFill>
+                  <a:schemeClr val="tx1"/>
+                </a:solidFill>
+                <a:latin typeface="微軟正黑體" panose="020B0604030504040204" pitchFamily="34" charset="-120"/>
+                <a:ea typeface="微軟正黑體" panose="020B0604030504040204" pitchFamily="34" charset="-120"/>
+              </a:rPr>
+              <a:t>)</a:t>
+            </a:r>
+            <a:endParaRPr lang="zh-TW" altLang="en-US" sz="1100" b="1" dirty="0">
+              <a:solidFill>
+                <a:schemeClr val="tx1"/>
+              </a:solidFill>
+              <a:latin typeface="微軟正黑體" panose="020B0604030504040204" pitchFamily="34" charset="-120"/>
+              <a:ea typeface="微軟正黑體" panose="020B0604030504040204" pitchFamily="34" charset="-120"/>
+            </a:endParaRPr>
+          </a:p>
+        </p:txBody>
+      </p:sp>
     </p:spTree>
+    <p:extLst>
+      <p:ext uri="{BB962C8B-B14F-4D97-AF65-F5344CB8AC3E}">
+        <p14:creationId xmlns:p14="http://schemas.microsoft.com/office/powerpoint/2010/main" val="3489351865"/>
+      </p:ext>
+    </p:extLst>
   </p:cSld>
   <p:clrMapOvr>
     <a:masterClrMapping/>
@@ -11446,11 +11720,11 @@
               <a:buNone/>
             </a:pPr>
             <a:r>
-              <a:rPr lang="zh-TW"/>
+              <a:rPr lang="en-US" altLang="zh-TW"/>
               <a:t>— </a:t>
             </a:r>
             <a:fld id="{00000000-1234-1234-1234-123412341234}" type="slidenum">
-              <a:rPr lang="zh-TW" sz="1800"/>
+              <a:rPr lang="zh-TW" sz="1800" smtClean="0"/>
               <a:t>‹#›</a:t>
             </a:fld>
             <a:r>
@@ -11810,7 +12084,11 @@
             </a:lvl9pPr>
           </a:lstStyle>
           <a:p>
-            <a:endParaRPr/>
+            <a:pPr lvl="0"/>
+            <a:r>
+              <a:rPr lang="en-US" altLang="zh-TW"/>
+              <a:t>Edit Master text styles</a:t>
+            </a:r>
           </a:p>
         </p:txBody>
       </p:sp>
@@ -11947,11 +12225,20 @@
             </a:lvl9pPr>
           </a:lstStyle>
           <a:p>
-            <a:endParaRPr/>
+            <a:pPr lvl="0"/>
+            <a:r>
+              <a:rPr lang="en-US" altLang="zh-TW"/>
+              <a:t>Edit Master text styles</a:t>
+            </a:r>
           </a:p>
         </p:txBody>
       </p:sp>
     </p:spTree>
+    <p:extLst>
+      <p:ext uri="{BB962C8B-B14F-4D97-AF65-F5344CB8AC3E}">
+        <p14:creationId xmlns:p14="http://schemas.microsoft.com/office/powerpoint/2010/main" val="1826119907"/>
+      </p:ext>
+    </p:extLst>
   </p:cSld>
   <p:clrMapOvr>
     <a:masterClrMapping/>
@@ -11961,7 +12248,7 @@
 
 <file path=ppt/slideLayouts/slideLayout3.xml><?xml version="1.0" encoding="utf-8"?>
 <p:sldLayout xmlns:a="http://schemas.openxmlformats.org/drawingml/2006/main" xmlns:r="http://schemas.openxmlformats.org/officeDocument/2006/relationships" xmlns:p="http://schemas.openxmlformats.org/presentationml/2006/main" matchingName="章節標題" type="secHead">
-  <p:cSld name="SECTION_HEADER">
+  <p:cSld name="章節標題">
     <p:spTree>
       <p:nvGrpSpPr>
         <p:cNvPr id="1" name="Shape 53"/>
@@ -12109,6 +12396,10 @@
             </a:lvl9pPr>
           </a:lstStyle>
           <a:p>
+            <a:r>
+              <a:rPr lang="en-US" altLang="zh-TW"/>
+              <a:t>Click to edit Master title style</a:t>
+            </a:r>
             <a:endParaRPr/>
           </a:p>
         </p:txBody>
@@ -12278,7 +12569,11 @@
             </a:lvl9pPr>
           </a:lstStyle>
           <a:p>
-            <a:endParaRPr/>
+            <a:pPr lvl="0"/>
+            <a:r>
+              <a:rPr lang="en-US" altLang="zh-TW"/>
+              <a:t>Edit Master text styles</a:t>
+            </a:r>
           </a:p>
         </p:txBody>
       </p:sp>
@@ -12411,7 +12706,7 @@
             </a:lvl9pPr>
           </a:lstStyle>
           <a:p>
-            <a:endParaRPr/>
+            <a:endParaRPr lang="zh-TW" altLang="en-US"/>
           </a:p>
         </p:txBody>
       </p:sp>
@@ -12544,7 +12839,7 @@
             </a:lvl9pPr>
           </a:lstStyle>
           <a:p>
-            <a:endParaRPr/>
+            <a:endParaRPr lang="zh-TW" altLang="en-US"/>
           </a:p>
         </p:txBody>
       </p:sp>
@@ -12651,14 +12946,19 @@
               <a:buNone/>
             </a:pPr>
             <a:fld id="{00000000-1234-1234-1234-123412341234}" type="slidenum">
-              <a:rPr lang="zh-TW"/>
+              <a:rPr lang="en-US" altLang="zh-TW" smtClean="0"/>
               <a:t>‹#›</a:t>
             </a:fld>
-            <a:endParaRPr/>
+            <a:endParaRPr lang="zh-TW" altLang="en-US"/>
           </a:p>
         </p:txBody>
       </p:sp>
     </p:spTree>
+    <p:extLst>
+      <p:ext uri="{BB962C8B-B14F-4D97-AF65-F5344CB8AC3E}">
+        <p14:creationId xmlns:p14="http://schemas.microsoft.com/office/powerpoint/2010/main" val="1776662225"/>
+      </p:ext>
+    </p:extLst>
   </p:cSld>
   <p:clrMapOvr>
     <a:masterClrMapping/>
@@ -12668,7 +12968,7 @@
 
 <file path=ppt/slideLayouts/slideLayout4.xml><?xml version="1.0" encoding="utf-8"?>
 <p:sldLayout xmlns:a="http://schemas.openxmlformats.org/drawingml/2006/main" xmlns:r="http://schemas.openxmlformats.org/officeDocument/2006/relationships" xmlns:p="http://schemas.openxmlformats.org/presentationml/2006/main" matchingName="兩項物件" type="twoObj">
-  <p:cSld name="TWO_OBJECTS">
+  <p:cSld name="兩項物件">
     <p:spTree>
       <p:nvGrpSpPr>
         <p:cNvPr id="1" name="Shape 59"/>
@@ -12815,6 +13115,10 @@
             </a:lvl9pPr>
           </a:lstStyle>
           <a:p>
+            <a:r>
+              <a:rPr lang="en-US" altLang="zh-TW"/>
+              <a:t>Click to edit Master title style</a:t>
+            </a:r>
             <a:endParaRPr/>
           </a:p>
         </p:txBody>
@@ -12948,7 +13252,11 @@
             </a:lvl9pPr>
           </a:lstStyle>
           <a:p>
-            <a:endParaRPr/>
+            <a:pPr lvl="0"/>
+            <a:r>
+              <a:rPr lang="en-US" altLang="zh-TW"/>
+              <a:t>Edit Master text styles</a:t>
+            </a:r>
           </a:p>
         </p:txBody>
       </p:sp>
@@ -13081,7 +13389,11 @@
             </a:lvl9pPr>
           </a:lstStyle>
           <a:p>
-            <a:endParaRPr/>
+            <a:pPr lvl="0"/>
+            <a:r>
+              <a:rPr lang="en-US" altLang="zh-TW"/>
+              <a:t>Edit Master text styles</a:t>
+            </a:r>
           </a:p>
         </p:txBody>
       </p:sp>
@@ -13214,7 +13526,7 @@
             </a:lvl9pPr>
           </a:lstStyle>
           <a:p>
-            <a:endParaRPr/>
+            <a:endParaRPr lang="zh-TW" altLang="en-US"/>
           </a:p>
         </p:txBody>
       </p:sp>
@@ -13347,7 +13659,7 @@
             </a:lvl9pPr>
           </a:lstStyle>
           <a:p>
-            <a:endParaRPr/>
+            <a:endParaRPr lang="zh-TW" altLang="en-US"/>
           </a:p>
         </p:txBody>
       </p:sp>
@@ -13454,14 +13766,19 @@
               <a:buNone/>
             </a:pPr>
             <a:fld id="{00000000-1234-1234-1234-123412341234}" type="slidenum">
-              <a:rPr lang="zh-TW"/>
+              <a:rPr lang="en-US" altLang="zh-TW" smtClean="0"/>
               <a:t>‹#›</a:t>
             </a:fld>
-            <a:endParaRPr/>
+            <a:endParaRPr lang="zh-TW" altLang="en-US"/>
           </a:p>
         </p:txBody>
       </p:sp>
     </p:spTree>
+    <p:extLst>
+      <p:ext uri="{BB962C8B-B14F-4D97-AF65-F5344CB8AC3E}">
+        <p14:creationId xmlns:p14="http://schemas.microsoft.com/office/powerpoint/2010/main" val="671975693"/>
+      </p:ext>
+    </p:extLst>
   </p:cSld>
   <p:clrMapOvr>
     <a:masterClrMapping/>
@@ -13471,7 +13788,7 @@
 
 <file path=ppt/slideLayouts/slideLayout5.xml><?xml version="1.0" encoding="utf-8"?>
 <p:sldLayout xmlns:a="http://schemas.openxmlformats.org/drawingml/2006/main" xmlns:r="http://schemas.openxmlformats.org/officeDocument/2006/relationships" xmlns:p="http://schemas.openxmlformats.org/presentationml/2006/main" matchingName="比對" type="twoTxTwoObj">
-  <p:cSld name="TWO_OBJECTS_WITH_TEXT">
+  <p:cSld name="比對">
     <p:spTree>
       <p:nvGrpSpPr>
         <p:cNvPr id="1" name="Shape 66"/>
@@ -13619,6 +13936,10 @@
             </a:lvl9pPr>
           </a:lstStyle>
           <a:p>
+            <a:r>
+              <a:rPr lang="en-US" altLang="zh-TW"/>
+              <a:t>Click to edit Master title style</a:t>
+            </a:r>
             <a:endParaRPr/>
           </a:p>
         </p:txBody>
@@ -13752,7 +14073,11 @@
             </a:lvl9pPr>
           </a:lstStyle>
           <a:p>
-            <a:endParaRPr/>
+            <a:pPr lvl="0"/>
+            <a:r>
+              <a:rPr lang="en-US" altLang="zh-TW"/>
+              <a:t>Edit Master text styles</a:t>
+            </a:r>
           </a:p>
         </p:txBody>
       </p:sp>
@@ -13885,7 +14210,11 @@
             </a:lvl9pPr>
           </a:lstStyle>
           <a:p>
-            <a:endParaRPr/>
+            <a:pPr lvl="0"/>
+            <a:r>
+              <a:rPr lang="en-US" altLang="zh-TW"/>
+              <a:t>Edit Master text styles</a:t>
+            </a:r>
           </a:p>
         </p:txBody>
       </p:sp>
@@ -14018,7 +14347,11 @@
             </a:lvl9pPr>
           </a:lstStyle>
           <a:p>
-            <a:endParaRPr/>
+            <a:pPr lvl="0"/>
+            <a:r>
+              <a:rPr lang="en-US" altLang="zh-TW"/>
+              <a:t>Edit Master text styles</a:t>
+            </a:r>
           </a:p>
         </p:txBody>
       </p:sp>
@@ -14151,7 +14484,11 @@
             </a:lvl9pPr>
           </a:lstStyle>
           <a:p>
-            <a:endParaRPr/>
+            <a:pPr lvl="0"/>
+            <a:r>
+              <a:rPr lang="en-US" altLang="zh-TW"/>
+              <a:t>Edit Master text styles</a:t>
+            </a:r>
           </a:p>
         </p:txBody>
       </p:sp>
@@ -14284,7 +14621,7 @@
             </a:lvl9pPr>
           </a:lstStyle>
           <a:p>
-            <a:endParaRPr/>
+            <a:endParaRPr lang="zh-TW" altLang="en-US"/>
           </a:p>
         </p:txBody>
       </p:sp>
@@ -14417,7 +14754,7 @@
             </a:lvl9pPr>
           </a:lstStyle>
           <a:p>
-            <a:endParaRPr/>
+            <a:endParaRPr lang="zh-TW" altLang="en-US"/>
           </a:p>
         </p:txBody>
       </p:sp>
@@ -14524,14 +14861,19 @@
               <a:buNone/>
             </a:pPr>
             <a:fld id="{00000000-1234-1234-1234-123412341234}" type="slidenum">
-              <a:rPr lang="zh-TW"/>
+              <a:rPr lang="en-US" altLang="zh-TW" smtClean="0"/>
               <a:t>‹#›</a:t>
             </a:fld>
-            <a:endParaRPr/>
+            <a:endParaRPr lang="zh-TW" altLang="en-US"/>
           </a:p>
         </p:txBody>
       </p:sp>
     </p:spTree>
+    <p:extLst>
+      <p:ext uri="{BB962C8B-B14F-4D97-AF65-F5344CB8AC3E}">
+        <p14:creationId xmlns:p14="http://schemas.microsoft.com/office/powerpoint/2010/main" val="2177736500"/>
+      </p:ext>
+    </p:extLst>
   </p:cSld>
   <p:clrMapOvr>
     <a:masterClrMapping/>
@@ -14541,7 +14883,7 @@
 
 <file path=ppt/slideLayouts/slideLayout6.xml><?xml version="1.0" encoding="utf-8"?>
 <p:sldLayout xmlns:a="http://schemas.openxmlformats.org/drawingml/2006/main" xmlns:r="http://schemas.openxmlformats.org/officeDocument/2006/relationships" xmlns:p="http://schemas.openxmlformats.org/presentationml/2006/main" matchingName="只有標題" type="titleOnly">
-  <p:cSld name="TITLE_ONLY">
+  <p:cSld name="只有標題">
     <p:spTree>
       <p:nvGrpSpPr>
         <p:cNvPr id="1" name="Shape 75"/>
@@ -14688,6 +15030,10 @@
             </a:lvl9pPr>
           </a:lstStyle>
           <a:p>
+            <a:r>
+              <a:rPr lang="en-US" altLang="zh-TW"/>
+              <a:t>Click to edit Master title style</a:t>
+            </a:r>
             <a:endParaRPr/>
           </a:p>
         </p:txBody>
@@ -14821,7 +15167,7 @@
             </a:lvl9pPr>
           </a:lstStyle>
           <a:p>
-            <a:endParaRPr/>
+            <a:endParaRPr lang="zh-TW" altLang="en-US"/>
           </a:p>
         </p:txBody>
       </p:sp>
@@ -14954,7 +15300,7 @@
             </a:lvl9pPr>
           </a:lstStyle>
           <a:p>
-            <a:endParaRPr/>
+            <a:endParaRPr lang="zh-TW" altLang="en-US"/>
           </a:p>
         </p:txBody>
       </p:sp>
@@ -15061,14 +15407,19 @@
               <a:buNone/>
             </a:pPr>
             <a:fld id="{00000000-1234-1234-1234-123412341234}" type="slidenum">
-              <a:rPr lang="zh-TW"/>
+              <a:rPr lang="en-US" altLang="zh-TW" smtClean="0"/>
               <a:t>‹#›</a:t>
             </a:fld>
-            <a:endParaRPr/>
+            <a:endParaRPr lang="zh-TW" altLang="en-US"/>
           </a:p>
         </p:txBody>
       </p:sp>
     </p:spTree>
+    <p:extLst>
+      <p:ext uri="{BB962C8B-B14F-4D97-AF65-F5344CB8AC3E}">
+        <p14:creationId xmlns:p14="http://schemas.microsoft.com/office/powerpoint/2010/main" val="119195569"/>
+      </p:ext>
+    </p:extLst>
   </p:cSld>
   <p:clrMapOvr>
     <a:masterClrMapping/>
@@ -15078,7 +15429,7 @@
 
 <file path=ppt/slideLayouts/slideLayout7.xml><?xml version="1.0" encoding="utf-8"?>
 <p:sldLayout xmlns:a="http://schemas.openxmlformats.org/drawingml/2006/main" xmlns:r="http://schemas.openxmlformats.org/officeDocument/2006/relationships" xmlns:p="http://schemas.openxmlformats.org/presentationml/2006/main" matchingName="空白" type="blank">
-  <p:cSld name="BLANK">
+  <p:cSld name="空白">
     <p:spTree>
       <p:nvGrpSpPr>
         <p:cNvPr id="1" name="Shape 80"/>
@@ -15222,7 +15573,7 @@
             </a:lvl9pPr>
           </a:lstStyle>
           <a:p>
-            <a:endParaRPr/>
+            <a:endParaRPr lang="zh-TW" altLang="en-US"/>
           </a:p>
         </p:txBody>
       </p:sp>
@@ -15355,7 +15706,7 @@
             </a:lvl9pPr>
           </a:lstStyle>
           <a:p>
-            <a:endParaRPr/>
+            <a:endParaRPr lang="zh-TW" altLang="en-US"/>
           </a:p>
         </p:txBody>
       </p:sp>
@@ -15462,14 +15813,19 @@
               <a:buNone/>
             </a:pPr>
             <a:fld id="{00000000-1234-1234-1234-123412341234}" type="slidenum">
-              <a:rPr lang="zh-TW"/>
+              <a:rPr lang="en-US" altLang="zh-TW" smtClean="0"/>
               <a:t>‹#›</a:t>
             </a:fld>
-            <a:endParaRPr/>
+            <a:endParaRPr lang="zh-TW" altLang="en-US"/>
           </a:p>
         </p:txBody>
       </p:sp>
     </p:spTree>
+    <p:extLst>
+      <p:ext uri="{BB962C8B-B14F-4D97-AF65-F5344CB8AC3E}">
+        <p14:creationId xmlns:p14="http://schemas.microsoft.com/office/powerpoint/2010/main" val="2523479519"/>
+      </p:ext>
+    </p:extLst>
   </p:cSld>
   <p:clrMapOvr>
     <a:masterClrMapping/>
@@ -15479,7 +15835,7 @@
 
 <file path=ppt/slideLayouts/slideLayout8.xml><?xml version="1.0" encoding="utf-8"?>
 <p:sldLayout xmlns:a="http://schemas.openxmlformats.org/drawingml/2006/main" xmlns:r="http://schemas.openxmlformats.org/officeDocument/2006/relationships" xmlns:p="http://schemas.openxmlformats.org/presentationml/2006/main" matchingName="含標題的內容" type="objTx">
-  <p:cSld name="OBJECT_WITH_CAPTION_TEXT">
+  <p:cSld name="含標題的內容">
     <p:spTree>
       <p:nvGrpSpPr>
         <p:cNvPr id="1" name="Shape 84"/>
@@ -15627,6 +15983,10 @@
             </a:lvl9pPr>
           </a:lstStyle>
           <a:p>
+            <a:r>
+              <a:rPr lang="en-US" altLang="zh-TW"/>
+              <a:t>Click to edit Master title style</a:t>
+            </a:r>
             <a:endParaRPr/>
           </a:p>
         </p:txBody>
@@ -15760,7 +16120,11 @@
             </a:lvl9pPr>
           </a:lstStyle>
           <a:p>
-            <a:endParaRPr/>
+            <a:pPr lvl="0"/>
+            <a:r>
+              <a:rPr lang="en-US" altLang="zh-TW"/>
+              <a:t>Edit Master text styles</a:t>
+            </a:r>
           </a:p>
         </p:txBody>
       </p:sp>
@@ -15893,7 +16257,11 @@
             </a:lvl9pPr>
           </a:lstStyle>
           <a:p>
-            <a:endParaRPr/>
+            <a:pPr lvl="0"/>
+            <a:r>
+              <a:rPr lang="en-US" altLang="zh-TW"/>
+              <a:t>Edit Master text styles</a:t>
+            </a:r>
           </a:p>
         </p:txBody>
       </p:sp>
@@ -16026,7 +16394,7 @@
             </a:lvl9pPr>
           </a:lstStyle>
           <a:p>
-            <a:endParaRPr/>
+            <a:endParaRPr lang="zh-TW" altLang="en-US"/>
           </a:p>
         </p:txBody>
       </p:sp>
@@ -16159,7 +16527,7 @@
             </a:lvl9pPr>
           </a:lstStyle>
           <a:p>
-            <a:endParaRPr/>
+            <a:endParaRPr lang="zh-TW" altLang="en-US"/>
           </a:p>
         </p:txBody>
       </p:sp>
@@ -16266,14 +16634,19 @@
               <a:buNone/>
             </a:pPr>
             <a:fld id="{00000000-1234-1234-1234-123412341234}" type="slidenum">
-              <a:rPr lang="zh-TW"/>
+              <a:rPr lang="en-US" altLang="zh-TW" smtClean="0"/>
               <a:t>‹#›</a:t>
             </a:fld>
-            <a:endParaRPr/>
+            <a:endParaRPr lang="zh-TW" altLang="en-US"/>
           </a:p>
         </p:txBody>
       </p:sp>
     </p:spTree>
+    <p:extLst>
+      <p:ext uri="{BB962C8B-B14F-4D97-AF65-F5344CB8AC3E}">
+        <p14:creationId xmlns:p14="http://schemas.microsoft.com/office/powerpoint/2010/main" val="621089761"/>
+      </p:ext>
+    </p:extLst>
   </p:cSld>
   <p:clrMapOvr>
     <a:masterClrMapping/>
@@ -16283,7 +16656,7 @@
 
 <file path=ppt/slideLayouts/slideLayout9.xml><?xml version="1.0" encoding="utf-8"?>
 <p:sldLayout xmlns:a="http://schemas.openxmlformats.org/drawingml/2006/main" xmlns:r="http://schemas.openxmlformats.org/officeDocument/2006/relationships" xmlns:p="http://schemas.openxmlformats.org/presentationml/2006/main" matchingName="含標題的圖片" type="picTx">
-  <p:cSld name="PICTURE_WITH_CAPTION_TEXT">
+  <p:cSld name="含標題的圖片">
     <p:spTree>
       <p:nvGrpSpPr>
         <p:cNvPr id="1" name="Shape 91"/>
@@ -16431,6 +16804,10 @@
             </a:lvl9pPr>
           </a:lstStyle>
           <a:p>
+            <a:r>
+              <a:rPr lang="en-US" altLang="zh-TW"/>
+              <a:t>Click to edit Master title style</a:t>
+            </a:r>
             <a:endParaRPr/>
           </a:p>
         </p:txBody>
@@ -16672,6 +17049,10 @@
             </a:lvl9pPr>
           </a:lstStyle>
           <a:p>
+            <a:r>
+              <a:rPr lang="en-US" altLang="zh-TW"/>
+              <a:t>Click icon to add picture</a:t>
+            </a:r>
             <a:endParaRPr/>
           </a:p>
         </p:txBody>
@@ -16805,7 +17186,11 @@
             </a:lvl9pPr>
           </a:lstStyle>
           <a:p>
-            <a:endParaRPr/>
+            <a:pPr lvl="0"/>
+            <a:r>
+              <a:rPr lang="en-US" altLang="zh-TW"/>
+              <a:t>Edit Master text styles</a:t>
+            </a:r>
           </a:p>
         </p:txBody>
       </p:sp>
@@ -16938,7 +17323,7 @@
             </a:lvl9pPr>
           </a:lstStyle>
           <a:p>
-            <a:endParaRPr/>
+            <a:endParaRPr lang="zh-TW" altLang="en-US"/>
           </a:p>
         </p:txBody>
       </p:sp>
@@ -17045,10 +17430,10 @@
               <a:buNone/>
             </a:pPr>
             <a:fld id="{00000000-1234-1234-1234-123412341234}" type="slidenum">
-              <a:rPr lang="zh-TW"/>
+              <a:rPr lang="en-US" altLang="zh-TW" smtClean="0"/>
               <a:t>‹#›</a:t>
             </a:fld>
-            <a:endParaRPr/>
+            <a:endParaRPr lang="zh-TW" altLang="en-US"/>
           </a:p>
         </p:txBody>
       </p:sp>
@@ -17181,11 +17566,16 @@
             </a:lvl9pPr>
           </a:lstStyle>
           <a:p>
-            <a:endParaRPr/>
+            <a:endParaRPr lang="zh-TW" altLang="en-US"/>
           </a:p>
         </p:txBody>
       </p:sp>
     </p:spTree>
+    <p:extLst>
+      <p:ext uri="{BB962C8B-B14F-4D97-AF65-F5344CB8AC3E}">
+        <p14:creationId xmlns:p14="http://schemas.microsoft.com/office/powerpoint/2010/main" val="2884464101"/>
+      </p:ext>
+    </p:extLst>
   </p:cSld>
   <p:clrMapOvr>
     <a:masterClrMapping/>
@@ -18280,7 +18670,7 @@
             </a:lvl9pPr>
           </a:lstStyle>
           <a:p>
-            <a:endParaRPr/>
+            <a:endParaRPr lang="zh-TW" altLang="en-US"/>
           </a:p>
         </p:txBody>
       </p:sp>
@@ -18485,7 +18875,7 @@
             </a:lvl9pPr>
           </a:lstStyle>
           <a:p>
-            <a:endParaRPr/>
+            <a:endParaRPr lang="zh-TW" altLang="en-US"/>
           </a:p>
         </p:txBody>
       </p:sp>
@@ -18664,37 +19054,42 @@
               <a:buNone/>
             </a:pPr>
             <a:fld id="{00000000-1234-1234-1234-123412341234}" type="slidenum">
-              <a:rPr lang="zh-TW"/>
+              <a:rPr lang="en-US" altLang="zh-TW" smtClean="0"/>
               <a:t>‹#›</a:t>
             </a:fld>
-            <a:endParaRPr/>
+            <a:endParaRPr lang="zh-TW" altLang="en-US"/>
           </a:p>
         </p:txBody>
       </p:sp>
     </p:spTree>
+    <p:extLst>
+      <p:ext uri="{BB962C8B-B14F-4D97-AF65-F5344CB8AC3E}">
+        <p14:creationId xmlns:p14="http://schemas.microsoft.com/office/powerpoint/2010/main" val="2859991763"/>
+      </p:ext>
+    </p:extLst>
   </p:cSld>
   <p:clrMap bg1="lt1" tx1="dk1" bg2="dk2" tx2="lt2" accent1="accent1" accent2="accent2" accent3="accent3" accent4="accent4" accent5="accent5" accent6="accent6" hlink="hlink" folHlink="folHlink"/>
   <p:sldLayoutIdLst>
-    <p:sldLayoutId id="2147483649" r:id="rId1"/>
-    <p:sldLayoutId id="2147483650" r:id="rId2"/>
-    <p:sldLayoutId id="2147483651" r:id="rId3"/>
-    <p:sldLayoutId id="2147483652" r:id="rId4"/>
-    <p:sldLayoutId id="2147483653" r:id="rId5"/>
-    <p:sldLayoutId id="2147483654" r:id="rId6"/>
-    <p:sldLayoutId id="2147483655" r:id="rId7"/>
-    <p:sldLayoutId id="2147483656" r:id="rId8"/>
-    <p:sldLayoutId id="2147483657" r:id="rId9"/>
-    <p:sldLayoutId id="2147483658" r:id="rId10"/>
-    <p:sldLayoutId id="2147483659" r:id="rId11"/>
-    <p:sldLayoutId id="2147483660" r:id="rId12"/>
-    <p:sldLayoutId id="2147483661" r:id="rId13"/>
-    <p:sldLayoutId id="2147483662" r:id="rId14"/>
-    <p:sldLayoutId id="2147483663" r:id="rId15"/>
-    <p:sldLayoutId id="2147483664" r:id="rId16"/>
-    <p:sldLayoutId id="2147483665" r:id="rId17"/>
-    <p:sldLayoutId id="2147483666" r:id="rId18"/>
-    <p:sldLayoutId id="2147483667" r:id="rId19"/>
-    <p:sldLayoutId id="2147483668" r:id="rId20"/>
+    <p:sldLayoutId id="2147483670" r:id="rId1"/>
+    <p:sldLayoutId id="2147483671" r:id="rId2"/>
+    <p:sldLayoutId id="2147483672" r:id="rId3"/>
+    <p:sldLayoutId id="2147483673" r:id="rId4"/>
+    <p:sldLayoutId id="2147483674" r:id="rId5"/>
+    <p:sldLayoutId id="2147483675" r:id="rId6"/>
+    <p:sldLayoutId id="2147483676" r:id="rId7"/>
+    <p:sldLayoutId id="2147483677" r:id="rId8"/>
+    <p:sldLayoutId id="2147483678" r:id="rId9"/>
+    <p:sldLayoutId id="2147483679" r:id="rId10"/>
+    <p:sldLayoutId id="2147483680" r:id="rId11"/>
+    <p:sldLayoutId id="2147483681" r:id="rId12"/>
+    <p:sldLayoutId id="2147483682" r:id="rId13"/>
+    <p:sldLayoutId id="2147483683" r:id="rId14"/>
+    <p:sldLayoutId id="2147483684" r:id="rId15"/>
+    <p:sldLayoutId id="2147483685" r:id="rId16"/>
+    <p:sldLayoutId id="2147483686" r:id="rId17"/>
+    <p:sldLayoutId id="2147483687" r:id="rId18"/>
+    <p:sldLayoutId id="2147483688" r:id="rId19"/>
+    <p:sldLayoutId id="2147483689" r:id="rId20"/>
   </p:sldLayoutIdLst>
   <p:hf hdr="0" ftr="0" dt="0"/>
   <p:txStyles>
@@ -18710,7 +19105,7 @@
           <a:spcPts val="0"/>
         </a:spcAft>
       </a:defPPr>
-      <a:lvl1pPr marR="0" lvl="0" algn="l" rtl="0">
+      <a:lvl1pPr marR="0" lvl="0" algn="l" rtl="0" eaLnBrk="1" hangingPunct="1">
         <a:lnSpc>
           <a:spcPct val="100000"/>
         </a:lnSpc>
@@ -18734,7 +19129,7 @@
           <a:sym typeface="Arial"/>
         </a:defRPr>
       </a:lvl1pPr>
-      <a:lvl2pPr marR="0" lvl="1" algn="l" rtl="0">
+      <a:lvl2pPr marR="0" lvl="1" algn="l" rtl="0" eaLnBrk="1" hangingPunct="1">
         <a:lnSpc>
           <a:spcPct val="100000"/>
         </a:lnSpc>
@@ -18758,7 +19153,7 @@
           <a:sym typeface="Arial"/>
         </a:defRPr>
       </a:lvl2pPr>
-      <a:lvl3pPr marR="0" lvl="2" algn="l" rtl="0">
+      <a:lvl3pPr marR="0" lvl="2" algn="l" rtl="0" eaLnBrk="1" hangingPunct="1">
         <a:lnSpc>
           <a:spcPct val="100000"/>
         </a:lnSpc>
@@ -18782,7 +19177,7 @@
           <a:sym typeface="Arial"/>
         </a:defRPr>
       </a:lvl3pPr>
-      <a:lvl4pPr marR="0" lvl="3" algn="l" rtl="0">
+      <a:lvl4pPr marR="0" lvl="3" algn="l" rtl="0" eaLnBrk="1" hangingPunct="1">
         <a:lnSpc>
           <a:spcPct val="100000"/>
         </a:lnSpc>
@@ -18806,7 +19201,7 @@
           <a:sym typeface="Arial"/>
         </a:defRPr>
       </a:lvl4pPr>
-      <a:lvl5pPr marR="0" lvl="4" algn="l" rtl="0">
+      <a:lvl5pPr marR="0" lvl="4" algn="l" rtl="0" eaLnBrk="1" hangingPunct="1">
         <a:lnSpc>
           <a:spcPct val="100000"/>
         </a:lnSpc>
@@ -18830,7 +19225,7 @@
           <a:sym typeface="Arial"/>
         </a:defRPr>
       </a:lvl5pPr>
-      <a:lvl6pPr marR="0" lvl="5" algn="l" rtl="0">
+      <a:lvl6pPr marR="0" lvl="5" algn="l" rtl="0" eaLnBrk="1" hangingPunct="1">
         <a:lnSpc>
           <a:spcPct val="100000"/>
         </a:lnSpc>
@@ -18854,7 +19249,7 @@
           <a:sym typeface="Arial"/>
         </a:defRPr>
       </a:lvl6pPr>
-      <a:lvl7pPr marR="0" lvl="6" algn="l" rtl="0">
+      <a:lvl7pPr marR="0" lvl="6" algn="l" rtl="0" eaLnBrk="1" hangingPunct="1">
         <a:lnSpc>
           <a:spcPct val="100000"/>
         </a:lnSpc>
@@ -18878,7 +19273,7 @@
           <a:sym typeface="Arial"/>
         </a:defRPr>
       </a:lvl7pPr>
-      <a:lvl8pPr marR="0" lvl="7" algn="l" rtl="0">
+      <a:lvl8pPr marR="0" lvl="7" algn="l" rtl="0" eaLnBrk="1" hangingPunct="1">
         <a:lnSpc>
           <a:spcPct val="100000"/>
         </a:lnSpc>
@@ -18902,7 +19297,7 @@
           <a:sym typeface="Arial"/>
         </a:defRPr>
       </a:lvl8pPr>
-      <a:lvl9pPr marR="0" lvl="8" algn="l" rtl="0">
+      <a:lvl9pPr marR="0" lvl="8" algn="l" rtl="0" eaLnBrk="1" hangingPunct="1">
         <a:lnSpc>
           <a:spcPct val="100000"/>
         </a:lnSpc>
@@ -18939,7 +19334,7 @@
           <a:spcPts val="0"/>
         </a:spcAft>
       </a:defPPr>
-      <a:lvl1pPr marR="0" lvl="0" algn="l" rtl="0">
+      <a:lvl1pPr marR="0" lvl="0" algn="l" rtl="0" eaLnBrk="1" hangingPunct="1">
         <a:lnSpc>
           <a:spcPct val="100000"/>
         </a:lnSpc>
@@ -18963,7 +19358,7 @@
           <a:sym typeface="Arial"/>
         </a:defRPr>
       </a:lvl1pPr>
-      <a:lvl2pPr marR="0" lvl="1" algn="l" rtl="0">
+      <a:lvl2pPr marR="0" lvl="1" algn="l" rtl="0" eaLnBrk="1" hangingPunct="1">
         <a:lnSpc>
           <a:spcPct val="100000"/>
         </a:lnSpc>
@@ -18987,7 +19382,7 @@
           <a:sym typeface="Arial"/>
         </a:defRPr>
       </a:lvl2pPr>
-      <a:lvl3pPr marR="0" lvl="2" algn="l" rtl="0">
+      <a:lvl3pPr marR="0" lvl="2" algn="l" rtl="0" eaLnBrk="1" hangingPunct="1">
         <a:lnSpc>
           <a:spcPct val="100000"/>
         </a:lnSpc>
@@ -19011,7 +19406,7 @@
           <a:sym typeface="Arial"/>
         </a:defRPr>
       </a:lvl3pPr>
-      <a:lvl4pPr marR="0" lvl="3" algn="l" rtl="0">
+      <a:lvl4pPr marR="0" lvl="3" algn="l" rtl="0" eaLnBrk="1" hangingPunct="1">
         <a:lnSpc>
           <a:spcPct val="100000"/>
         </a:lnSpc>
@@ -19035,7 +19430,7 @@
           <a:sym typeface="Arial"/>
         </a:defRPr>
       </a:lvl4pPr>
-      <a:lvl5pPr marR="0" lvl="4" algn="l" rtl="0">
+      <a:lvl5pPr marR="0" lvl="4" algn="l" rtl="0" eaLnBrk="1" hangingPunct="1">
         <a:lnSpc>
           <a:spcPct val="100000"/>
         </a:lnSpc>
@@ -19059,7 +19454,7 @@
           <a:sym typeface="Arial"/>
         </a:defRPr>
       </a:lvl5pPr>
-      <a:lvl6pPr marR="0" lvl="5" algn="l" rtl="0">
+      <a:lvl6pPr marR="0" lvl="5" algn="l" rtl="0" eaLnBrk="1" hangingPunct="1">
         <a:lnSpc>
           <a:spcPct val="100000"/>
         </a:lnSpc>
@@ -19083,7 +19478,7 @@
           <a:sym typeface="Arial"/>
         </a:defRPr>
       </a:lvl6pPr>
-      <a:lvl7pPr marR="0" lvl="6" algn="l" rtl="0">
+      <a:lvl7pPr marR="0" lvl="6" algn="l" rtl="0" eaLnBrk="1" hangingPunct="1">
         <a:lnSpc>
           <a:spcPct val="100000"/>
         </a:lnSpc>
@@ -19107,7 +19502,7 @@
           <a:sym typeface="Arial"/>
         </a:defRPr>
       </a:lvl7pPr>
-      <a:lvl8pPr marR="0" lvl="7" algn="l" rtl="0">
+      <a:lvl8pPr marR="0" lvl="7" algn="l" rtl="0" eaLnBrk="1" hangingPunct="1">
         <a:lnSpc>
           <a:spcPct val="100000"/>
         </a:lnSpc>
@@ -19131,7 +19526,7 @@
           <a:sym typeface="Arial"/>
         </a:defRPr>
       </a:lvl8pPr>
-      <a:lvl9pPr marR="0" lvl="8" algn="l" rtl="0">
+      <a:lvl9pPr marR="0" lvl="8" algn="l" rtl="0" eaLnBrk="1" hangingPunct="1">
         <a:lnSpc>
           <a:spcPct val="100000"/>
         </a:lnSpc>
@@ -19168,7 +19563,7 @@
           <a:spcPts val="0"/>
         </a:spcAft>
       </a:defPPr>
-      <a:lvl1pPr marR="0" lvl="0" algn="l" rtl="0">
+      <a:lvl1pPr marR="0" lvl="0" algn="l" rtl="0" eaLnBrk="1" hangingPunct="1">
         <a:lnSpc>
           <a:spcPct val="100000"/>
         </a:lnSpc>
@@ -19192,7 +19587,7 @@
           <a:sym typeface="Arial"/>
         </a:defRPr>
       </a:lvl1pPr>
-      <a:lvl2pPr marR="0" lvl="1" algn="l" rtl="0">
+      <a:lvl2pPr marR="0" lvl="1" algn="l" rtl="0" eaLnBrk="1" hangingPunct="1">
         <a:lnSpc>
           <a:spcPct val="100000"/>
         </a:lnSpc>
@@ -19216,7 +19611,7 @@
           <a:sym typeface="Arial"/>
         </a:defRPr>
       </a:lvl2pPr>
-      <a:lvl3pPr marR="0" lvl="2" algn="l" rtl="0">
+      <a:lvl3pPr marR="0" lvl="2" algn="l" rtl="0" eaLnBrk="1" hangingPunct="1">
         <a:lnSpc>
           <a:spcPct val="100000"/>
         </a:lnSpc>
@@ -19240,7 +19635,7 @@
           <a:sym typeface="Arial"/>
         </a:defRPr>
       </a:lvl3pPr>
-      <a:lvl4pPr marR="0" lvl="3" algn="l" rtl="0">
+      <a:lvl4pPr marR="0" lvl="3" algn="l" rtl="0" eaLnBrk="1" hangingPunct="1">
         <a:lnSpc>
           <a:spcPct val="100000"/>
         </a:lnSpc>
@@ -19264,7 +19659,7 @@
           <a:sym typeface="Arial"/>
         </a:defRPr>
       </a:lvl4pPr>
-      <a:lvl5pPr marR="0" lvl="4" algn="l" rtl="0">
+      <a:lvl5pPr marR="0" lvl="4" algn="l" rtl="0" eaLnBrk="1" hangingPunct="1">
         <a:lnSpc>
           <a:spcPct val="100000"/>
         </a:lnSpc>
@@ -19288,7 +19683,7 @@
           <a:sym typeface="Arial"/>
         </a:defRPr>
       </a:lvl5pPr>
-      <a:lvl6pPr marR="0" lvl="5" algn="l" rtl="0">
+      <a:lvl6pPr marR="0" lvl="5" algn="l" rtl="0" eaLnBrk="1" hangingPunct="1">
         <a:lnSpc>
           <a:spcPct val="100000"/>
         </a:lnSpc>
@@ -19312,7 +19707,7 @@
           <a:sym typeface="Arial"/>
         </a:defRPr>
       </a:lvl6pPr>
-      <a:lvl7pPr marR="0" lvl="6" algn="l" rtl="0">
+      <a:lvl7pPr marR="0" lvl="6" algn="l" rtl="0" eaLnBrk="1" hangingPunct="1">
         <a:lnSpc>
           <a:spcPct val="100000"/>
         </a:lnSpc>
@@ -19336,7 +19731,7 @@
           <a:sym typeface="Arial"/>
         </a:defRPr>
       </a:lvl7pPr>
-      <a:lvl8pPr marR="0" lvl="7" algn="l" rtl="0">
+      <a:lvl8pPr marR="0" lvl="7" algn="l" rtl="0" eaLnBrk="1" hangingPunct="1">
         <a:lnSpc>
           <a:spcPct val="100000"/>
         </a:lnSpc>
@@ -19360,7 +19755,7 @@
           <a:sym typeface="Arial"/>
         </a:defRPr>
       </a:lvl8pPr>
-      <a:lvl9pPr marR="0" lvl="8" algn="l" rtl="0">
+      <a:lvl9pPr marR="0" lvl="8" algn="l" rtl="0" eaLnBrk="1" hangingPunct="1">
         <a:lnSpc>
           <a:spcPct val="100000"/>
         </a:lnSpc>
@@ -19524,10 +19919,6 @@
           </p:nvPr>
         </p:nvSpPr>
         <p:spPr>
-          <a:xfrm>
-            <a:off x="11163816" y="6276503"/>
-            <a:ext cx="683339" cy="365125"/>
-          </a:xfrm>
           <a:prstGeom prst="rect">
             <a:avLst/>
           </a:prstGeom>
@@ -19600,12 +19991,7 @@
             <p:ph type="title"/>
           </p:nvPr>
         </p:nvSpPr>
-        <p:spPr>
-          <a:xfrm>
-            <a:off x="658129" y="306388"/>
-            <a:ext cx="8596668" cy="760412"/>
-          </a:xfrm>
-        </p:spPr>
+        <p:spPr/>
         <p:txBody>
           <a:bodyPr/>
           <a:lstStyle/>
@@ -23242,6 +23628,104 @@
       </p:sp>
       <p:sp>
         <p:nvSpPr>
+          <p:cNvPr id="6" name="文字版面配置區 5">
+            <a:extLst>
+              <a:ext uri="{FF2B5EF4-FFF2-40B4-BE49-F238E27FC236}">
+                <a16:creationId xmlns:a16="http://schemas.microsoft.com/office/drawing/2014/main" id="{ADB5C6FB-1645-432A-B429-9F5960C6A437}"/>
+              </a:ext>
+            </a:extLst>
+          </p:cNvPr>
+          <p:cNvSpPr>
+            <a:spLocks noGrp="1"/>
+          </p:cNvSpPr>
+          <p:nvPr>
+            <p:ph type="body" idx="1"/>
+          </p:nvPr>
+        </p:nvSpPr>
+        <p:spPr/>
+        <p:txBody>
+          <a:bodyPr/>
+          <a:lstStyle/>
+          <a:p>
+            <a:r>
+              <a:rPr lang="zh-TW" altLang="en-US" dirty="0">
+                <a:solidFill>
+                  <a:schemeClr val="dk1"/>
+                </a:solidFill>
+              </a:rPr>
+              <a:t>「時間」資訊也是屬於 </a:t>
+            </a:r>
+            <a:r>
+              <a:rPr lang="en-US" altLang="zh-TW" dirty="0">
+                <a:solidFill>
+                  <a:schemeClr val="dk1"/>
+                </a:solidFill>
+              </a:rPr>
+              <a:t>lv3 </a:t>
+            </a:r>
+            <a:r>
+              <a:rPr lang="zh-TW" altLang="en-US" dirty="0">
+                <a:solidFill>
+                  <a:schemeClr val="dk1"/>
+                </a:solidFill>
+              </a:rPr>
+              <a:t>語意分析的範疇</a:t>
+            </a:r>
+            <a:endParaRPr lang="en-US" altLang="zh-TW" dirty="0">
+              <a:solidFill>
+                <a:schemeClr val="dk1"/>
+              </a:solidFill>
+            </a:endParaRPr>
+          </a:p>
+          <a:p>
+            <a:r>
+              <a:rPr lang="zh-TW" altLang="en-US" dirty="0">
+                <a:solidFill>
+                  <a:schemeClr val="dk1"/>
+                </a:solidFill>
+              </a:rPr>
+              <a:t>因此操作上和前述的「事件」一樣，只在最後取出的是 </a:t>
+            </a:r>
+            <a:r>
+              <a:rPr lang="en-US" altLang="zh-TW" dirty="0">
+                <a:solidFill>
+                  <a:schemeClr val="dk1"/>
+                </a:solidFill>
+              </a:rPr>
+              <a:t>["time"] </a:t>
+            </a:r>
+            <a:r>
+              <a:rPr lang="zh-TW" altLang="en-US" dirty="0">
+                <a:solidFill>
+                  <a:schemeClr val="dk1"/>
+                </a:solidFill>
+              </a:rPr>
+              <a:t>而不是 </a:t>
+            </a:r>
+            <a:r>
+              <a:rPr lang="en-US" altLang="zh-TW" dirty="0">
+                <a:solidFill>
+                  <a:schemeClr val="dk1"/>
+                </a:solidFill>
+              </a:rPr>
+              <a:t>["event"] </a:t>
+            </a:r>
+            <a:r>
+              <a:rPr lang="zh-TW" altLang="en-US" dirty="0">
+                <a:solidFill>
+                  <a:schemeClr val="dk1"/>
+                </a:solidFill>
+              </a:rPr>
+              <a:t>而已。</a:t>
+            </a:r>
+          </a:p>
+          <a:p>
+            <a:endParaRPr lang="zh-TW" altLang="en-US" dirty="0"/>
+          </a:p>
+        </p:txBody>
+      </p:sp>
+      <p:sp>
+        <p:nvSpPr>
           <p:cNvPr id="4" name="投影片編號版面配置區 3">
             <a:extLst>
               <a:ext uri="{FF2B5EF4-FFF2-40B4-BE49-F238E27FC236}">
@@ -23275,104 +23759,6 @@
               <a:t>18</a:t>
             </a:fld>
             <a:endParaRPr lang="zh-TW" altLang="en-US"/>
-          </a:p>
-        </p:txBody>
-      </p:sp>
-      <p:sp>
-        <p:nvSpPr>
-          <p:cNvPr id="6" name="文字版面配置區 5">
-            <a:extLst>
-              <a:ext uri="{FF2B5EF4-FFF2-40B4-BE49-F238E27FC236}">
-                <a16:creationId xmlns:a16="http://schemas.microsoft.com/office/drawing/2014/main" id="{ADB5C6FB-1645-432A-B429-9F5960C6A437}"/>
-              </a:ext>
-            </a:extLst>
-          </p:cNvPr>
-          <p:cNvSpPr>
-            <a:spLocks noGrp="1"/>
-          </p:cNvSpPr>
-          <p:nvPr>
-            <p:ph type="body" idx="1"/>
-          </p:nvPr>
-        </p:nvSpPr>
-        <p:spPr/>
-        <p:txBody>
-          <a:bodyPr/>
-          <a:lstStyle/>
-          <a:p>
-            <a:r>
-              <a:rPr lang="zh-TW" altLang="en-US" dirty="0">
-                <a:solidFill>
-                  <a:schemeClr val="dk1"/>
-                </a:solidFill>
-              </a:rPr>
-              <a:t>「時間」資訊也是屬於 </a:t>
-            </a:r>
-            <a:r>
-              <a:rPr lang="en-US" altLang="zh-TW" dirty="0">
-                <a:solidFill>
-                  <a:schemeClr val="dk1"/>
-                </a:solidFill>
-              </a:rPr>
-              <a:t>lv3 </a:t>
-            </a:r>
-            <a:r>
-              <a:rPr lang="zh-TW" altLang="en-US" dirty="0">
-                <a:solidFill>
-                  <a:schemeClr val="dk1"/>
-                </a:solidFill>
-              </a:rPr>
-              <a:t>語意分析的範疇</a:t>
-            </a:r>
-            <a:endParaRPr lang="en-US" altLang="zh-TW" dirty="0">
-              <a:solidFill>
-                <a:schemeClr val="dk1"/>
-              </a:solidFill>
-            </a:endParaRPr>
-          </a:p>
-          <a:p>
-            <a:r>
-              <a:rPr lang="zh-TW" altLang="en-US" dirty="0">
-                <a:solidFill>
-                  <a:schemeClr val="dk1"/>
-                </a:solidFill>
-              </a:rPr>
-              <a:t>因此操作上和前述的「事件」一樣，只在最後取出的是 </a:t>
-            </a:r>
-            <a:r>
-              <a:rPr lang="en-US" altLang="zh-TW" dirty="0">
-                <a:solidFill>
-                  <a:schemeClr val="dk1"/>
-                </a:solidFill>
-              </a:rPr>
-              <a:t>["time"] </a:t>
-            </a:r>
-            <a:r>
-              <a:rPr lang="zh-TW" altLang="en-US" dirty="0">
-                <a:solidFill>
-                  <a:schemeClr val="dk1"/>
-                </a:solidFill>
-              </a:rPr>
-              <a:t>而不是 </a:t>
-            </a:r>
-            <a:r>
-              <a:rPr lang="en-US" altLang="zh-TW" dirty="0">
-                <a:solidFill>
-                  <a:schemeClr val="dk1"/>
-                </a:solidFill>
-              </a:rPr>
-              <a:t>["event"] </a:t>
-            </a:r>
-            <a:r>
-              <a:rPr lang="zh-TW" altLang="en-US" dirty="0">
-                <a:solidFill>
-                  <a:schemeClr val="dk1"/>
-                </a:solidFill>
-              </a:rPr>
-              <a:t>而已。</a:t>
-            </a:r>
-          </a:p>
-          <a:p>
-            <a:endParaRPr lang="zh-TW" altLang="en-US" dirty="0"/>
           </a:p>
         </p:txBody>
       </p:sp>
@@ -23816,44 +24202,6 @@
       </p:sp>
       <p:sp>
         <p:nvSpPr>
-          <p:cNvPr id="4" name="投影片編號版面配置區 3">
-            <a:extLst>
-              <a:ext uri="{FF2B5EF4-FFF2-40B4-BE49-F238E27FC236}">
-                <a16:creationId xmlns:a16="http://schemas.microsoft.com/office/drawing/2014/main" id="{AC09661A-C95F-49E4-9689-5A9F3E3BB3A2}"/>
-              </a:ext>
-            </a:extLst>
-          </p:cNvPr>
-          <p:cNvSpPr>
-            <a:spLocks noGrp="1"/>
-          </p:cNvSpPr>
-          <p:nvPr>
-            <p:ph type="sldNum" idx="12"/>
-          </p:nvPr>
-        </p:nvSpPr>
-        <p:spPr/>
-        <p:txBody>
-          <a:bodyPr/>
-          <a:lstStyle/>
-          <a:p>
-            <a:pPr marL="0" lvl="0" indent="0" algn="r" rtl="0">
-              <a:spcBef>
-                <a:spcPts val="0"/>
-              </a:spcBef>
-              <a:spcAft>
-                <a:spcPts val="0"/>
-              </a:spcAft>
-              <a:buNone/>
-            </a:pPr>
-            <a:fld id="{00000000-1234-1234-1234-123412341234}" type="slidenum">
-              <a:rPr lang="en-US" altLang="zh-TW" smtClean="0"/>
-              <a:t>19</a:t>
-            </a:fld>
-            <a:endParaRPr lang="zh-TW" altLang="en-US"/>
-          </a:p>
-        </p:txBody>
-      </p:sp>
-      <p:sp>
-        <p:nvSpPr>
           <p:cNvPr id="6" name="文字版面配置區 5">
             <a:extLst>
               <a:ext uri="{FF2B5EF4-FFF2-40B4-BE49-F238E27FC236}">
@@ -24050,6 +24398,44 @@
           </a:p>
           <a:p>
             <a:endParaRPr lang="en-US" altLang="zh-TW" dirty="0"/>
+          </a:p>
+        </p:txBody>
+      </p:sp>
+      <p:sp>
+        <p:nvSpPr>
+          <p:cNvPr id="4" name="投影片編號版面配置區 3">
+            <a:extLst>
+              <a:ext uri="{FF2B5EF4-FFF2-40B4-BE49-F238E27FC236}">
+                <a16:creationId xmlns:a16="http://schemas.microsoft.com/office/drawing/2014/main" id="{AC09661A-C95F-49E4-9689-5A9F3E3BB3A2}"/>
+              </a:ext>
+            </a:extLst>
+          </p:cNvPr>
+          <p:cNvSpPr>
+            <a:spLocks noGrp="1"/>
+          </p:cNvSpPr>
+          <p:nvPr>
+            <p:ph type="sldNum" idx="12"/>
+          </p:nvPr>
+        </p:nvSpPr>
+        <p:spPr/>
+        <p:txBody>
+          <a:bodyPr/>
+          <a:lstStyle/>
+          <a:p>
+            <a:pPr marL="0" lvl="0" indent="0" algn="r" rtl="0">
+              <a:spcBef>
+                <a:spcPts val="0"/>
+              </a:spcBef>
+              <a:spcAft>
+                <a:spcPts val="0"/>
+              </a:spcAft>
+              <a:buNone/>
+            </a:pPr>
+            <a:fld id="{00000000-1234-1234-1234-123412341234}" type="slidenum">
+              <a:rPr lang="en-US" altLang="zh-TW" smtClean="0"/>
+              <a:t>19</a:t>
+            </a:fld>
+            <a:endParaRPr lang="zh-TW" altLang="en-US"/>
           </a:p>
         </p:txBody>
       </p:sp>
@@ -24094,10 +24480,6 @@
           </p:nvPr>
         </p:nvSpPr>
         <p:spPr>
-          <a:xfrm>
-            <a:off x="658129" y="306388"/>
-            <a:ext cx="8596668" cy="760412"/>
-          </a:xfrm>
           <a:prstGeom prst="rect">
             <a:avLst/>
           </a:prstGeom>
@@ -24145,10 +24527,6 @@
           </p:nvPr>
         </p:nvSpPr>
         <p:spPr>
-          <a:xfrm>
-            <a:off x="677334" y="1381655"/>
-            <a:ext cx="8596668" cy="4659707"/>
-          </a:xfrm>
           <a:prstGeom prst="rect">
             <a:avLst/>
           </a:prstGeom>
@@ -24331,10 +24709,6 @@
           </p:nvPr>
         </p:nvSpPr>
         <p:spPr>
-          <a:xfrm>
-            <a:off x="11163816" y="6276503"/>
-            <a:ext cx="683339" cy="365125"/>
-          </a:xfrm>
           <a:prstGeom prst="rect">
             <a:avLst/>
           </a:prstGeom>
@@ -24429,44 +24803,6 @@
       </p:sp>
       <p:sp>
         <p:nvSpPr>
-          <p:cNvPr id="4" name="投影片編號版面配置區 3">
-            <a:extLst>
-              <a:ext uri="{FF2B5EF4-FFF2-40B4-BE49-F238E27FC236}">
-                <a16:creationId xmlns:a16="http://schemas.microsoft.com/office/drawing/2014/main" id="{AC09661A-C95F-49E4-9689-5A9F3E3BB3A2}"/>
-              </a:ext>
-            </a:extLst>
-          </p:cNvPr>
-          <p:cNvSpPr>
-            <a:spLocks noGrp="1"/>
-          </p:cNvSpPr>
-          <p:nvPr>
-            <p:ph type="sldNum" idx="12"/>
-          </p:nvPr>
-        </p:nvSpPr>
-        <p:spPr/>
-        <p:txBody>
-          <a:bodyPr/>
-          <a:lstStyle/>
-          <a:p>
-            <a:pPr marL="0" lvl="0" indent="0" algn="r" rtl="0">
-              <a:spcBef>
-                <a:spcPts val="0"/>
-              </a:spcBef>
-              <a:spcAft>
-                <a:spcPts val="0"/>
-              </a:spcAft>
-              <a:buNone/>
-            </a:pPr>
-            <a:fld id="{00000000-1234-1234-1234-123412341234}" type="slidenum">
-              <a:rPr lang="en-US" altLang="zh-TW" smtClean="0"/>
-              <a:t>20</a:t>
-            </a:fld>
-            <a:endParaRPr lang="zh-TW" altLang="en-US"/>
-          </a:p>
-        </p:txBody>
-      </p:sp>
-      <p:sp>
-        <p:nvSpPr>
           <p:cNvPr id="6" name="文字版面配置區 5">
             <a:extLst>
               <a:ext uri="{FF2B5EF4-FFF2-40B4-BE49-F238E27FC236}">
@@ -24593,6 +24929,44 @@
               <a:t> </a:t>
             </a:r>
             <a:endParaRPr lang="en-US" altLang="zh-TW" dirty="0"/>
+          </a:p>
+        </p:txBody>
+      </p:sp>
+      <p:sp>
+        <p:nvSpPr>
+          <p:cNvPr id="4" name="投影片編號版面配置區 3">
+            <a:extLst>
+              <a:ext uri="{FF2B5EF4-FFF2-40B4-BE49-F238E27FC236}">
+                <a16:creationId xmlns:a16="http://schemas.microsoft.com/office/drawing/2014/main" id="{AC09661A-C95F-49E4-9689-5A9F3E3BB3A2}"/>
+              </a:ext>
+            </a:extLst>
+          </p:cNvPr>
+          <p:cNvSpPr>
+            <a:spLocks noGrp="1"/>
+          </p:cNvSpPr>
+          <p:nvPr>
+            <p:ph type="sldNum" idx="12"/>
+          </p:nvPr>
+        </p:nvSpPr>
+        <p:spPr/>
+        <p:txBody>
+          <a:bodyPr/>
+          <a:lstStyle/>
+          <a:p>
+            <a:pPr marL="0" lvl="0" indent="0" algn="r" rtl="0">
+              <a:spcBef>
+                <a:spcPts val="0"/>
+              </a:spcBef>
+              <a:spcAft>
+                <a:spcPts val="0"/>
+              </a:spcAft>
+              <a:buNone/>
+            </a:pPr>
+            <a:fld id="{00000000-1234-1234-1234-123412341234}" type="slidenum">
+              <a:rPr lang="en-US" altLang="zh-TW" smtClean="0"/>
+              <a:t>20</a:t>
+            </a:fld>
+            <a:endParaRPr lang="zh-TW" altLang="en-US"/>
           </a:p>
         </p:txBody>
       </p:sp>
@@ -28383,6 +28757,1860 @@
     <p:extLst>
       <p:ext uri="{BB962C8B-B14F-4D97-AF65-F5344CB8AC3E}">
         <p14:creationId xmlns:p14="http://schemas.microsoft.com/office/powerpoint/2010/main" val="4084570823"/>
+      </p:ext>
+    </p:extLst>
+  </p:cSld>
+  <p:clrMapOvr>
+    <a:masterClrMapping/>
+  </p:clrMapOvr>
+</p:sld>
+</file>
+
+<file path=ppt/slides/slide31.xml><?xml version="1.0" encoding="utf-8"?>
+<p:sld xmlns:a="http://schemas.openxmlformats.org/drawingml/2006/main" xmlns:r="http://schemas.openxmlformats.org/officeDocument/2006/relationships" xmlns:p="http://schemas.openxmlformats.org/presentationml/2006/main">
+  <p:cSld>
+    <p:spTree>
+      <p:nvGrpSpPr>
+        <p:cNvPr id="1" name=""/>
+        <p:cNvGrpSpPr/>
+        <p:nvPr/>
+      </p:nvGrpSpPr>
+      <p:grpSpPr>
+        <a:xfrm>
+          <a:off x="0" y="0"/>
+          <a:ext cx="0" cy="0"/>
+          <a:chOff x="0" y="0"/>
+          <a:chExt cx="0" cy="0"/>
+        </a:xfrm>
+      </p:grpSpPr>
+      <p:sp>
+        <p:nvSpPr>
+          <p:cNvPr id="2" name="Title 1">
+            <a:extLst>
+              <a:ext uri="{FF2B5EF4-FFF2-40B4-BE49-F238E27FC236}">
+                <a16:creationId xmlns:a16="http://schemas.microsoft.com/office/drawing/2014/main" id="{E256C8DC-DB77-45FA-95A3-89D8A80E5E86}"/>
+              </a:ext>
+            </a:extLst>
+          </p:cNvPr>
+          <p:cNvSpPr>
+            <a:spLocks noGrp="1"/>
+          </p:cNvSpPr>
+          <p:nvPr>
+            <p:ph type="title"/>
+          </p:nvPr>
+        </p:nvSpPr>
+        <p:spPr/>
+        <p:txBody>
+          <a:bodyPr>
+            <a:normAutofit/>
+          </a:bodyPr>
+          <a:lstStyle/>
+          <a:p>
+            <a:r>
+              <a:rPr lang="zh-TW" altLang="en-US" dirty="0">
+                <a:latin typeface="微軟正黑體" panose="020B0604030504040204" pitchFamily="34" charset="-120"/>
+                <a:ea typeface="微軟正黑體" panose="020B0604030504040204" pitchFamily="34" charset="-120"/>
+              </a:rPr>
+              <a:t>作業</a:t>
+            </a:r>
+            <a:r>
+              <a:rPr lang="en-US" altLang="zh-TW" dirty="0">
+                <a:latin typeface="微軟正黑體" panose="020B0604030504040204" pitchFamily="34" charset="-120"/>
+                <a:ea typeface="微軟正黑體" panose="020B0604030504040204" pitchFamily="34" charset="-120"/>
+              </a:rPr>
+              <a:t>:</a:t>
+            </a:r>
+            <a:r>
+              <a:rPr lang="zh-TW" altLang="en-US" dirty="0"/>
+              <a:t>遠距教學新聞的特徵詞抽取</a:t>
+            </a:r>
+          </a:p>
+        </p:txBody>
+      </p:sp>
+      <p:sp>
+        <p:nvSpPr>
+          <p:cNvPr id="3" name="Text Placeholder 2">
+            <a:extLst>
+              <a:ext uri="{FF2B5EF4-FFF2-40B4-BE49-F238E27FC236}">
+                <a16:creationId xmlns:a16="http://schemas.microsoft.com/office/drawing/2014/main" id="{1BAE6369-4982-418F-B471-943E94602D17}"/>
+              </a:ext>
+            </a:extLst>
+          </p:cNvPr>
+          <p:cNvSpPr>
+            <a:spLocks noGrp="1"/>
+          </p:cNvSpPr>
+          <p:nvPr>
+            <p:ph type="body" idx="1"/>
+          </p:nvPr>
+        </p:nvSpPr>
+        <p:spPr/>
+        <p:txBody>
+          <a:bodyPr/>
+          <a:lstStyle/>
+          <a:p>
+            <a:pPr marL="137160" indent="0">
+              <a:buNone/>
+            </a:pPr>
+            <a:r>
+              <a:rPr lang="zh-TW" altLang="en-US" dirty="0"/>
+              <a:t>作業敘述</a:t>
+            </a:r>
+            <a:r>
+              <a:rPr lang="en-US" altLang="zh-TW" dirty="0"/>
+              <a:t>:</a:t>
+            </a:r>
+          </a:p>
+          <a:p>
+            <a:r>
+              <a:rPr lang="zh-TW" altLang="en-US" dirty="0"/>
+              <a:t>在處理股市文本任務中，我們傾向將文本分成</a:t>
+            </a:r>
+            <a:r>
+              <a:rPr lang="en-US" altLang="zh-TW" dirty="0"/>
+              <a:t>2</a:t>
+            </a:r>
+            <a:r>
+              <a:rPr lang="zh-TW" altLang="en-US" dirty="0"/>
+              <a:t>種</a:t>
+            </a:r>
+            <a:r>
+              <a:rPr lang="en-US" altLang="zh-TW" dirty="0"/>
+              <a:t>:</a:t>
+            </a:r>
+          </a:p>
+          <a:p>
+            <a:pPr marL="137160" indent="0">
+              <a:buNone/>
+            </a:pPr>
+            <a:r>
+              <a:rPr lang="en-US" altLang="zh-TW" dirty="0"/>
+              <a:t>1. </a:t>
+            </a:r>
+            <a:r>
+              <a:rPr lang="zh-TW" altLang="en-US" dirty="0"/>
+              <a:t>描述跌的文本</a:t>
+            </a:r>
+          </a:p>
+          <a:p>
+            <a:pPr marL="137160" indent="0">
+              <a:buNone/>
+            </a:pPr>
+            <a:r>
+              <a:rPr lang="en-US" altLang="zh-TW" dirty="0"/>
+              <a:t>2. </a:t>
+            </a:r>
+            <a:r>
+              <a:rPr lang="zh-TW" altLang="en-US" dirty="0"/>
+              <a:t>描述漲的文本 </a:t>
+            </a:r>
+            <a:endParaRPr lang="en-US" altLang="zh-TW" dirty="0"/>
+          </a:p>
+          <a:p>
+            <a:r>
+              <a:rPr lang="zh-TW" altLang="en-US" dirty="0"/>
+              <a:t>而這次的任務裡，我們從</a:t>
+            </a:r>
+            <a:r>
+              <a:rPr lang="zh-TW" altLang="en-US" dirty="0">
+                <a:hlinkClick r:id="rId2"/>
+              </a:rPr>
+              <a:t>聯合新聞網</a:t>
+            </a:r>
+            <a:r>
+              <a:rPr lang="zh-TW" altLang="en-US" dirty="0"/>
+              <a:t>找了近期的股市新聞</a:t>
+            </a:r>
+            <a:r>
+              <a:rPr lang="en-US" altLang="zh-TW" dirty="0"/>
+              <a:t>(20</a:t>
+            </a:r>
+            <a:r>
+              <a:rPr lang="zh-TW" altLang="en-US" dirty="0"/>
+              <a:t>篇</a:t>
+            </a:r>
+            <a:r>
+              <a:rPr lang="en-US" altLang="zh-TW" dirty="0"/>
+              <a:t>)</a:t>
+            </a:r>
+            <a:r>
+              <a:rPr lang="zh-TW" altLang="en-US" dirty="0"/>
+              <a:t>，希望可以透過我們學到的抽取特徵詞的技術，幫我們順利辨認出有關於敘述股市漲的文本是那些，讓我們直接開始吧</a:t>
+            </a:r>
+            <a:r>
+              <a:rPr lang="en-US" altLang="zh-TW" dirty="0"/>
+              <a:t>!</a:t>
+            </a:r>
+          </a:p>
+          <a:p>
+            <a:pPr marL="137160" indent="0">
+              <a:buNone/>
+            </a:pPr>
+            <a:endParaRPr lang="en-US" altLang="zh-TW" dirty="0"/>
+          </a:p>
+          <a:p>
+            <a:endParaRPr lang="zh-TW" altLang="en-US" dirty="0"/>
+          </a:p>
+        </p:txBody>
+      </p:sp>
+      <p:sp>
+        <p:nvSpPr>
+          <p:cNvPr id="4" name="Slide Number Placeholder 3">
+            <a:extLst>
+              <a:ext uri="{FF2B5EF4-FFF2-40B4-BE49-F238E27FC236}">
+                <a16:creationId xmlns:a16="http://schemas.microsoft.com/office/drawing/2014/main" id="{6879B1B4-EBCF-482F-BB28-DF540D97EC2B}"/>
+              </a:ext>
+            </a:extLst>
+          </p:cNvPr>
+          <p:cNvSpPr>
+            <a:spLocks noGrp="1"/>
+          </p:cNvSpPr>
+          <p:nvPr>
+            <p:ph type="sldNum" idx="12"/>
+          </p:nvPr>
+        </p:nvSpPr>
+        <p:spPr/>
+        <p:txBody>
+          <a:bodyPr/>
+          <a:lstStyle/>
+          <a:p>
+            <a:pPr marL="0" lvl="0" indent="0" algn="r" rtl="0">
+              <a:spcBef>
+                <a:spcPts val="0"/>
+              </a:spcBef>
+              <a:spcAft>
+                <a:spcPts val="0"/>
+              </a:spcAft>
+              <a:buNone/>
+            </a:pPr>
+            <a:fld id="{00000000-1234-1234-1234-123412341234}" type="slidenum">
+              <a:rPr lang="en-US" altLang="zh-TW" smtClean="0"/>
+              <a:t>31</a:t>
+            </a:fld>
+            <a:endParaRPr lang="zh-TW" altLang="en-US"/>
+          </a:p>
+        </p:txBody>
+      </p:sp>
+    </p:spTree>
+    <p:extLst>
+      <p:ext uri="{BB962C8B-B14F-4D97-AF65-F5344CB8AC3E}">
+        <p14:creationId xmlns:p14="http://schemas.microsoft.com/office/powerpoint/2010/main" val="1439976460"/>
+      </p:ext>
+    </p:extLst>
+  </p:cSld>
+  <p:clrMapOvr>
+    <a:masterClrMapping/>
+  </p:clrMapOvr>
+</p:sld>
+</file>
+
+<file path=ppt/slides/slide32.xml><?xml version="1.0" encoding="utf-8"?>
+<p:sld xmlns:a="http://schemas.openxmlformats.org/drawingml/2006/main" xmlns:r="http://schemas.openxmlformats.org/officeDocument/2006/relationships" xmlns:p="http://schemas.openxmlformats.org/presentationml/2006/main">
+  <p:cSld>
+    <p:spTree>
+      <p:nvGrpSpPr>
+        <p:cNvPr id="1" name=""/>
+        <p:cNvGrpSpPr/>
+        <p:nvPr/>
+      </p:nvGrpSpPr>
+      <p:grpSpPr>
+        <a:xfrm>
+          <a:off x="0" y="0"/>
+          <a:ext cx="0" cy="0"/>
+          <a:chOff x="0" y="0"/>
+          <a:chExt cx="0" cy="0"/>
+        </a:xfrm>
+      </p:grpSpPr>
+      <p:sp>
+        <p:nvSpPr>
+          <p:cNvPr id="2" name="Title 1">
+            <a:extLst>
+              <a:ext uri="{FF2B5EF4-FFF2-40B4-BE49-F238E27FC236}">
+                <a16:creationId xmlns:a16="http://schemas.microsoft.com/office/drawing/2014/main" id="{FCD03470-AE20-4BCD-AA26-CF4F6059CC3A}"/>
+              </a:ext>
+            </a:extLst>
+          </p:cNvPr>
+          <p:cNvSpPr>
+            <a:spLocks noGrp="1"/>
+          </p:cNvSpPr>
+          <p:nvPr>
+            <p:ph type="title"/>
+          </p:nvPr>
+        </p:nvSpPr>
+        <p:spPr/>
+        <p:txBody>
+          <a:bodyPr/>
+          <a:lstStyle/>
+          <a:p>
+            <a:r>
+              <a:rPr lang="zh-TW" altLang="en-US" dirty="0">
+                <a:latin typeface="微軟正黑體" panose="020B0604030504040204" pitchFamily="34" charset="-120"/>
+                <a:ea typeface="微軟正黑體" panose="020B0604030504040204" pitchFamily="34" charset="-120"/>
+              </a:rPr>
+              <a:t>作業</a:t>
+            </a:r>
+            <a:r>
+              <a:rPr lang="en-US" altLang="zh-TW" dirty="0">
+                <a:latin typeface="微軟正黑體" panose="020B0604030504040204" pitchFamily="34" charset="-120"/>
+                <a:ea typeface="微軟正黑體" panose="020B0604030504040204" pitchFamily="34" charset="-120"/>
+              </a:rPr>
+              <a:t>:</a:t>
+            </a:r>
+            <a:r>
+              <a:rPr lang="zh-TW" altLang="en-US" dirty="0"/>
+              <a:t>遠距教學新聞的特徵詞抽取</a:t>
+            </a:r>
+          </a:p>
+        </p:txBody>
+      </p:sp>
+      <p:sp>
+        <p:nvSpPr>
+          <p:cNvPr id="3" name="Text Placeholder 2">
+            <a:extLst>
+              <a:ext uri="{FF2B5EF4-FFF2-40B4-BE49-F238E27FC236}">
+                <a16:creationId xmlns:a16="http://schemas.microsoft.com/office/drawing/2014/main" id="{10FC150F-521D-437A-ADFD-4463BFB4FB7C}"/>
+              </a:ext>
+            </a:extLst>
+          </p:cNvPr>
+          <p:cNvSpPr>
+            <a:spLocks noGrp="1"/>
+          </p:cNvSpPr>
+          <p:nvPr>
+            <p:ph type="body" idx="1"/>
+          </p:nvPr>
+        </p:nvSpPr>
+        <p:spPr/>
+        <p:txBody>
+          <a:bodyPr/>
+          <a:lstStyle/>
+          <a:p>
+            <a:r>
+              <a:rPr lang="zh-TW" altLang="en-US" dirty="0"/>
+              <a:t>任務一</a:t>
+            </a:r>
+            <a:r>
+              <a:rPr lang="en-US" altLang="zh-TW" dirty="0"/>
+              <a:t>: </a:t>
+            </a:r>
+            <a:r>
+              <a:rPr lang="zh-TW" altLang="en-US" dirty="0"/>
+              <a:t>思考時間</a:t>
+            </a:r>
+          </a:p>
+          <a:p>
+            <a:r>
+              <a:rPr lang="zh-TW" altLang="en-US" dirty="0"/>
+              <a:t>從文本中我們可以觀察出以下幾個關鍵，首先我們會關心這是在說哪一支股票，第二部分我們會好奇這支股票是漲還是跌。   </a:t>
+            </a:r>
+          </a:p>
+          <a:p>
+            <a:r>
+              <a:rPr lang="zh-TW" altLang="en-US" dirty="0"/>
+              <a:t>那我們是怎麼判斷文章是再說漲還是跌呢</a:t>
+            </a:r>
+            <a:r>
+              <a:rPr lang="en-US" altLang="zh-TW" dirty="0"/>
+              <a:t>? </a:t>
+            </a:r>
+            <a:r>
+              <a:rPr lang="zh-TW" altLang="en-US" dirty="0"/>
+              <a:t>還明顯這時候我們無法依賴單純斷詞後的詞頻。在我們解決地個問題之前，我們先用我們的語感來觀察資料，你覺得那些句子透露出一篇文章的漲跌線索呢</a:t>
+            </a:r>
+            <a:r>
+              <a:rPr lang="en-US" altLang="zh-TW" dirty="0"/>
+              <a:t>?</a:t>
+            </a:r>
+          </a:p>
+          <a:p>
+            <a:r>
+              <a:rPr lang="zh-TW" altLang="en-US" dirty="0"/>
+              <a:t>文本在下一頁</a:t>
+            </a:r>
+          </a:p>
+        </p:txBody>
+      </p:sp>
+      <p:sp>
+        <p:nvSpPr>
+          <p:cNvPr id="4" name="Slide Number Placeholder 3">
+            <a:extLst>
+              <a:ext uri="{FF2B5EF4-FFF2-40B4-BE49-F238E27FC236}">
+                <a16:creationId xmlns:a16="http://schemas.microsoft.com/office/drawing/2014/main" id="{73A3B7DF-F80C-4113-937B-1A85BA686687}"/>
+              </a:ext>
+            </a:extLst>
+          </p:cNvPr>
+          <p:cNvSpPr>
+            <a:spLocks noGrp="1"/>
+          </p:cNvSpPr>
+          <p:nvPr>
+            <p:ph type="sldNum" idx="12"/>
+          </p:nvPr>
+        </p:nvSpPr>
+        <p:spPr/>
+        <p:txBody>
+          <a:bodyPr/>
+          <a:lstStyle/>
+          <a:p>
+            <a:pPr marL="0" lvl="0" indent="0" algn="r" rtl="0">
+              <a:spcBef>
+                <a:spcPts val="0"/>
+              </a:spcBef>
+              <a:spcAft>
+                <a:spcPts val="0"/>
+              </a:spcAft>
+              <a:buNone/>
+            </a:pPr>
+            <a:fld id="{00000000-1234-1234-1234-123412341234}" type="slidenum">
+              <a:rPr lang="en-US" altLang="zh-TW" smtClean="0"/>
+              <a:t>32</a:t>
+            </a:fld>
+            <a:endParaRPr lang="zh-TW" altLang="en-US"/>
+          </a:p>
+        </p:txBody>
+      </p:sp>
+    </p:spTree>
+    <p:extLst>
+      <p:ext uri="{BB962C8B-B14F-4D97-AF65-F5344CB8AC3E}">
+        <p14:creationId xmlns:p14="http://schemas.microsoft.com/office/powerpoint/2010/main" val="3442027589"/>
+      </p:ext>
+    </p:extLst>
+  </p:cSld>
+  <p:clrMapOvr>
+    <a:masterClrMapping/>
+  </p:clrMapOvr>
+</p:sld>
+</file>
+
+<file path=ppt/slides/slide33.xml><?xml version="1.0" encoding="utf-8"?>
+<p:sld xmlns:a="http://schemas.openxmlformats.org/drawingml/2006/main" xmlns:r="http://schemas.openxmlformats.org/officeDocument/2006/relationships" xmlns:p="http://schemas.openxmlformats.org/presentationml/2006/main">
+  <p:cSld>
+    <p:spTree>
+      <p:nvGrpSpPr>
+        <p:cNvPr id="1" name=""/>
+        <p:cNvGrpSpPr/>
+        <p:nvPr/>
+      </p:nvGrpSpPr>
+      <p:grpSpPr>
+        <a:xfrm>
+          <a:off x="0" y="0"/>
+          <a:ext cx="0" cy="0"/>
+          <a:chOff x="0" y="0"/>
+          <a:chExt cx="0" cy="0"/>
+        </a:xfrm>
+      </p:grpSpPr>
+      <p:sp>
+        <p:nvSpPr>
+          <p:cNvPr id="2" name="Title 1">
+            <a:extLst>
+              <a:ext uri="{FF2B5EF4-FFF2-40B4-BE49-F238E27FC236}">
+                <a16:creationId xmlns:a16="http://schemas.microsoft.com/office/drawing/2014/main" id="{36F1042E-8420-45F1-BA63-88EE4FB3CA5B}"/>
+              </a:ext>
+            </a:extLst>
+          </p:cNvPr>
+          <p:cNvSpPr>
+            <a:spLocks noGrp="1"/>
+          </p:cNvSpPr>
+          <p:nvPr>
+            <p:ph type="title"/>
+          </p:nvPr>
+        </p:nvSpPr>
+        <p:spPr/>
+        <p:txBody>
+          <a:bodyPr/>
+          <a:lstStyle/>
+          <a:p>
+            <a:r>
+              <a:rPr lang="zh-TW" altLang="en-US" dirty="0"/>
+              <a:t>任務</a:t>
+            </a:r>
+            <a:r>
+              <a:rPr lang="en-US" altLang="zh-TW" dirty="0"/>
+              <a:t>1</a:t>
+            </a:r>
+            <a:r>
+              <a:rPr lang="zh-TW" altLang="en-US" dirty="0"/>
+              <a:t>文本</a:t>
+            </a:r>
+          </a:p>
+        </p:txBody>
+      </p:sp>
+      <p:sp>
+        <p:nvSpPr>
+          <p:cNvPr id="3" name="Text Placeholder 2">
+            <a:extLst>
+              <a:ext uri="{FF2B5EF4-FFF2-40B4-BE49-F238E27FC236}">
+                <a16:creationId xmlns:a16="http://schemas.microsoft.com/office/drawing/2014/main" id="{FA30A6F7-26CB-4AE5-AA54-F4B67C0FA75A}"/>
+              </a:ext>
+            </a:extLst>
+          </p:cNvPr>
+          <p:cNvSpPr>
+            <a:spLocks noGrp="1"/>
+          </p:cNvSpPr>
+          <p:nvPr>
+            <p:ph type="body" idx="1"/>
+          </p:nvPr>
+        </p:nvSpPr>
+        <p:spPr/>
+        <p:txBody>
+          <a:bodyPr/>
+          <a:lstStyle/>
+          <a:p>
+            <a:r>
+              <a:rPr lang="zh-TW" altLang="en-US" dirty="0"/>
+              <a:t>元太電子紙商機起飛 股價挑戰歷史新高</a:t>
+            </a:r>
+            <a:endParaRPr lang="en-US" altLang="zh-TW" dirty="0"/>
+          </a:p>
+          <a:p>
+            <a:r>
+              <a:rPr lang="zh-TW" altLang="en-US" dirty="0"/>
+              <a:t>電子紙大廠元太（</a:t>
+            </a:r>
+            <a:r>
+              <a:rPr lang="en-US" altLang="zh-TW" dirty="0"/>
+              <a:t>8069</a:t>
+            </a:r>
+            <a:r>
+              <a:rPr lang="zh-TW" altLang="en-US" dirty="0"/>
+              <a:t>）因市場看好電子紙閱讀器與筆記本，以及電子紙標籤（</a:t>
+            </a:r>
+            <a:r>
+              <a:rPr lang="en-US" altLang="zh-TW" dirty="0"/>
+              <a:t>ESL</a:t>
+            </a:r>
+            <a:r>
+              <a:rPr lang="zh-TW" altLang="en-US" dirty="0"/>
+              <a:t>）商機，近期股價持續走揚，今（</a:t>
+            </a:r>
+            <a:r>
+              <a:rPr lang="en-US" altLang="zh-TW" dirty="0"/>
+              <a:t>6</a:t>
+            </a:r>
+            <a:r>
+              <a:rPr lang="zh-TW" altLang="en-US" dirty="0"/>
+              <a:t>）日盤中高點來到</a:t>
+            </a:r>
+            <a:r>
+              <a:rPr lang="en-US" altLang="zh-TW" dirty="0"/>
+              <a:t>84.5</a:t>
+            </a:r>
+            <a:r>
+              <a:rPr lang="zh-TW" altLang="en-US" dirty="0"/>
+              <a:t>元，上漲</a:t>
+            </a:r>
+            <a:r>
+              <a:rPr lang="en-US" altLang="zh-TW" dirty="0"/>
+              <a:t>7</a:t>
+            </a:r>
+            <a:r>
+              <a:rPr lang="zh-TW" altLang="en-US" dirty="0"/>
+              <a:t>元、漲幅達</a:t>
+            </a:r>
+            <a:r>
+              <a:rPr lang="en-US" altLang="zh-TW" dirty="0"/>
+              <a:t>9%</a:t>
+            </a:r>
+            <a:r>
+              <a:rPr lang="zh-TW" altLang="en-US" dirty="0"/>
+              <a:t>，近期有望挑戰歷史最高價</a:t>
+            </a:r>
+            <a:r>
+              <a:rPr lang="en-US" altLang="zh-TW" dirty="0"/>
+              <a:t>85.6</a:t>
+            </a:r>
+            <a:r>
+              <a:rPr lang="zh-TW" altLang="en-US" dirty="0"/>
+              <a:t>元。  元太今年前</a:t>
+            </a:r>
+            <a:r>
+              <a:rPr lang="en-US" altLang="zh-TW" dirty="0"/>
+              <a:t>5</a:t>
+            </a:r>
+            <a:r>
+              <a:rPr lang="zh-TW" altLang="en-US" dirty="0"/>
+              <a:t>月累計合併營收達</a:t>
+            </a:r>
+            <a:r>
+              <a:rPr lang="en-US" altLang="zh-TW" dirty="0"/>
+              <a:t>71</a:t>
+            </a:r>
+            <a:r>
+              <a:rPr lang="zh-TW" altLang="en-US" dirty="0"/>
+              <a:t>億元，年增</a:t>
+            </a:r>
+            <a:r>
+              <a:rPr lang="en-US" altLang="zh-TW" dirty="0"/>
+              <a:t>26.5%</a:t>
+            </a:r>
+            <a:r>
+              <a:rPr lang="zh-TW" altLang="en-US" dirty="0"/>
+              <a:t>，是自</a:t>
+            </a:r>
+            <a:r>
+              <a:rPr lang="en-US" altLang="zh-TW" dirty="0"/>
+              <a:t>2017</a:t>
+            </a:r>
+            <a:r>
+              <a:rPr lang="zh-TW" altLang="en-US" dirty="0"/>
+              <a:t>年轉型</a:t>
+            </a:r>
+            <a:r>
+              <a:rPr lang="en-US" altLang="zh-TW" dirty="0"/>
+              <a:t>100%</a:t>
+            </a:r>
+            <a:r>
+              <a:rPr lang="zh-TW" altLang="en-US" dirty="0"/>
+              <a:t>電子紙製造商後的同期新高。</a:t>
+            </a:r>
+            <a:r>
+              <a:rPr lang="en-US" altLang="zh-TW" dirty="0"/>
+              <a:t>…</a:t>
+            </a:r>
+          </a:p>
+          <a:p>
+            <a:r>
+              <a:rPr lang="zh-TW" altLang="en-US" dirty="0">
+                <a:hlinkClick r:id="rId2"/>
+              </a:rPr>
+              <a:t>原文連結</a:t>
+            </a:r>
+            <a:endParaRPr lang="zh-TW" altLang="en-US" dirty="0"/>
+          </a:p>
+        </p:txBody>
+      </p:sp>
+      <p:sp>
+        <p:nvSpPr>
+          <p:cNvPr id="4" name="Slide Number Placeholder 3">
+            <a:extLst>
+              <a:ext uri="{FF2B5EF4-FFF2-40B4-BE49-F238E27FC236}">
+                <a16:creationId xmlns:a16="http://schemas.microsoft.com/office/drawing/2014/main" id="{22983CA8-AC96-4525-AE99-E6BA6A20D5D8}"/>
+              </a:ext>
+            </a:extLst>
+          </p:cNvPr>
+          <p:cNvSpPr>
+            <a:spLocks noGrp="1"/>
+          </p:cNvSpPr>
+          <p:nvPr>
+            <p:ph type="sldNum" idx="12"/>
+          </p:nvPr>
+        </p:nvSpPr>
+        <p:spPr/>
+        <p:txBody>
+          <a:bodyPr/>
+          <a:lstStyle/>
+          <a:p>
+            <a:pPr marL="0" lvl="0" indent="0" algn="r" rtl="0">
+              <a:spcBef>
+                <a:spcPts val="0"/>
+              </a:spcBef>
+              <a:spcAft>
+                <a:spcPts val="0"/>
+              </a:spcAft>
+              <a:buNone/>
+            </a:pPr>
+            <a:fld id="{00000000-1234-1234-1234-123412341234}" type="slidenum">
+              <a:rPr lang="en-US" altLang="zh-TW" smtClean="0"/>
+              <a:t>33</a:t>
+            </a:fld>
+            <a:endParaRPr lang="zh-TW" altLang="en-US"/>
+          </a:p>
+        </p:txBody>
+      </p:sp>
+    </p:spTree>
+    <p:extLst>
+      <p:ext uri="{BB962C8B-B14F-4D97-AF65-F5344CB8AC3E}">
+        <p14:creationId xmlns:p14="http://schemas.microsoft.com/office/powerpoint/2010/main" val="2597067285"/>
+      </p:ext>
+    </p:extLst>
+  </p:cSld>
+  <p:clrMapOvr>
+    <a:masterClrMapping/>
+  </p:clrMapOvr>
+</p:sld>
+</file>
+
+<file path=ppt/slides/slide34.xml><?xml version="1.0" encoding="utf-8"?>
+<p:sld xmlns:a="http://schemas.openxmlformats.org/drawingml/2006/main" xmlns:r="http://schemas.openxmlformats.org/officeDocument/2006/relationships" xmlns:p="http://schemas.openxmlformats.org/presentationml/2006/main">
+  <p:cSld>
+    <p:spTree>
+      <p:nvGrpSpPr>
+        <p:cNvPr id="1" name=""/>
+        <p:cNvGrpSpPr/>
+        <p:nvPr/>
+      </p:nvGrpSpPr>
+      <p:grpSpPr>
+        <a:xfrm>
+          <a:off x="0" y="0"/>
+          <a:ext cx="0" cy="0"/>
+          <a:chOff x="0" y="0"/>
+          <a:chExt cx="0" cy="0"/>
+        </a:xfrm>
+      </p:grpSpPr>
+      <p:sp>
+        <p:nvSpPr>
+          <p:cNvPr id="2" name="Title 1">
+            <a:extLst>
+              <a:ext uri="{FF2B5EF4-FFF2-40B4-BE49-F238E27FC236}">
+                <a16:creationId xmlns:a16="http://schemas.microsoft.com/office/drawing/2014/main" id="{FCD03470-AE20-4BCD-AA26-CF4F6059CC3A}"/>
+              </a:ext>
+            </a:extLst>
+          </p:cNvPr>
+          <p:cNvSpPr>
+            <a:spLocks noGrp="1"/>
+          </p:cNvSpPr>
+          <p:nvPr>
+            <p:ph type="title"/>
+          </p:nvPr>
+        </p:nvSpPr>
+        <p:spPr/>
+        <p:txBody>
+          <a:bodyPr/>
+          <a:lstStyle/>
+          <a:p>
+            <a:r>
+              <a:rPr lang="zh-TW" altLang="en-US" dirty="0">
+                <a:latin typeface="微軟正黑體" panose="020B0604030504040204" pitchFamily="34" charset="-120"/>
+                <a:ea typeface="微軟正黑體" panose="020B0604030504040204" pitchFamily="34" charset="-120"/>
+              </a:rPr>
+              <a:t>作業</a:t>
+            </a:r>
+            <a:r>
+              <a:rPr lang="en-US" altLang="zh-TW" dirty="0">
+                <a:latin typeface="微軟正黑體" panose="020B0604030504040204" pitchFamily="34" charset="-120"/>
+                <a:ea typeface="微軟正黑體" panose="020B0604030504040204" pitchFamily="34" charset="-120"/>
+              </a:rPr>
+              <a:t>:</a:t>
+            </a:r>
+            <a:r>
+              <a:rPr lang="zh-TW" altLang="en-US" dirty="0"/>
+              <a:t>遠距教學新聞的特徵詞抽取</a:t>
+            </a:r>
+          </a:p>
+        </p:txBody>
+      </p:sp>
+      <p:sp>
+        <p:nvSpPr>
+          <p:cNvPr id="3" name="Text Placeholder 2">
+            <a:extLst>
+              <a:ext uri="{FF2B5EF4-FFF2-40B4-BE49-F238E27FC236}">
+                <a16:creationId xmlns:a16="http://schemas.microsoft.com/office/drawing/2014/main" id="{10FC150F-521D-437A-ADFD-4463BFB4FB7C}"/>
+              </a:ext>
+            </a:extLst>
+          </p:cNvPr>
+          <p:cNvSpPr>
+            <a:spLocks noGrp="1"/>
+          </p:cNvSpPr>
+          <p:nvPr>
+            <p:ph type="body" idx="1"/>
+          </p:nvPr>
+        </p:nvSpPr>
+        <p:spPr/>
+        <p:txBody>
+          <a:bodyPr>
+            <a:normAutofit/>
+          </a:bodyPr>
+          <a:lstStyle/>
+          <a:p>
+            <a:r>
+              <a:rPr lang="zh-TW" altLang="en-US" dirty="0"/>
+              <a:t>任務二之一</a:t>
+            </a:r>
+            <a:r>
+              <a:rPr lang="en-US" altLang="zh-TW" dirty="0"/>
+              <a:t>: </a:t>
+            </a:r>
+            <a:r>
+              <a:rPr lang="zh-TW" altLang="en-US" dirty="0"/>
+              <a:t>抽取需要的特徵詞</a:t>
+            </a:r>
+          </a:p>
+          <a:p>
+            <a:r>
+              <a:rPr lang="zh-TW" altLang="en-US" dirty="0"/>
+              <a:t>在這個任務中，請你根據所學過的抽取特徵詞的方法，包含運用</a:t>
+            </a:r>
+            <a:r>
+              <a:rPr lang="en-US" altLang="zh-TW" dirty="0"/>
+              <a:t>TFIDF</a:t>
+            </a:r>
+            <a:r>
+              <a:rPr lang="zh-TW" altLang="en-US" dirty="0"/>
+              <a:t>值、抽取名詞、抽取動詞、抽取事件這四種技術，分別以第一則新聞去嘗試，之後綜合比較，你覺得要用哪個方法來判斷一篇股市新聞是漲是跌比較好呢</a:t>
+            </a:r>
+            <a:r>
+              <a:rPr lang="en-US" altLang="zh-TW" dirty="0"/>
+              <a:t>? </a:t>
+            </a:r>
+          </a:p>
+          <a:p>
+            <a:endParaRPr lang="zh-TW" altLang="en-US" dirty="0"/>
+          </a:p>
+        </p:txBody>
+      </p:sp>
+      <p:sp>
+        <p:nvSpPr>
+          <p:cNvPr id="4" name="Slide Number Placeholder 3">
+            <a:extLst>
+              <a:ext uri="{FF2B5EF4-FFF2-40B4-BE49-F238E27FC236}">
+                <a16:creationId xmlns:a16="http://schemas.microsoft.com/office/drawing/2014/main" id="{73A3B7DF-F80C-4113-937B-1A85BA686687}"/>
+              </a:ext>
+            </a:extLst>
+          </p:cNvPr>
+          <p:cNvSpPr>
+            <a:spLocks noGrp="1"/>
+          </p:cNvSpPr>
+          <p:nvPr>
+            <p:ph type="sldNum" idx="12"/>
+          </p:nvPr>
+        </p:nvSpPr>
+        <p:spPr/>
+        <p:txBody>
+          <a:bodyPr/>
+          <a:lstStyle/>
+          <a:p>
+            <a:pPr marL="0" lvl="0" indent="0" algn="r" rtl="0">
+              <a:spcBef>
+                <a:spcPts val="0"/>
+              </a:spcBef>
+              <a:spcAft>
+                <a:spcPts val="0"/>
+              </a:spcAft>
+              <a:buNone/>
+            </a:pPr>
+            <a:fld id="{00000000-1234-1234-1234-123412341234}" type="slidenum">
+              <a:rPr lang="en-US" altLang="zh-TW" smtClean="0"/>
+              <a:t>34</a:t>
+            </a:fld>
+            <a:endParaRPr lang="zh-TW" altLang="en-US"/>
+          </a:p>
+        </p:txBody>
+      </p:sp>
+    </p:spTree>
+    <p:extLst>
+      <p:ext uri="{BB962C8B-B14F-4D97-AF65-F5344CB8AC3E}">
+        <p14:creationId xmlns:p14="http://schemas.microsoft.com/office/powerpoint/2010/main" val="430569506"/>
+      </p:ext>
+    </p:extLst>
+  </p:cSld>
+  <p:clrMapOvr>
+    <a:masterClrMapping/>
+  </p:clrMapOvr>
+</p:sld>
+</file>
+
+<file path=ppt/slides/slide35.xml><?xml version="1.0" encoding="utf-8"?>
+<p:sld xmlns:a="http://schemas.openxmlformats.org/drawingml/2006/main" xmlns:r="http://schemas.openxmlformats.org/officeDocument/2006/relationships" xmlns:p="http://schemas.openxmlformats.org/presentationml/2006/main">
+  <p:cSld>
+    <p:spTree>
+      <p:nvGrpSpPr>
+        <p:cNvPr id="1" name=""/>
+        <p:cNvGrpSpPr/>
+        <p:nvPr/>
+      </p:nvGrpSpPr>
+      <p:grpSpPr>
+        <a:xfrm>
+          <a:off x="0" y="0"/>
+          <a:ext cx="0" cy="0"/>
+          <a:chOff x="0" y="0"/>
+          <a:chExt cx="0" cy="0"/>
+        </a:xfrm>
+      </p:grpSpPr>
+      <p:sp>
+        <p:nvSpPr>
+          <p:cNvPr id="2" name="Title 1">
+            <a:extLst>
+              <a:ext uri="{FF2B5EF4-FFF2-40B4-BE49-F238E27FC236}">
+                <a16:creationId xmlns:a16="http://schemas.microsoft.com/office/drawing/2014/main" id="{FCD03470-AE20-4BCD-AA26-CF4F6059CC3A}"/>
+              </a:ext>
+            </a:extLst>
+          </p:cNvPr>
+          <p:cNvSpPr>
+            <a:spLocks noGrp="1"/>
+          </p:cNvSpPr>
+          <p:nvPr>
+            <p:ph type="title"/>
+          </p:nvPr>
+        </p:nvSpPr>
+        <p:spPr/>
+        <p:txBody>
+          <a:bodyPr/>
+          <a:lstStyle/>
+          <a:p>
+            <a:r>
+              <a:rPr lang="zh-TW" altLang="en-US" dirty="0">
+                <a:latin typeface="微軟正黑體" panose="020B0604030504040204" pitchFamily="34" charset="-120"/>
+                <a:ea typeface="微軟正黑體" panose="020B0604030504040204" pitchFamily="34" charset="-120"/>
+              </a:rPr>
+              <a:t>作業</a:t>
+            </a:r>
+            <a:r>
+              <a:rPr lang="en-US" altLang="zh-TW" dirty="0">
+                <a:latin typeface="微軟正黑體" panose="020B0604030504040204" pitchFamily="34" charset="-120"/>
+                <a:ea typeface="微軟正黑體" panose="020B0604030504040204" pitchFamily="34" charset="-120"/>
+              </a:rPr>
+              <a:t>:</a:t>
+            </a:r>
+            <a:r>
+              <a:rPr lang="zh-TW" altLang="en-US" dirty="0"/>
+              <a:t>遠距教學新聞的特徵詞抽取</a:t>
+            </a:r>
+          </a:p>
+        </p:txBody>
+      </p:sp>
+      <p:sp>
+        <p:nvSpPr>
+          <p:cNvPr id="3" name="Text Placeholder 2">
+            <a:extLst>
+              <a:ext uri="{FF2B5EF4-FFF2-40B4-BE49-F238E27FC236}">
+                <a16:creationId xmlns:a16="http://schemas.microsoft.com/office/drawing/2014/main" id="{10FC150F-521D-437A-ADFD-4463BFB4FB7C}"/>
+              </a:ext>
+            </a:extLst>
+          </p:cNvPr>
+          <p:cNvSpPr>
+            <a:spLocks noGrp="1"/>
+          </p:cNvSpPr>
+          <p:nvPr>
+            <p:ph type="body" idx="1"/>
+          </p:nvPr>
+        </p:nvSpPr>
+        <p:spPr/>
+        <p:txBody>
+          <a:bodyPr/>
+          <a:lstStyle/>
+          <a:p>
+            <a:r>
+              <a:rPr lang="zh-TW" altLang="en-US" dirty="0"/>
+              <a:t>任務二之二</a:t>
+            </a:r>
+            <a:r>
+              <a:rPr lang="en-US" altLang="zh-TW" dirty="0"/>
+              <a:t>:</a:t>
+            </a:r>
+            <a:r>
+              <a:rPr lang="zh-TW" altLang="en-US" dirty="0"/>
+              <a:t> 根據詞性自定義程式</a:t>
+            </a:r>
+            <a:endParaRPr lang="en-US" altLang="zh-TW" dirty="0"/>
+          </a:p>
+          <a:p>
+            <a:r>
+              <a:rPr lang="zh-TW" altLang="en-US" dirty="0"/>
+              <a:t>在這個任務中，我們希望自己透過對詞性標記的觀察，留下標記為</a:t>
+            </a:r>
+            <a:r>
+              <a:rPr lang="en-US" altLang="zh-TW" dirty="0" err="1"/>
+              <a:t>UserDefined</a:t>
+            </a:r>
+            <a:r>
+              <a:rPr lang="en-US" altLang="zh-TW" dirty="0"/>
+              <a:t>,</a:t>
+            </a:r>
+            <a:r>
+              <a:rPr lang="zh-TW" altLang="en-US" dirty="0"/>
+              <a:t> </a:t>
+            </a:r>
+            <a:r>
+              <a:rPr lang="en-US" altLang="zh-TW" dirty="0"/>
+              <a:t>ACTION,</a:t>
+            </a:r>
+            <a:r>
+              <a:rPr lang="zh-TW" altLang="en-US" dirty="0"/>
+              <a:t> </a:t>
+            </a:r>
+            <a:r>
+              <a:rPr lang="en-US" altLang="zh-TW" dirty="0"/>
+              <a:t>ENTITY,</a:t>
+            </a:r>
+            <a:r>
+              <a:rPr lang="zh-TW" altLang="en-US" dirty="0"/>
+              <a:t> </a:t>
+            </a:r>
+            <a:r>
+              <a:rPr lang="en-US" altLang="zh-TW" dirty="0" err="1"/>
+              <a:t>VerbP</a:t>
+            </a:r>
+            <a:r>
+              <a:rPr lang="zh-TW" altLang="en-US" dirty="0"/>
+              <a:t>，並且只留下句子</a:t>
+            </a:r>
+            <a:r>
+              <a:rPr lang="en-US" altLang="zh-TW" dirty="0"/>
+              <a:t>(</a:t>
+            </a:r>
+            <a:r>
+              <a:rPr lang="zh-TW" altLang="en-US" dirty="0"/>
+              <a:t>個人定義句子為有</a:t>
+            </a:r>
+            <a:r>
+              <a:rPr lang="en-US" altLang="zh-TW" dirty="0"/>
+              <a:t>Entity/</a:t>
+            </a:r>
+            <a:r>
+              <a:rPr lang="en-US" altLang="zh-TW" dirty="0" err="1"/>
+              <a:t>UserDefined</a:t>
+            </a:r>
+            <a:r>
+              <a:rPr lang="zh-TW" altLang="en-US" dirty="0"/>
+              <a:t>跟</a:t>
+            </a:r>
+            <a:r>
+              <a:rPr lang="en-US" altLang="zh-TW" dirty="0"/>
+              <a:t>Action)</a:t>
+            </a:r>
+            <a:r>
+              <a:rPr lang="zh-TW" altLang="en-US" dirty="0"/>
+              <a:t>，希望透過這樣子的方式我們可以過濾目前不需要的元素，但是又保持句子的概念，如此一來，當我們發現</a:t>
+            </a:r>
+            <a:r>
+              <a:rPr lang="en-US" altLang="zh-TW" dirty="0"/>
+              <a:t>“</a:t>
+            </a:r>
+            <a:r>
+              <a:rPr lang="zh-TW" altLang="en-US" dirty="0"/>
+              <a:t>股價</a:t>
+            </a:r>
+            <a:r>
+              <a:rPr lang="en-US" altLang="zh-TW" dirty="0"/>
+              <a:t>”</a:t>
+            </a:r>
+            <a:r>
+              <a:rPr lang="zh-TW" altLang="en-US" dirty="0"/>
+              <a:t>跟</a:t>
+            </a:r>
+            <a:r>
+              <a:rPr lang="en-US" altLang="zh-TW" dirty="0"/>
+              <a:t>“</a:t>
+            </a:r>
+            <a:r>
+              <a:rPr lang="zh-TW" altLang="en-US" dirty="0"/>
+              <a:t>走揚</a:t>
+            </a:r>
+            <a:r>
+              <a:rPr lang="en-US" altLang="zh-TW" dirty="0"/>
+              <a:t>”</a:t>
+            </a:r>
+            <a:r>
+              <a:rPr lang="zh-TW" altLang="en-US" dirty="0"/>
+              <a:t>出現在同一個句子時，我們就可以比較放心認定他是一個有關股市上漲的句子了。</a:t>
+            </a:r>
+          </a:p>
+        </p:txBody>
+      </p:sp>
+      <p:sp>
+        <p:nvSpPr>
+          <p:cNvPr id="4" name="Slide Number Placeholder 3">
+            <a:extLst>
+              <a:ext uri="{FF2B5EF4-FFF2-40B4-BE49-F238E27FC236}">
+                <a16:creationId xmlns:a16="http://schemas.microsoft.com/office/drawing/2014/main" id="{73A3B7DF-F80C-4113-937B-1A85BA686687}"/>
+              </a:ext>
+            </a:extLst>
+          </p:cNvPr>
+          <p:cNvSpPr>
+            <a:spLocks noGrp="1"/>
+          </p:cNvSpPr>
+          <p:nvPr>
+            <p:ph type="sldNum" idx="12"/>
+          </p:nvPr>
+        </p:nvSpPr>
+        <p:spPr/>
+        <p:txBody>
+          <a:bodyPr/>
+          <a:lstStyle/>
+          <a:p>
+            <a:pPr marL="0" lvl="0" indent="0" algn="r" rtl="0">
+              <a:spcBef>
+                <a:spcPts val="0"/>
+              </a:spcBef>
+              <a:spcAft>
+                <a:spcPts val="0"/>
+              </a:spcAft>
+              <a:buNone/>
+            </a:pPr>
+            <a:fld id="{00000000-1234-1234-1234-123412341234}" type="slidenum">
+              <a:rPr lang="en-US" altLang="zh-TW" smtClean="0"/>
+              <a:t>35</a:t>
+            </a:fld>
+            <a:endParaRPr lang="zh-TW" altLang="en-US"/>
+          </a:p>
+        </p:txBody>
+      </p:sp>
+    </p:spTree>
+    <p:extLst>
+      <p:ext uri="{BB962C8B-B14F-4D97-AF65-F5344CB8AC3E}">
+        <p14:creationId xmlns:p14="http://schemas.microsoft.com/office/powerpoint/2010/main" val="1441643738"/>
+      </p:ext>
+    </p:extLst>
+  </p:cSld>
+  <p:clrMapOvr>
+    <a:masterClrMapping/>
+  </p:clrMapOvr>
+</p:sld>
+</file>
+
+<file path=ppt/slides/slide36.xml><?xml version="1.0" encoding="utf-8"?>
+<p:sld xmlns:a="http://schemas.openxmlformats.org/drawingml/2006/main" xmlns:r="http://schemas.openxmlformats.org/officeDocument/2006/relationships" xmlns:p="http://schemas.openxmlformats.org/presentationml/2006/main">
+  <p:cSld>
+    <p:spTree>
+      <p:nvGrpSpPr>
+        <p:cNvPr id="1" name=""/>
+        <p:cNvGrpSpPr/>
+        <p:nvPr/>
+      </p:nvGrpSpPr>
+      <p:grpSpPr>
+        <a:xfrm>
+          <a:off x="0" y="0"/>
+          <a:ext cx="0" cy="0"/>
+          <a:chOff x="0" y="0"/>
+          <a:chExt cx="0" cy="0"/>
+        </a:xfrm>
+      </p:grpSpPr>
+      <p:sp>
+        <p:nvSpPr>
+          <p:cNvPr id="2" name="Title 1">
+            <a:extLst>
+              <a:ext uri="{FF2B5EF4-FFF2-40B4-BE49-F238E27FC236}">
+                <a16:creationId xmlns:a16="http://schemas.microsoft.com/office/drawing/2014/main" id="{FCD03470-AE20-4BCD-AA26-CF4F6059CC3A}"/>
+              </a:ext>
+            </a:extLst>
+          </p:cNvPr>
+          <p:cNvSpPr>
+            <a:spLocks noGrp="1"/>
+          </p:cNvSpPr>
+          <p:nvPr>
+            <p:ph type="title"/>
+          </p:nvPr>
+        </p:nvSpPr>
+        <p:spPr/>
+        <p:txBody>
+          <a:bodyPr/>
+          <a:lstStyle/>
+          <a:p>
+            <a:r>
+              <a:rPr lang="zh-TW" altLang="en-US" dirty="0">
+                <a:latin typeface="微軟正黑體" panose="020B0604030504040204" pitchFamily="34" charset="-120"/>
+                <a:ea typeface="微軟正黑體" panose="020B0604030504040204" pitchFamily="34" charset="-120"/>
+              </a:rPr>
+              <a:t>作業</a:t>
+            </a:r>
+            <a:r>
+              <a:rPr lang="en-US" altLang="zh-TW" dirty="0">
+                <a:latin typeface="微軟正黑體" panose="020B0604030504040204" pitchFamily="34" charset="-120"/>
+                <a:ea typeface="微軟正黑體" panose="020B0604030504040204" pitchFamily="34" charset="-120"/>
+              </a:rPr>
+              <a:t>:</a:t>
+            </a:r>
+            <a:r>
+              <a:rPr lang="zh-TW" altLang="en-US" dirty="0"/>
+              <a:t>遠距教學新聞的特徵詞抽取</a:t>
+            </a:r>
+          </a:p>
+        </p:txBody>
+      </p:sp>
+      <p:sp>
+        <p:nvSpPr>
+          <p:cNvPr id="3" name="Text Placeholder 2">
+            <a:extLst>
+              <a:ext uri="{FF2B5EF4-FFF2-40B4-BE49-F238E27FC236}">
+                <a16:creationId xmlns:a16="http://schemas.microsoft.com/office/drawing/2014/main" id="{10FC150F-521D-437A-ADFD-4463BFB4FB7C}"/>
+              </a:ext>
+            </a:extLst>
+          </p:cNvPr>
+          <p:cNvSpPr>
+            <a:spLocks noGrp="1"/>
+          </p:cNvSpPr>
+          <p:nvPr>
+            <p:ph type="body" idx="1"/>
+          </p:nvPr>
+        </p:nvSpPr>
+        <p:spPr/>
+        <p:txBody>
+          <a:bodyPr/>
+          <a:lstStyle/>
+          <a:p>
+            <a:r>
+              <a:rPr lang="zh-TW" altLang="en-US" dirty="0"/>
+              <a:t>任務二之二</a:t>
+            </a:r>
+            <a:r>
+              <a:rPr lang="en-US" altLang="zh-TW" dirty="0"/>
+              <a:t>:</a:t>
+            </a:r>
+            <a:r>
+              <a:rPr lang="zh-TW" altLang="en-US" dirty="0"/>
+              <a:t> 根據詞性自定義程式產出範例</a:t>
+            </a:r>
+            <a:endParaRPr lang="en-US" altLang="zh-TW" dirty="0"/>
+          </a:p>
+          <a:p>
+            <a:endParaRPr lang="en-US" altLang="zh-TW" dirty="0"/>
+          </a:p>
+          <a:p>
+            <a:endParaRPr lang="en-US" altLang="zh-TW" dirty="0"/>
+          </a:p>
+        </p:txBody>
+      </p:sp>
+      <p:sp>
+        <p:nvSpPr>
+          <p:cNvPr id="4" name="Slide Number Placeholder 3">
+            <a:extLst>
+              <a:ext uri="{FF2B5EF4-FFF2-40B4-BE49-F238E27FC236}">
+                <a16:creationId xmlns:a16="http://schemas.microsoft.com/office/drawing/2014/main" id="{73A3B7DF-F80C-4113-937B-1A85BA686687}"/>
+              </a:ext>
+            </a:extLst>
+          </p:cNvPr>
+          <p:cNvSpPr>
+            <a:spLocks noGrp="1"/>
+          </p:cNvSpPr>
+          <p:nvPr>
+            <p:ph type="sldNum" idx="12"/>
+          </p:nvPr>
+        </p:nvSpPr>
+        <p:spPr/>
+        <p:txBody>
+          <a:bodyPr/>
+          <a:lstStyle/>
+          <a:p>
+            <a:pPr marL="0" lvl="0" indent="0" algn="r" rtl="0">
+              <a:spcBef>
+                <a:spcPts val="0"/>
+              </a:spcBef>
+              <a:spcAft>
+                <a:spcPts val="0"/>
+              </a:spcAft>
+              <a:buNone/>
+            </a:pPr>
+            <a:fld id="{00000000-1234-1234-1234-123412341234}" type="slidenum">
+              <a:rPr lang="en-US" altLang="zh-TW" smtClean="0"/>
+              <a:t>36</a:t>
+            </a:fld>
+            <a:endParaRPr lang="zh-TW" altLang="en-US"/>
+          </a:p>
+        </p:txBody>
+      </p:sp>
+      <p:pic>
+        <p:nvPicPr>
+          <p:cNvPr id="5" name="Picture 4">
+            <a:extLst>
+              <a:ext uri="{FF2B5EF4-FFF2-40B4-BE49-F238E27FC236}">
+                <a16:creationId xmlns:a16="http://schemas.microsoft.com/office/drawing/2014/main" id="{EFDD66CB-0E9E-4FF3-A4EC-C04B14A1DD15}"/>
+              </a:ext>
+            </a:extLst>
+          </p:cNvPr>
+          <p:cNvPicPr>
+            <a:picLocks noChangeAspect="1"/>
+          </p:cNvPicPr>
+          <p:nvPr/>
+        </p:nvPicPr>
+        <p:blipFill>
+          <a:blip r:embed="rId2"/>
+          <a:stretch>
+            <a:fillRect/>
+          </a:stretch>
+        </p:blipFill>
+        <p:spPr>
+          <a:xfrm>
+            <a:off x="1082607" y="2158808"/>
+            <a:ext cx="6933633" cy="3448854"/>
+          </a:xfrm>
+          <a:prstGeom prst="rect">
+            <a:avLst/>
+          </a:prstGeom>
+        </p:spPr>
+      </p:pic>
+    </p:spTree>
+    <p:extLst>
+      <p:ext uri="{BB962C8B-B14F-4D97-AF65-F5344CB8AC3E}">
+        <p14:creationId xmlns:p14="http://schemas.microsoft.com/office/powerpoint/2010/main" val="1619821910"/>
+      </p:ext>
+    </p:extLst>
+  </p:cSld>
+  <p:clrMapOvr>
+    <a:masterClrMapping/>
+  </p:clrMapOvr>
+</p:sld>
+</file>
+
+<file path=ppt/slides/slide37.xml><?xml version="1.0" encoding="utf-8"?>
+<p:sld xmlns:a="http://schemas.openxmlformats.org/drawingml/2006/main" xmlns:r="http://schemas.openxmlformats.org/officeDocument/2006/relationships" xmlns:p="http://schemas.openxmlformats.org/presentationml/2006/main">
+  <p:cSld>
+    <p:spTree>
+      <p:nvGrpSpPr>
+        <p:cNvPr id="1" name=""/>
+        <p:cNvGrpSpPr/>
+        <p:nvPr/>
+      </p:nvGrpSpPr>
+      <p:grpSpPr>
+        <a:xfrm>
+          <a:off x="0" y="0"/>
+          <a:ext cx="0" cy="0"/>
+          <a:chOff x="0" y="0"/>
+          <a:chExt cx="0" cy="0"/>
+        </a:xfrm>
+      </p:grpSpPr>
+      <p:sp>
+        <p:nvSpPr>
+          <p:cNvPr id="3" name="Text Placeholder 2">
+            <a:extLst>
+              <a:ext uri="{FF2B5EF4-FFF2-40B4-BE49-F238E27FC236}">
+                <a16:creationId xmlns:a16="http://schemas.microsoft.com/office/drawing/2014/main" id="{C82A2B9E-A4C6-4008-88F2-F9351297DF1D}"/>
+              </a:ext>
+            </a:extLst>
+          </p:cNvPr>
+          <p:cNvSpPr>
+            <a:spLocks noGrp="1"/>
+          </p:cNvSpPr>
+          <p:nvPr>
+            <p:ph type="body" idx="1"/>
+          </p:nvPr>
+        </p:nvSpPr>
+        <p:spPr/>
+        <p:txBody>
+          <a:bodyPr/>
+          <a:lstStyle/>
+          <a:p>
+            <a:r>
+              <a:rPr lang="zh-TW" altLang="en-US" dirty="0"/>
+              <a:t>任務二之三</a:t>
+            </a:r>
+            <a:r>
+              <a:rPr lang="en-US" altLang="zh-TW" dirty="0"/>
+              <a:t>:</a:t>
+            </a:r>
+            <a:r>
+              <a:rPr lang="zh-TW" altLang="en-US" dirty="0"/>
+              <a:t>探索</a:t>
+            </a:r>
+            <a:r>
+              <a:rPr lang="en-US" altLang="zh-TW" dirty="0" err="1"/>
+              <a:t>articut.getContentWordLIST</a:t>
+            </a:r>
+            <a:r>
+              <a:rPr lang="en-US" altLang="zh-TW" dirty="0"/>
+              <a:t>()</a:t>
+            </a:r>
+            <a:r>
+              <a:rPr lang="zh-TW" altLang="en-US" dirty="0"/>
+              <a:t>這個功能</a:t>
+            </a:r>
+            <a:endParaRPr lang="en-US" altLang="zh-TW" dirty="0"/>
+          </a:p>
+          <a:p>
+            <a:r>
+              <a:rPr lang="zh-TW" altLang="en-US" dirty="0"/>
+              <a:t>這是一個超便利小工具，如果前面對你而言有點太難，在</a:t>
+            </a:r>
+            <a:r>
+              <a:rPr lang="en-US" altLang="zh-TW" dirty="0" err="1"/>
+              <a:t>articut</a:t>
+            </a:r>
+            <a:r>
+              <a:rPr lang="zh-TW" altLang="en-US" dirty="0"/>
+              <a:t>裡面也有一個類似的小工具，我們來嘗試看看吧</a:t>
+            </a:r>
+            <a:r>
+              <a:rPr lang="en-US" altLang="zh-TW" dirty="0"/>
+              <a:t>!!</a:t>
+            </a:r>
+          </a:p>
+          <a:p>
+            <a:r>
+              <a:rPr lang="en-US" altLang="zh-TW" dirty="0" err="1"/>
+              <a:t>articut.getContentWordLIST</a:t>
+            </a:r>
+            <a:r>
+              <a:rPr lang="en-US" altLang="zh-TW" dirty="0"/>
+              <a:t>()</a:t>
+            </a:r>
+            <a:r>
+              <a:rPr lang="zh-TW" altLang="en-US" dirty="0"/>
+              <a:t> 回傳結果範例</a:t>
+            </a:r>
+            <a:r>
+              <a:rPr lang="en-US" altLang="zh-TW" dirty="0"/>
+              <a:t>:</a:t>
+            </a:r>
+          </a:p>
+          <a:p>
+            <a:pPr marL="137160" indent="0">
+              <a:buNone/>
+            </a:pPr>
+            <a:endParaRPr lang="zh-TW" altLang="en-US" dirty="0"/>
+          </a:p>
+        </p:txBody>
+      </p:sp>
+      <p:sp>
+        <p:nvSpPr>
+          <p:cNvPr id="4" name="Slide Number Placeholder 3">
+            <a:extLst>
+              <a:ext uri="{FF2B5EF4-FFF2-40B4-BE49-F238E27FC236}">
+                <a16:creationId xmlns:a16="http://schemas.microsoft.com/office/drawing/2014/main" id="{C6F74CBC-E6E5-400D-A97A-D945DFF2D52B}"/>
+              </a:ext>
+            </a:extLst>
+          </p:cNvPr>
+          <p:cNvSpPr>
+            <a:spLocks noGrp="1"/>
+          </p:cNvSpPr>
+          <p:nvPr>
+            <p:ph type="sldNum" idx="12"/>
+          </p:nvPr>
+        </p:nvSpPr>
+        <p:spPr/>
+        <p:txBody>
+          <a:bodyPr/>
+          <a:lstStyle/>
+          <a:p>
+            <a:pPr marL="0" lvl="0" indent="0" algn="r" rtl="0">
+              <a:spcBef>
+                <a:spcPts val="0"/>
+              </a:spcBef>
+              <a:spcAft>
+                <a:spcPts val="0"/>
+              </a:spcAft>
+              <a:buNone/>
+            </a:pPr>
+            <a:fld id="{00000000-1234-1234-1234-123412341234}" type="slidenum">
+              <a:rPr lang="en-US" altLang="zh-TW" smtClean="0"/>
+              <a:t>37</a:t>
+            </a:fld>
+            <a:endParaRPr lang="zh-TW" altLang="en-US"/>
+          </a:p>
+        </p:txBody>
+      </p:sp>
+      <p:pic>
+        <p:nvPicPr>
+          <p:cNvPr id="5" name="Picture 4">
+            <a:extLst>
+              <a:ext uri="{FF2B5EF4-FFF2-40B4-BE49-F238E27FC236}">
+                <a16:creationId xmlns:a16="http://schemas.microsoft.com/office/drawing/2014/main" id="{043D9D91-BE0A-4321-B75F-1A2182FA3A0C}"/>
+              </a:ext>
+            </a:extLst>
+          </p:cNvPr>
+          <p:cNvPicPr>
+            <a:picLocks noChangeAspect="1"/>
+          </p:cNvPicPr>
+          <p:nvPr/>
+        </p:nvPicPr>
+        <p:blipFill>
+          <a:blip r:embed="rId2"/>
+          <a:stretch>
+            <a:fillRect/>
+          </a:stretch>
+        </p:blipFill>
+        <p:spPr>
+          <a:xfrm>
+            <a:off x="1018458" y="4449071"/>
+            <a:ext cx="5725324" cy="1724266"/>
+          </a:xfrm>
+          <a:prstGeom prst="rect">
+            <a:avLst/>
+          </a:prstGeom>
+        </p:spPr>
+      </p:pic>
+      <p:sp>
+        <p:nvSpPr>
+          <p:cNvPr id="6" name="Title 1">
+            <a:extLst>
+              <a:ext uri="{FF2B5EF4-FFF2-40B4-BE49-F238E27FC236}">
+                <a16:creationId xmlns:a16="http://schemas.microsoft.com/office/drawing/2014/main" id="{586C6EEE-6474-41B3-A234-41F2DFB47D5F}"/>
+              </a:ext>
+            </a:extLst>
+          </p:cNvPr>
+          <p:cNvSpPr>
+            <a:spLocks noGrp="1"/>
+          </p:cNvSpPr>
+          <p:nvPr>
+            <p:ph type="title"/>
+          </p:nvPr>
+        </p:nvSpPr>
+        <p:spPr>
+          <a:xfrm>
+            <a:off x="658813" y="306388"/>
+            <a:ext cx="8596312" cy="760412"/>
+          </a:xfrm>
+        </p:spPr>
+        <p:txBody>
+          <a:bodyPr/>
+          <a:lstStyle/>
+          <a:p>
+            <a:r>
+              <a:rPr lang="zh-TW" altLang="en-US" dirty="0">
+                <a:latin typeface="微軟正黑體" panose="020B0604030504040204" pitchFamily="34" charset="-120"/>
+                <a:ea typeface="微軟正黑體" panose="020B0604030504040204" pitchFamily="34" charset="-120"/>
+              </a:rPr>
+              <a:t>作業</a:t>
+            </a:r>
+            <a:r>
+              <a:rPr lang="en-US" altLang="zh-TW" dirty="0">
+                <a:latin typeface="微軟正黑體" panose="020B0604030504040204" pitchFamily="34" charset="-120"/>
+                <a:ea typeface="微軟正黑體" panose="020B0604030504040204" pitchFamily="34" charset="-120"/>
+              </a:rPr>
+              <a:t>:</a:t>
+            </a:r>
+            <a:r>
+              <a:rPr lang="zh-TW" altLang="en-US" dirty="0"/>
+              <a:t>遠距教學新聞的特徵詞抽取</a:t>
+            </a:r>
+          </a:p>
+        </p:txBody>
+      </p:sp>
+    </p:spTree>
+    <p:extLst>
+      <p:ext uri="{BB962C8B-B14F-4D97-AF65-F5344CB8AC3E}">
+        <p14:creationId xmlns:p14="http://schemas.microsoft.com/office/powerpoint/2010/main" val="2368979734"/>
+      </p:ext>
+    </p:extLst>
+  </p:cSld>
+  <p:clrMapOvr>
+    <a:masterClrMapping/>
+  </p:clrMapOvr>
+</p:sld>
+</file>
+
+<file path=ppt/slides/slide38.xml><?xml version="1.0" encoding="utf-8"?>
+<p:sld xmlns:a="http://schemas.openxmlformats.org/drawingml/2006/main" xmlns:r="http://schemas.openxmlformats.org/officeDocument/2006/relationships" xmlns:p="http://schemas.openxmlformats.org/presentationml/2006/main">
+  <p:cSld>
+    <p:spTree>
+      <p:nvGrpSpPr>
+        <p:cNvPr id="1" name=""/>
+        <p:cNvGrpSpPr/>
+        <p:nvPr/>
+      </p:nvGrpSpPr>
+      <p:grpSpPr>
+        <a:xfrm>
+          <a:off x="0" y="0"/>
+          <a:ext cx="0" cy="0"/>
+          <a:chOff x="0" y="0"/>
+          <a:chExt cx="0" cy="0"/>
+        </a:xfrm>
+      </p:grpSpPr>
+      <p:sp>
+        <p:nvSpPr>
+          <p:cNvPr id="2" name="Title 1">
+            <a:extLst>
+              <a:ext uri="{FF2B5EF4-FFF2-40B4-BE49-F238E27FC236}">
+                <a16:creationId xmlns:a16="http://schemas.microsoft.com/office/drawing/2014/main" id="{FCD03470-AE20-4BCD-AA26-CF4F6059CC3A}"/>
+              </a:ext>
+            </a:extLst>
+          </p:cNvPr>
+          <p:cNvSpPr>
+            <a:spLocks noGrp="1"/>
+          </p:cNvSpPr>
+          <p:nvPr>
+            <p:ph type="title"/>
+          </p:nvPr>
+        </p:nvSpPr>
+        <p:spPr/>
+        <p:txBody>
+          <a:bodyPr/>
+          <a:lstStyle/>
+          <a:p>
+            <a:r>
+              <a:rPr lang="zh-TW" altLang="en-US" dirty="0">
+                <a:latin typeface="微軟正黑體" panose="020B0604030504040204" pitchFamily="34" charset="-120"/>
+                <a:ea typeface="微軟正黑體" panose="020B0604030504040204" pitchFamily="34" charset="-120"/>
+              </a:rPr>
+              <a:t>作業</a:t>
+            </a:r>
+            <a:r>
+              <a:rPr lang="en-US" altLang="zh-TW" dirty="0">
+                <a:latin typeface="微軟正黑體" panose="020B0604030504040204" pitchFamily="34" charset="-120"/>
+                <a:ea typeface="微軟正黑體" panose="020B0604030504040204" pitchFamily="34" charset="-120"/>
+              </a:rPr>
+              <a:t>:</a:t>
+            </a:r>
+            <a:r>
+              <a:rPr lang="zh-TW" altLang="en-US" dirty="0"/>
+              <a:t>遠距教學新聞的特徵詞抽取</a:t>
+            </a:r>
+          </a:p>
+        </p:txBody>
+      </p:sp>
+      <p:sp>
+        <p:nvSpPr>
+          <p:cNvPr id="3" name="Text Placeholder 2">
+            <a:extLst>
+              <a:ext uri="{FF2B5EF4-FFF2-40B4-BE49-F238E27FC236}">
+                <a16:creationId xmlns:a16="http://schemas.microsoft.com/office/drawing/2014/main" id="{10FC150F-521D-437A-ADFD-4463BFB4FB7C}"/>
+              </a:ext>
+            </a:extLst>
+          </p:cNvPr>
+          <p:cNvSpPr>
+            <a:spLocks noGrp="1"/>
+          </p:cNvSpPr>
+          <p:nvPr>
+            <p:ph type="body" idx="1"/>
+          </p:nvPr>
+        </p:nvSpPr>
+        <p:spPr/>
+        <p:txBody>
+          <a:bodyPr>
+            <a:normAutofit/>
+          </a:bodyPr>
+          <a:lstStyle/>
+          <a:p>
+            <a:r>
+              <a:rPr lang="zh-TW" altLang="en-US" dirty="0"/>
+              <a:t>任務二之四</a:t>
+            </a:r>
+            <a:r>
+              <a:rPr lang="en-US" altLang="zh-TW" dirty="0"/>
+              <a:t>: </a:t>
+            </a:r>
+            <a:r>
+              <a:rPr lang="zh-TW" altLang="en-US" dirty="0"/>
+              <a:t>思考時間</a:t>
+            </a:r>
+            <a:endParaRPr lang="en-US" altLang="zh-TW" dirty="0"/>
+          </a:p>
+          <a:p>
+            <a:pPr marL="137160" indent="0">
+              <a:buNone/>
+            </a:pPr>
+            <a:r>
+              <a:rPr lang="zh-TW" altLang="en-US" dirty="0"/>
+              <a:t>請回想一下之前的思考活動，我們認定有一些句子是能有句於我們理解一篇文章是描述漲還是跌，我們可以試著將觀察是那些字詞讓我們有這樣的感受呢</a:t>
+            </a:r>
+            <a:r>
+              <a:rPr lang="en-US" altLang="zh-TW" dirty="0"/>
+              <a:t>? </a:t>
+            </a:r>
+            <a:r>
+              <a:rPr lang="zh-TW" altLang="en-US" dirty="0"/>
+              <a:t>例如在第一句我們可以發現是</a:t>
+            </a:r>
+            <a:r>
+              <a:rPr lang="zh-TW" altLang="en-US" b="1" dirty="0"/>
+              <a:t>股價</a:t>
+            </a:r>
+            <a:r>
+              <a:rPr lang="zh-TW" altLang="en-US" dirty="0"/>
+              <a:t>和</a:t>
+            </a:r>
+            <a:r>
+              <a:rPr lang="zh-TW" altLang="en-US" b="1" dirty="0"/>
+              <a:t>走揚</a:t>
+            </a:r>
+            <a:r>
+              <a:rPr lang="zh-TW" altLang="en-US" dirty="0"/>
+              <a:t>，讓我們有這樣的認知，那我們是不是能夠建立一個</a:t>
+            </a:r>
+            <a:r>
+              <a:rPr lang="en-US" altLang="zh-TW" dirty="0"/>
+              <a:t>LIST</a:t>
+            </a:r>
+            <a:r>
+              <a:rPr lang="zh-TW" altLang="en-US" dirty="0"/>
+              <a:t>在其中，我們把有關股價上漲的字詞都放進去，如果一個有出現這些那我們就可以暫時認定文章跟這方面有關係，如果這樣的句子越多，我們就越能肯定這個文章跟股市上漲有關。</a:t>
+            </a:r>
+          </a:p>
+          <a:p>
+            <a:endParaRPr lang="zh-TW" altLang="en-US" dirty="0"/>
+          </a:p>
+        </p:txBody>
+      </p:sp>
+      <p:sp>
+        <p:nvSpPr>
+          <p:cNvPr id="4" name="Slide Number Placeholder 3">
+            <a:extLst>
+              <a:ext uri="{FF2B5EF4-FFF2-40B4-BE49-F238E27FC236}">
+                <a16:creationId xmlns:a16="http://schemas.microsoft.com/office/drawing/2014/main" id="{73A3B7DF-F80C-4113-937B-1A85BA686687}"/>
+              </a:ext>
+            </a:extLst>
+          </p:cNvPr>
+          <p:cNvSpPr>
+            <a:spLocks noGrp="1"/>
+          </p:cNvSpPr>
+          <p:nvPr>
+            <p:ph type="sldNum" idx="12"/>
+          </p:nvPr>
+        </p:nvSpPr>
+        <p:spPr/>
+        <p:txBody>
+          <a:bodyPr/>
+          <a:lstStyle/>
+          <a:p>
+            <a:pPr marL="0" lvl="0" indent="0" algn="r" rtl="0">
+              <a:spcBef>
+                <a:spcPts val="0"/>
+              </a:spcBef>
+              <a:spcAft>
+                <a:spcPts val="0"/>
+              </a:spcAft>
+              <a:buNone/>
+            </a:pPr>
+            <a:fld id="{00000000-1234-1234-1234-123412341234}" type="slidenum">
+              <a:rPr lang="en-US" altLang="zh-TW" smtClean="0"/>
+              <a:t>38</a:t>
+            </a:fld>
+            <a:endParaRPr lang="zh-TW" altLang="en-US"/>
+          </a:p>
+        </p:txBody>
+      </p:sp>
+    </p:spTree>
+    <p:extLst>
+      <p:ext uri="{BB962C8B-B14F-4D97-AF65-F5344CB8AC3E}">
+        <p14:creationId xmlns:p14="http://schemas.microsoft.com/office/powerpoint/2010/main" val="3305127806"/>
+      </p:ext>
+    </p:extLst>
+  </p:cSld>
+  <p:clrMapOvr>
+    <a:masterClrMapping/>
+  </p:clrMapOvr>
+</p:sld>
+</file>
+
+<file path=ppt/slides/slide39.xml><?xml version="1.0" encoding="utf-8"?>
+<p:sld xmlns:a="http://schemas.openxmlformats.org/drawingml/2006/main" xmlns:r="http://schemas.openxmlformats.org/officeDocument/2006/relationships" xmlns:p="http://schemas.openxmlformats.org/presentationml/2006/main">
+  <p:cSld>
+    <p:spTree>
+      <p:nvGrpSpPr>
+        <p:cNvPr id="1" name=""/>
+        <p:cNvGrpSpPr/>
+        <p:nvPr/>
+      </p:nvGrpSpPr>
+      <p:grpSpPr>
+        <a:xfrm>
+          <a:off x="0" y="0"/>
+          <a:ext cx="0" cy="0"/>
+          <a:chOff x="0" y="0"/>
+          <a:chExt cx="0" cy="0"/>
+        </a:xfrm>
+      </p:grpSpPr>
+      <p:sp>
+        <p:nvSpPr>
+          <p:cNvPr id="2" name="Title 1">
+            <a:extLst>
+              <a:ext uri="{FF2B5EF4-FFF2-40B4-BE49-F238E27FC236}">
+                <a16:creationId xmlns:a16="http://schemas.microsoft.com/office/drawing/2014/main" id="{FCD03470-AE20-4BCD-AA26-CF4F6059CC3A}"/>
+              </a:ext>
+            </a:extLst>
+          </p:cNvPr>
+          <p:cNvSpPr>
+            <a:spLocks noGrp="1"/>
+          </p:cNvSpPr>
+          <p:nvPr>
+            <p:ph type="title"/>
+          </p:nvPr>
+        </p:nvSpPr>
+        <p:spPr/>
+        <p:txBody>
+          <a:bodyPr/>
+          <a:lstStyle/>
+          <a:p>
+            <a:r>
+              <a:rPr lang="zh-TW" altLang="en-US" dirty="0">
+                <a:latin typeface="微軟正黑體" panose="020B0604030504040204" pitchFamily="34" charset="-120"/>
+                <a:ea typeface="微軟正黑體" panose="020B0604030504040204" pitchFamily="34" charset="-120"/>
+              </a:rPr>
+              <a:t>作業</a:t>
+            </a:r>
+            <a:r>
+              <a:rPr lang="en-US" altLang="zh-TW" dirty="0">
+                <a:latin typeface="微軟正黑體" panose="020B0604030504040204" pitchFamily="34" charset="-120"/>
+                <a:ea typeface="微軟正黑體" panose="020B0604030504040204" pitchFamily="34" charset="-120"/>
+              </a:rPr>
+              <a:t>:</a:t>
+            </a:r>
+            <a:r>
+              <a:rPr lang="zh-TW" altLang="en-US" dirty="0"/>
+              <a:t>遠距教學新聞的特徵詞抽取</a:t>
+            </a:r>
+          </a:p>
+        </p:txBody>
+      </p:sp>
+      <p:sp>
+        <p:nvSpPr>
+          <p:cNvPr id="3" name="Text Placeholder 2">
+            <a:extLst>
+              <a:ext uri="{FF2B5EF4-FFF2-40B4-BE49-F238E27FC236}">
+                <a16:creationId xmlns:a16="http://schemas.microsoft.com/office/drawing/2014/main" id="{10FC150F-521D-437A-ADFD-4463BFB4FB7C}"/>
+              </a:ext>
+            </a:extLst>
+          </p:cNvPr>
+          <p:cNvSpPr>
+            <a:spLocks noGrp="1"/>
+          </p:cNvSpPr>
+          <p:nvPr>
+            <p:ph type="body" idx="1"/>
+          </p:nvPr>
+        </p:nvSpPr>
+        <p:spPr/>
+        <p:txBody>
+          <a:bodyPr/>
+          <a:lstStyle/>
+          <a:p>
+            <a:r>
+              <a:rPr lang="zh-TW" altLang="en-US" dirty="0"/>
+              <a:t>任務三</a:t>
+            </a:r>
+            <a:r>
+              <a:rPr lang="en-US" altLang="zh-TW" dirty="0"/>
+              <a:t>: </a:t>
+            </a:r>
+            <a:r>
+              <a:rPr lang="zh-TW" altLang="en-US" dirty="0"/>
+              <a:t>開始判斷文本</a:t>
+            </a:r>
+          </a:p>
+          <a:p>
+            <a:r>
+              <a:rPr lang="zh-TW" altLang="en-US" dirty="0"/>
+              <a:t>在這個任務中，我們開始要將我們在思考時間所累積的想法實踐出來，我們首先要先藉由人工觀察，建出一個有關於描述股市漲的</a:t>
+            </a:r>
+            <a:r>
+              <a:rPr lang="en-US" altLang="zh-TW" dirty="0"/>
+              <a:t>LIST</a:t>
+            </a:r>
+            <a:r>
+              <a:rPr lang="zh-TW" altLang="en-US" dirty="0"/>
+              <a:t>，之後將它和新聞去進行比對以得到結果</a:t>
+            </a:r>
+          </a:p>
+          <a:p>
+            <a:endParaRPr lang="zh-TW" altLang="en-US" dirty="0"/>
+          </a:p>
+        </p:txBody>
+      </p:sp>
+      <p:sp>
+        <p:nvSpPr>
+          <p:cNvPr id="4" name="Slide Number Placeholder 3">
+            <a:extLst>
+              <a:ext uri="{FF2B5EF4-FFF2-40B4-BE49-F238E27FC236}">
+                <a16:creationId xmlns:a16="http://schemas.microsoft.com/office/drawing/2014/main" id="{73A3B7DF-F80C-4113-937B-1A85BA686687}"/>
+              </a:ext>
+            </a:extLst>
+          </p:cNvPr>
+          <p:cNvSpPr>
+            <a:spLocks noGrp="1"/>
+          </p:cNvSpPr>
+          <p:nvPr>
+            <p:ph type="sldNum" idx="12"/>
+          </p:nvPr>
+        </p:nvSpPr>
+        <p:spPr/>
+        <p:txBody>
+          <a:bodyPr/>
+          <a:lstStyle/>
+          <a:p>
+            <a:pPr marL="0" lvl="0" indent="0" algn="r" rtl="0">
+              <a:spcBef>
+                <a:spcPts val="0"/>
+              </a:spcBef>
+              <a:spcAft>
+                <a:spcPts val="0"/>
+              </a:spcAft>
+              <a:buNone/>
+            </a:pPr>
+            <a:fld id="{00000000-1234-1234-1234-123412341234}" type="slidenum">
+              <a:rPr lang="en-US" altLang="zh-TW" smtClean="0"/>
+              <a:t>39</a:t>
+            </a:fld>
+            <a:endParaRPr lang="zh-TW" altLang="en-US"/>
+          </a:p>
+        </p:txBody>
+      </p:sp>
+    </p:spTree>
+    <p:extLst>
+      <p:ext uri="{BB962C8B-B14F-4D97-AF65-F5344CB8AC3E}">
+        <p14:creationId xmlns:p14="http://schemas.microsoft.com/office/powerpoint/2010/main" val="514718505"/>
       </p:ext>
     </p:extLst>
   </p:cSld>
@@ -28821,6 +31049,572 @@
     <p:extLst>
       <p:ext uri="{BB962C8B-B14F-4D97-AF65-F5344CB8AC3E}">
         <p14:creationId xmlns:p14="http://schemas.microsoft.com/office/powerpoint/2010/main" val="2404909228"/>
+      </p:ext>
+    </p:extLst>
+  </p:cSld>
+  <p:clrMapOvr>
+    <a:masterClrMapping/>
+  </p:clrMapOvr>
+</p:sld>
+</file>
+
+<file path=ppt/slides/slide40.xml><?xml version="1.0" encoding="utf-8"?>
+<p:sld xmlns:a="http://schemas.openxmlformats.org/drawingml/2006/main" xmlns:r="http://schemas.openxmlformats.org/officeDocument/2006/relationships" xmlns:p="http://schemas.openxmlformats.org/presentationml/2006/main">
+  <p:cSld>
+    <p:spTree>
+      <p:nvGrpSpPr>
+        <p:cNvPr id="1" name=""/>
+        <p:cNvGrpSpPr/>
+        <p:nvPr/>
+      </p:nvGrpSpPr>
+      <p:grpSpPr>
+        <a:xfrm>
+          <a:off x="0" y="0"/>
+          <a:ext cx="0" cy="0"/>
+          <a:chOff x="0" y="0"/>
+          <a:chExt cx="0" cy="0"/>
+        </a:xfrm>
+      </p:grpSpPr>
+      <p:sp>
+        <p:nvSpPr>
+          <p:cNvPr id="2" name="Title 1">
+            <a:extLst>
+              <a:ext uri="{FF2B5EF4-FFF2-40B4-BE49-F238E27FC236}">
+                <a16:creationId xmlns:a16="http://schemas.microsoft.com/office/drawing/2014/main" id="{FCD03470-AE20-4BCD-AA26-CF4F6059CC3A}"/>
+              </a:ext>
+            </a:extLst>
+          </p:cNvPr>
+          <p:cNvSpPr>
+            <a:spLocks noGrp="1"/>
+          </p:cNvSpPr>
+          <p:nvPr>
+            <p:ph type="title"/>
+          </p:nvPr>
+        </p:nvSpPr>
+        <p:spPr/>
+        <p:txBody>
+          <a:bodyPr/>
+          <a:lstStyle/>
+          <a:p>
+            <a:r>
+              <a:rPr lang="zh-TW" altLang="en-US" dirty="0">
+                <a:latin typeface="微軟正黑體" panose="020B0604030504040204" pitchFamily="34" charset="-120"/>
+                <a:ea typeface="微軟正黑體" panose="020B0604030504040204" pitchFamily="34" charset="-120"/>
+              </a:rPr>
+              <a:t>作業</a:t>
+            </a:r>
+            <a:r>
+              <a:rPr lang="en-US" altLang="zh-TW" dirty="0">
+                <a:latin typeface="微軟正黑體" panose="020B0604030504040204" pitchFamily="34" charset="-120"/>
+                <a:ea typeface="微軟正黑體" panose="020B0604030504040204" pitchFamily="34" charset="-120"/>
+              </a:rPr>
+              <a:t>:</a:t>
+            </a:r>
+            <a:r>
+              <a:rPr lang="zh-TW" altLang="en-US" dirty="0"/>
+              <a:t>遠距教學新聞的特徵詞抽取</a:t>
+            </a:r>
+          </a:p>
+        </p:txBody>
+      </p:sp>
+      <p:sp>
+        <p:nvSpPr>
+          <p:cNvPr id="3" name="Text Placeholder 2">
+            <a:extLst>
+              <a:ext uri="{FF2B5EF4-FFF2-40B4-BE49-F238E27FC236}">
+                <a16:creationId xmlns:a16="http://schemas.microsoft.com/office/drawing/2014/main" id="{10FC150F-521D-437A-ADFD-4463BFB4FB7C}"/>
+              </a:ext>
+            </a:extLst>
+          </p:cNvPr>
+          <p:cNvSpPr>
+            <a:spLocks noGrp="1"/>
+          </p:cNvSpPr>
+          <p:nvPr>
+            <p:ph type="body" idx="1"/>
+          </p:nvPr>
+        </p:nvSpPr>
+        <p:spPr/>
+        <p:txBody>
+          <a:bodyPr/>
+          <a:lstStyle/>
+          <a:p>
+            <a:r>
+              <a:rPr lang="zh-TW" altLang="en-US" dirty="0"/>
+              <a:t>範例結果</a:t>
+            </a:r>
+            <a:endParaRPr lang="en-US" altLang="zh-TW" dirty="0"/>
+          </a:p>
+          <a:p>
+            <a:endParaRPr lang="zh-TW" altLang="en-US" dirty="0"/>
+          </a:p>
+        </p:txBody>
+      </p:sp>
+      <p:sp>
+        <p:nvSpPr>
+          <p:cNvPr id="4" name="Slide Number Placeholder 3">
+            <a:extLst>
+              <a:ext uri="{FF2B5EF4-FFF2-40B4-BE49-F238E27FC236}">
+                <a16:creationId xmlns:a16="http://schemas.microsoft.com/office/drawing/2014/main" id="{73A3B7DF-F80C-4113-937B-1A85BA686687}"/>
+              </a:ext>
+            </a:extLst>
+          </p:cNvPr>
+          <p:cNvSpPr>
+            <a:spLocks noGrp="1"/>
+          </p:cNvSpPr>
+          <p:nvPr>
+            <p:ph type="sldNum" idx="12"/>
+          </p:nvPr>
+        </p:nvSpPr>
+        <p:spPr/>
+        <p:txBody>
+          <a:bodyPr/>
+          <a:lstStyle/>
+          <a:p>
+            <a:pPr marL="0" lvl="0" indent="0" algn="r" rtl="0">
+              <a:spcBef>
+                <a:spcPts val="0"/>
+              </a:spcBef>
+              <a:spcAft>
+                <a:spcPts val="0"/>
+              </a:spcAft>
+              <a:buNone/>
+            </a:pPr>
+            <a:fld id="{00000000-1234-1234-1234-123412341234}" type="slidenum">
+              <a:rPr lang="en-US" altLang="zh-TW" smtClean="0"/>
+              <a:t>40</a:t>
+            </a:fld>
+            <a:endParaRPr lang="zh-TW" altLang="en-US"/>
+          </a:p>
+        </p:txBody>
+      </p:sp>
+      <p:pic>
+        <p:nvPicPr>
+          <p:cNvPr id="5" name="Picture 4">
+            <a:extLst>
+              <a:ext uri="{FF2B5EF4-FFF2-40B4-BE49-F238E27FC236}">
+                <a16:creationId xmlns:a16="http://schemas.microsoft.com/office/drawing/2014/main" id="{15619E28-801E-4295-A154-154D3ED9FBA1}"/>
+              </a:ext>
+            </a:extLst>
+          </p:cNvPr>
+          <p:cNvPicPr>
+            <a:picLocks noChangeAspect="1"/>
+          </p:cNvPicPr>
+          <p:nvPr/>
+        </p:nvPicPr>
+        <p:blipFill>
+          <a:blip r:embed="rId2"/>
+          <a:stretch>
+            <a:fillRect/>
+          </a:stretch>
+        </p:blipFill>
+        <p:spPr>
+          <a:xfrm>
+            <a:off x="658129" y="1973619"/>
+            <a:ext cx="9183382" cy="4067743"/>
+          </a:xfrm>
+          <a:prstGeom prst="rect">
+            <a:avLst/>
+          </a:prstGeom>
+        </p:spPr>
+      </p:pic>
+      <p:sp>
+        <p:nvSpPr>
+          <p:cNvPr id="6" name="Rectangle 5">
+            <a:extLst>
+              <a:ext uri="{FF2B5EF4-FFF2-40B4-BE49-F238E27FC236}">
+                <a16:creationId xmlns:a16="http://schemas.microsoft.com/office/drawing/2014/main" id="{8D06FE09-1E17-4D4A-83CE-81957F08916B}"/>
+              </a:ext>
+            </a:extLst>
+          </p:cNvPr>
+          <p:cNvSpPr/>
+          <p:nvPr/>
+        </p:nvSpPr>
+        <p:spPr>
+          <a:xfrm>
+            <a:off x="8849360" y="1838960"/>
+            <a:ext cx="1011356" cy="4318000"/>
+          </a:xfrm>
+          <a:prstGeom prst="rect">
+            <a:avLst/>
+          </a:prstGeom>
+          <a:noFill/>
+          <a:ln w="57150">
+            <a:solidFill>
+              <a:srgbClr val="FFC000"/>
+            </a:solidFill>
+          </a:ln>
+        </p:spPr>
+        <p:style>
+          <a:lnRef idx="2">
+            <a:schemeClr val="accent1">
+              <a:shade val="50000"/>
+            </a:schemeClr>
+          </a:lnRef>
+          <a:fillRef idx="1">
+            <a:schemeClr val="accent1"/>
+          </a:fillRef>
+          <a:effectRef idx="0">
+            <a:schemeClr val="accent1"/>
+          </a:effectRef>
+          <a:fontRef idx="minor">
+            <a:schemeClr val="lt1"/>
+          </a:fontRef>
+        </p:style>
+        <p:txBody>
+          <a:bodyPr rtlCol="0" anchor="ctr"/>
+          <a:lstStyle/>
+          <a:p>
+            <a:pPr algn="ctr"/>
+            <a:endParaRPr lang="zh-TW" altLang="en-US"/>
+          </a:p>
+        </p:txBody>
+      </p:sp>
+    </p:spTree>
+    <p:extLst>
+      <p:ext uri="{BB962C8B-B14F-4D97-AF65-F5344CB8AC3E}">
+        <p14:creationId xmlns:p14="http://schemas.microsoft.com/office/powerpoint/2010/main" val="7613371"/>
+      </p:ext>
+    </p:extLst>
+  </p:cSld>
+  <p:clrMapOvr>
+    <a:masterClrMapping/>
+  </p:clrMapOvr>
+</p:sld>
+</file>
+
+<file path=ppt/slides/slide41.xml><?xml version="1.0" encoding="utf-8"?>
+<p:sld xmlns:a="http://schemas.openxmlformats.org/drawingml/2006/main" xmlns:r="http://schemas.openxmlformats.org/officeDocument/2006/relationships" xmlns:p="http://schemas.openxmlformats.org/presentationml/2006/main">
+  <p:cSld>
+    <p:spTree>
+      <p:nvGrpSpPr>
+        <p:cNvPr id="1" name=""/>
+        <p:cNvGrpSpPr/>
+        <p:nvPr/>
+      </p:nvGrpSpPr>
+      <p:grpSpPr>
+        <a:xfrm>
+          <a:off x="0" y="0"/>
+          <a:ext cx="0" cy="0"/>
+          <a:chOff x="0" y="0"/>
+          <a:chExt cx="0" cy="0"/>
+        </a:xfrm>
+      </p:grpSpPr>
+      <p:sp>
+        <p:nvSpPr>
+          <p:cNvPr id="2" name="Title 1">
+            <a:extLst>
+              <a:ext uri="{FF2B5EF4-FFF2-40B4-BE49-F238E27FC236}">
+                <a16:creationId xmlns:a16="http://schemas.microsoft.com/office/drawing/2014/main" id="{D29CF2BA-D6D9-4293-BE03-89B748D55986}"/>
+              </a:ext>
+            </a:extLst>
+          </p:cNvPr>
+          <p:cNvSpPr>
+            <a:spLocks noGrp="1"/>
+          </p:cNvSpPr>
+          <p:nvPr>
+            <p:ph type="title"/>
+          </p:nvPr>
+        </p:nvSpPr>
+        <p:spPr/>
+        <p:txBody>
+          <a:bodyPr/>
+          <a:lstStyle/>
+          <a:p>
+            <a:r>
+              <a:rPr lang="zh-TW" altLang="en-US" dirty="0">
+                <a:latin typeface="微軟正黑體" panose="020B0604030504040204" pitchFamily="34" charset="-120"/>
+                <a:ea typeface="微軟正黑體" panose="020B0604030504040204" pitchFamily="34" charset="-120"/>
+              </a:rPr>
+              <a:t>作業</a:t>
+            </a:r>
+            <a:r>
+              <a:rPr lang="en-US" altLang="zh-TW" dirty="0">
+                <a:latin typeface="微軟正黑體" panose="020B0604030504040204" pitchFamily="34" charset="-120"/>
+                <a:ea typeface="微軟正黑體" panose="020B0604030504040204" pitchFamily="34" charset="-120"/>
+              </a:rPr>
+              <a:t>:</a:t>
+            </a:r>
+            <a:r>
+              <a:rPr lang="zh-TW" altLang="en-US" dirty="0"/>
+              <a:t>遠距教學新聞的特徵詞抽取</a:t>
+            </a:r>
+          </a:p>
+        </p:txBody>
+      </p:sp>
+      <p:sp>
+        <p:nvSpPr>
+          <p:cNvPr id="3" name="Text Placeholder 2">
+            <a:extLst>
+              <a:ext uri="{FF2B5EF4-FFF2-40B4-BE49-F238E27FC236}">
+                <a16:creationId xmlns:a16="http://schemas.microsoft.com/office/drawing/2014/main" id="{7916CEF8-23A3-42EE-91AD-EAC89D2409A5}"/>
+              </a:ext>
+            </a:extLst>
+          </p:cNvPr>
+          <p:cNvSpPr>
+            <a:spLocks noGrp="1"/>
+          </p:cNvSpPr>
+          <p:nvPr>
+            <p:ph type="body" idx="1"/>
+          </p:nvPr>
+        </p:nvSpPr>
+        <p:spPr/>
+        <p:txBody>
+          <a:bodyPr/>
+          <a:lstStyle/>
+          <a:p>
+            <a:pPr marL="137160" indent="0">
+              <a:buNone/>
+            </a:pPr>
+            <a:r>
+              <a:rPr lang="zh-TW" altLang="en-US" dirty="0"/>
+              <a:t>小結</a:t>
+            </a:r>
+            <a:r>
+              <a:rPr lang="en-US" altLang="zh-TW" dirty="0"/>
+              <a:t>:</a:t>
+            </a:r>
+          </a:p>
+          <a:p>
+            <a:r>
+              <a:rPr lang="zh-TW" altLang="en-US" dirty="0"/>
+              <a:t>從以上的任務，雖然只是一個小嘗試，但我們可以發現，分數較低的文本的確就是跟股票漲價比較不相關，如下所示，一則是有關法條，一則是有關個人投資的失敗，一則是有關於外商投資策略，</a:t>
+            </a:r>
+          </a:p>
+        </p:txBody>
+      </p:sp>
+      <p:sp>
+        <p:nvSpPr>
+          <p:cNvPr id="4" name="Slide Number Placeholder 3">
+            <a:extLst>
+              <a:ext uri="{FF2B5EF4-FFF2-40B4-BE49-F238E27FC236}">
+                <a16:creationId xmlns:a16="http://schemas.microsoft.com/office/drawing/2014/main" id="{E178E2B3-7C43-454D-AC55-2CEA16CA1802}"/>
+              </a:ext>
+            </a:extLst>
+          </p:cNvPr>
+          <p:cNvSpPr>
+            <a:spLocks noGrp="1"/>
+          </p:cNvSpPr>
+          <p:nvPr>
+            <p:ph type="sldNum" idx="12"/>
+          </p:nvPr>
+        </p:nvSpPr>
+        <p:spPr/>
+        <p:txBody>
+          <a:bodyPr/>
+          <a:lstStyle/>
+          <a:p>
+            <a:pPr marL="0" lvl="0" indent="0" algn="r" rtl="0">
+              <a:spcBef>
+                <a:spcPts val="0"/>
+              </a:spcBef>
+              <a:spcAft>
+                <a:spcPts val="0"/>
+              </a:spcAft>
+              <a:buNone/>
+            </a:pPr>
+            <a:fld id="{00000000-1234-1234-1234-123412341234}" type="slidenum">
+              <a:rPr lang="en-US" altLang="zh-TW" smtClean="0"/>
+              <a:t>41</a:t>
+            </a:fld>
+            <a:endParaRPr lang="zh-TW" altLang="en-US"/>
+          </a:p>
+        </p:txBody>
+      </p:sp>
+      <p:pic>
+        <p:nvPicPr>
+          <p:cNvPr id="5" name="Picture 4">
+            <a:extLst>
+              <a:ext uri="{FF2B5EF4-FFF2-40B4-BE49-F238E27FC236}">
+                <a16:creationId xmlns:a16="http://schemas.microsoft.com/office/drawing/2014/main" id="{6EE5CCBB-8F86-4D65-8CEF-1442D8914A0E}"/>
+              </a:ext>
+            </a:extLst>
+          </p:cNvPr>
+          <p:cNvPicPr>
+            <a:picLocks noChangeAspect="1"/>
+          </p:cNvPicPr>
+          <p:nvPr/>
+        </p:nvPicPr>
+        <p:blipFill>
+          <a:blip r:embed="rId2"/>
+          <a:stretch>
+            <a:fillRect/>
+          </a:stretch>
+        </p:blipFill>
+        <p:spPr>
+          <a:xfrm>
+            <a:off x="498796" y="4043527"/>
+            <a:ext cx="10084816" cy="1997835"/>
+          </a:xfrm>
+          <a:prstGeom prst="rect">
+            <a:avLst/>
+          </a:prstGeom>
+        </p:spPr>
+      </p:pic>
+    </p:spTree>
+    <p:extLst>
+      <p:ext uri="{BB962C8B-B14F-4D97-AF65-F5344CB8AC3E}">
+        <p14:creationId xmlns:p14="http://schemas.microsoft.com/office/powerpoint/2010/main" val="3123251553"/>
+      </p:ext>
+    </p:extLst>
+  </p:cSld>
+  <p:clrMapOvr>
+    <a:masterClrMapping/>
+  </p:clrMapOvr>
+</p:sld>
+</file>
+
+<file path=ppt/slides/slide42.xml><?xml version="1.0" encoding="utf-8"?>
+<p:sld xmlns:a="http://schemas.openxmlformats.org/drawingml/2006/main" xmlns:r="http://schemas.openxmlformats.org/officeDocument/2006/relationships" xmlns:p="http://schemas.openxmlformats.org/presentationml/2006/main">
+  <p:cSld>
+    <p:spTree>
+      <p:nvGrpSpPr>
+        <p:cNvPr id="1" name=""/>
+        <p:cNvGrpSpPr/>
+        <p:nvPr/>
+      </p:nvGrpSpPr>
+      <p:grpSpPr>
+        <a:xfrm>
+          <a:off x="0" y="0"/>
+          <a:ext cx="0" cy="0"/>
+          <a:chOff x="0" y="0"/>
+          <a:chExt cx="0" cy="0"/>
+        </a:xfrm>
+      </p:grpSpPr>
+      <p:sp>
+        <p:nvSpPr>
+          <p:cNvPr id="2" name="Title 1">
+            <a:extLst>
+              <a:ext uri="{FF2B5EF4-FFF2-40B4-BE49-F238E27FC236}">
+                <a16:creationId xmlns:a16="http://schemas.microsoft.com/office/drawing/2014/main" id="{7078962C-B801-4CC1-A2DC-6F818B120E3D}"/>
+              </a:ext>
+            </a:extLst>
+          </p:cNvPr>
+          <p:cNvSpPr>
+            <a:spLocks noGrp="1"/>
+          </p:cNvSpPr>
+          <p:nvPr>
+            <p:ph type="title"/>
+          </p:nvPr>
+        </p:nvSpPr>
+        <p:spPr/>
+        <p:txBody>
+          <a:bodyPr/>
+          <a:lstStyle/>
+          <a:p>
+            <a:r>
+              <a:rPr lang="zh-TW" altLang="en-US" dirty="0">
+                <a:latin typeface="微軟正黑體" panose="020B0604030504040204" pitchFamily="34" charset="-120"/>
+                <a:ea typeface="微軟正黑體" panose="020B0604030504040204" pitchFamily="34" charset="-120"/>
+              </a:rPr>
+              <a:t>作業</a:t>
+            </a:r>
+            <a:r>
+              <a:rPr lang="en-US" altLang="zh-TW" dirty="0">
+                <a:latin typeface="微軟正黑體" panose="020B0604030504040204" pitchFamily="34" charset="-120"/>
+                <a:ea typeface="微軟正黑體" panose="020B0604030504040204" pitchFamily="34" charset="-120"/>
+              </a:rPr>
+              <a:t>:</a:t>
+            </a:r>
+            <a:r>
+              <a:rPr lang="zh-TW" altLang="en-US" dirty="0"/>
+              <a:t>遠距教學新聞的特徵詞抽取</a:t>
+            </a:r>
+          </a:p>
+        </p:txBody>
+      </p:sp>
+      <p:sp>
+        <p:nvSpPr>
+          <p:cNvPr id="3" name="Text Placeholder 2">
+            <a:extLst>
+              <a:ext uri="{FF2B5EF4-FFF2-40B4-BE49-F238E27FC236}">
+                <a16:creationId xmlns:a16="http://schemas.microsoft.com/office/drawing/2014/main" id="{1251BA62-4D00-4C36-9050-07404CEF831E}"/>
+              </a:ext>
+            </a:extLst>
+          </p:cNvPr>
+          <p:cNvSpPr>
+            <a:spLocks noGrp="1"/>
+          </p:cNvSpPr>
+          <p:nvPr>
+            <p:ph type="body" idx="1"/>
+          </p:nvPr>
+        </p:nvSpPr>
+        <p:spPr/>
+        <p:txBody>
+          <a:bodyPr/>
+          <a:lstStyle/>
+          <a:p>
+            <a:r>
+              <a:rPr lang="zh-TW" altLang="en-US" dirty="0"/>
+              <a:t>結語</a:t>
+            </a:r>
+            <a:r>
+              <a:rPr lang="en-US" altLang="zh-TW" dirty="0"/>
+              <a:t>:</a:t>
+            </a:r>
+          </a:p>
+          <a:p>
+            <a:r>
+              <a:rPr lang="zh-TW" altLang="en-US" dirty="0"/>
+              <a:t>當然這個方法還是有不少缺陷，或許我們可以設計另一個功能判斷他是跌的分數，然後去和漲的分數進行比較，又或是有更好的計算分數的方式。那這部分就交給有興趣延伸的人更進一步探討囉</a:t>
+            </a:r>
+            <a:r>
+              <a:rPr lang="en-US" altLang="zh-TW" dirty="0"/>
+              <a:t>! </a:t>
+            </a:r>
+            <a:r>
+              <a:rPr lang="zh-TW" altLang="en-US" dirty="0"/>
+              <a:t>加油</a:t>
+            </a:r>
+            <a:r>
+              <a:rPr lang="en-US" altLang="zh-TW" dirty="0"/>
+              <a:t>!</a:t>
+            </a:r>
+            <a:endParaRPr lang="zh-TW" altLang="en-US" dirty="0"/>
+          </a:p>
+        </p:txBody>
+      </p:sp>
+      <p:sp>
+        <p:nvSpPr>
+          <p:cNvPr id="4" name="Slide Number Placeholder 3">
+            <a:extLst>
+              <a:ext uri="{FF2B5EF4-FFF2-40B4-BE49-F238E27FC236}">
+                <a16:creationId xmlns:a16="http://schemas.microsoft.com/office/drawing/2014/main" id="{907B4F2E-C386-4BFB-89FF-5DE67BB525A3}"/>
+              </a:ext>
+            </a:extLst>
+          </p:cNvPr>
+          <p:cNvSpPr>
+            <a:spLocks noGrp="1"/>
+          </p:cNvSpPr>
+          <p:nvPr>
+            <p:ph type="sldNum" idx="12"/>
+          </p:nvPr>
+        </p:nvSpPr>
+        <p:spPr/>
+        <p:txBody>
+          <a:bodyPr/>
+          <a:lstStyle/>
+          <a:p>
+            <a:pPr marL="0" lvl="0" indent="0" algn="r" rtl="0">
+              <a:spcBef>
+                <a:spcPts val="0"/>
+              </a:spcBef>
+              <a:spcAft>
+                <a:spcPts val="0"/>
+              </a:spcAft>
+              <a:buNone/>
+            </a:pPr>
+            <a:fld id="{00000000-1234-1234-1234-123412341234}" type="slidenum">
+              <a:rPr lang="en-US" altLang="zh-TW" smtClean="0"/>
+              <a:t>42</a:t>
+            </a:fld>
+            <a:endParaRPr lang="zh-TW" altLang="en-US"/>
+          </a:p>
+        </p:txBody>
+      </p:sp>
+    </p:spTree>
+    <p:extLst>
+      <p:ext uri="{BB962C8B-B14F-4D97-AF65-F5344CB8AC3E}">
+        <p14:creationId xmlns:p14="http://schemas.microsoft.com/office/powerpoint/2010/main" val="2719177749"/>
       </p:ext>
     </p:extLst>
   </p:cSld>
@@ -29823,12 +32617,7 @@
             <p:ph type="title"/>
           </p:nvPr>
         </p:nvSpPr>
-        <p:spPr>
-          <a:xfrm>
-            <a:off x="658129" y="306388"/>
-            <a:ext cx="8596668" cy="760412"/>
-          </a:xfrm>
-        </p:spPr>
+        <p:spPr/>
         <p:txBody>
           <a:bodyPr/>
           <a:lstStyle/>
@@ -30580,7 +33369,7 @@
 </file>
 
 <file path=ppt/theme/theme1.xml><?xml version="1.0" encoding="utf-8"?>
-<a:theme xmlns:a="http://schemas.openxmlformats.org/drawingml/2006/main" name="多面向">
+<a:theme xmlns:a="http://schemas.openxmlformats.org/drawingml/2006/main" name="pyhton-class">
   <a:themeElements>
     <a:clrScheme name="多面向">
       <a:dk1>
@@ -30857,6 +33646,11 @@
   </a:themeElements>
   <a:objectDefaults/>
   <a:extraClrSchemeLst/>
+  <a:extLst>
+    <a:ext uri="{05A4C25C-085E-4340-85A3-A5531E510DB2}">
+      <thm15:themeFamily xmlns:thm15="http://schemas.microsoft.com/office/thememl/2012/main" name="pyhton-class" id="{ABC1EC0E-978C-43D6-BC17-7D2244837A78}" vid="{3DFAA434-DD92-442F-A6DC-CF9A5A68EBD0}"/>
+    </a:ext>
+  </a:extLst>
 </a:theme>
 </file>
 

--- a/week03/文本分析與程式設計Week3.pptx
+++ b/week03/文本分析與程式設計Week3.pptx
@@ -5,7 +5,7 @@
     <p:sldMasterId id="2147483669" r:id="rId1"/>
   </p:sldMasterIdLst>
   <p:notesMasterIdLst>
-    <p:notesMasterId r:id="rId44"/>
+    <p:notesMasterId r:id="rId43"/>
   </p:notesMasterIdLst>
   <p:sldIdLst>
     <p:sldId id="256" r:id="rId2"/>
@@ -26,30 +26,29 @@
     <p:sldId id="271" r:id="rId17"/>
     <p:sldId id="286" r:id="rId18"/>
     <p:sldId id="273" r:id="rId19"/>
-    <p:sldId id="274" r:id="rId20"/>
-    <p:sldId id="275" r:id="rId21"/>
-    <p:sldId id="287" r:id="rId22"/>
-    <p:sldId id="277" r:id="rId23"/>
-    <p:sldId id="294" r:id="rId24"/>
-    <p:sldId id="292" r:id="rId25"/>
-    <p:sldId id="291" r:id="rId26"/>
-    <p:sldId id="288" r:id="rId27"/>
-    <p:sldId id="278" r:id="rId28"/>
-    <p:sldId id="269" r:id="rId29"/>
-    <p:sldId id="289" r:id="rId30"/>
-    <p:sldId id="290" r:id="rId31"/>
-    <p:sldId id="295" r:id="rId32"/>
-    <p:sldId id="296" r:id="rId33"/>
-    <p:sldId id="297" r:id="rId34"/>
-    <p:sldId id="298" r:id="rId35"/>
-    <p:sldId id="299" r:id="rId36"/>
-    <p:sldId id="302" r:id="rId37"/>
-    <p:sldId id="301" r:id="rId38"/>
-    <p:sldId id="300" r:id="rId39"/>
-    <p:sldId id="303" r:id="rId40"/>
-    <p:sldId id="304" r:id="rId41"/>
-    <p:sldId id="305" r:id="rId42"/>
-    <p:sldId id="306" r:id="rId43"/>
+    <p:sldId id="275" r:id="rId20"/>
+    <p:sldId id="287" r:id="rId21"/>
+    <p:sldId id="277" r:id="rId22"/>
+    <p:sldId id="294" r:id="rId23"/>
+    <p:sldId id="292" r:id="rId24"/>
+    <p:sldId id="291" r:id="rId25"/>
+    <p:sldId id="288" r:id="rId26"/>
+    <p:sldId id="278" r:id="rId27"/>
+    <p:sldId id="269" r:id="rId28"/>
+    <p:sldId id="289" r:id="rId29"/>
+    <p:sldId id="290" r:id="rId30"/>
+    <p:sldId id="295" r:id="rId31"/>
+    <p:sldId id="296" r:id="rId32"/>
+    <p:sldId id="297" r:id="rId33"/>
+    <p:sldId id="298" r:id="rId34"/>
+    <p:sldId id="299" r:id="rId35"/>
+    <p:sldId id="302" r:id="rId36"/>
+    <p:sldId id="301" r:id="rId37"/>
+    <p:sldId id="300" r:id="rId38"/>
+    <p:sldId id="303" r:id="rId39"/>
+    <p:sldId id="304" r:id="rId40"/>
+    <p:sldId id="305" r:id="rId41"/>
+    <p:sldId id="306" r:id="rId42"/>
   </p:sldIdLst>
   <p:sldSz cx="12192000" cy="6858000"/>
   <p:notesSz cx="7099300" cy="10234613"/>
@@ -24219,184 +24218,114 @@
         <p:spPr/>
         <p:txBody>
           <a:bodyPr>
-            <a:normAutofit lnSpcReduction="10000"/>
+            <a:normAutofit/>
           </a:bodyPr>
           <a:lstStyle/>
           <a:p>
             <a:r>
+              <a:rPr lang="zh-TW" altLang="en-US" dirty="0"/>
+              <a:t>籃球類文本輸出的結果如下</a:t>
+            </a:r>
+            <a:endParaRPr lang="en-US" altLang="zh-TW" dirty="0"/>
+          </a:p>
+          <a:p>
+            <a:endParaRPr lang="en-US" altLang="zh-TW" dirty="0"/>
+          </a:p>
+          <a:p>
+            <a:endParaRPr lang="en-US" altLang="zh-TW" dirty="0"/>
+          </a:p>
+          <a:p>
+            <a:endParaRPr lang="en-US" altLang="zh-TW" dirty="0"/>
+          </a:p>
+          <a:p>
+            <a:r>
+              <a:rPr lang="zh-TW" altLang="zh-TW" dirty="0">
+                <a:solidFill>
+                  <a:schemeClr val="dk1"/>
+                </a:solidFill>
+              </a:rPr>
+              <a:t>另一篇籃球比賽的文本裡，則「昨晚的紐約西區霸王之戰中…」中，有「昨晚」這一個表示時間的詞彙。Articut lv3 的 [</a:t>
+            </a:r>
+            <a:r>
               <a:rPr lang="zh-TW" altLang="en-US" dirty="0">
                 <a:solidFill>
-                  <a:srgbClr val="FF0000"/>
-                </a:solidFill>
-              </a:rPr>
-              <a:t>棒球類文本輸出的結果如下</a:t>
-            </a:r>
-            <a:endParaRPr lang="en-US" altLang="zh-TW" dirty="0">
-              <a:solidFill>
-                <a:srgbClr val="FF0000"/>
-              </a:solidFill>
-            </a:endParaRPr>
-          </a:p>
-          <a:p>
-            <a:endParaRPr lang="en-US" altLang="zh-TW" dirty="0">
-              <a:solidFill>
-                <a:srgbClr val="FF0000"/>
-              </a:solidFill>
-            </a:endParaRPr>
-          </a:p>
-          <a:p>
-            <a:endParaRPr lang="en-US" altLang="zh-TW" dirty="0">
-              <a:solidFill>
-                <a:srgbClr val="FF0000"/>
-              </a:solidFill>
-            </a:endParaRPr>
-          </a:p>
-          <a:p>
-            <a:endParaRPr lang="en-US" altLang="zh-TW" dirty="0">
-              <a:solidFill>
-                <a:srgbClr val="FF0000"/>
-              </a:solidFill>
-            </a:endParaRPr>
-          </a:p>
-          <a:p>
+                  <a:schemeClr val="dk1"/>
+                </a:solidFill>
+              </a:rPr>
+              <a:t>“</a:t>
+            </a:r>
+            <a:r>
+              <a:rPr lang="zh-TW" altLang="zh-TW" dirty="0">
+                <a:solidFill>
+                  <a:schemeClr val="dk1"/>
+                </a:solidFill>
+              </a:rPr>
+              <a:t>time</a:t>
+            </a:r>
             <a:r>
               <a:rPr lang="zh-TW" altLang="en-US" dirty="0">
                 <a:solidFill>
-                  <a:srgbClr val="FF0000"/>
-                </a:solidFill>
-              </a:rPr>
-              <a:t>在原文「本週三在紐約的比賽</a:t>
+                  <a:schemeClr val="dk1"/>
+                </a:solidFill>
+              </a:rPr>
+              <a:t>”</a:t>
+            </a:r>
+            <a:r>
+              <a:rPr lang="zh-TW" altLang="zh-TW" dirty="0">
+                <a:solidFill>
+                  <a:schemeClr val="dk1"/>
+                </a:solidFill>
+              </a:rPr>
+              <a:t>] 則算出以下的結果。一樣取出了「昨晚」並加以計算出它的時間在 </a:t>
+            </a:r>
+            <a:r>
+              <a:rPr lang="zh-TW" altLang="en-US" dirty="0">
+                <a:solidFill>
+                  <a:schemeClr val="dk1"/>
+                </a:solidFill>
+              </a:rPr>
+              <a:t>“</a:t>
+            </a:r>
+            <a:r>
+              <a:rPr lang="zh-TW" altLang="zh-TW" dirty="0">
+                <a:solidFill>
+                  <a:schemeClr val="dk1"/>
+                </a:solidFill>
+              </a:rPr>
+              <a:t>2021</a:t>
             </a:r>
             <a:r>
               <a:rPr lang="en-US" altLang="zh-TW" dirty="0">
                 <a:solidFill>
-                  <a:srgbClr val="FF0000"/>
-                </a:solidFill>
-              </a:rPr>
-              <a:t>…</a:t>
+                  <a:schemeClr val="dk1"/>
+                </a:solidFill>
+              </a:rPr>
+              <a:t>-05-06</a:t>
             </a:r>
             <a:r>
               <a:rPr lang="zh-TW" altLang="en-US" dirty="0">
                 <a:solidFill>
-                  <a:srgbClr val="FF0000"/>
-                </a:solidFill>
-              </a:rPr>
-              <a:t>」裡，「週三」就是一個表示時間的詞彙。</a:t>
-            </a:r>
-            <a:r>
-              <a:rPr lang="en-US" altLang="zh-TW" dirty="0" err="1">
-                <a:solidFill>
-                  <a:srgbClr val="FF0000"/>
-                </a:solidFill>
-              </a:rPr>
-              <a:t>Articut</a:t>
+                  <a:schemeClr val="dk1"/>
+                </a:solidFill>
+              </a:rPr>
+              <a:t> </a:t>
             </a:r>
             <a:r>
               <a:rPr lang="en-US" altLang="zh-TW" dirty="0">
                 <a:solidFill>
-                  <a:srgbClr val="FF0000"/>
+                  <a:schemeClr val="dk1"/>
+                </a:solidFill>
+              </a:rPr>
+              <a:t>22:00:00”</a:t>
+            </a:r>
+            <a:r>
+              <a:rPr lang="zh-TW" altLang="en-US" dirty="0">
+                <a:solidFill>
+                  <a:schemeClr val="dk1"/>
                 </a:solidFill>
               </a:rPr>
               <a:t> </a:t>
             </a:r>
-            <a:r>
-              <a:rPr lang="zh-TW" altLang="en-US" dirty="0">
-                <a:solidFill>
-                  <a:srgbClr val="FF0000"/>
-                </a:solidFill>
-              </a:rPr>
-              <a:t>的</a:t>
-            </a:r>
-            <a:r>
-              <a:rPr lang="en-US" altLang="zh-TW" dirty="0">
-                <a:solidFill>
-                  <a:srgbClr val="FF0000"/>
-                </a:solidFill>
-              </a:rPr>
-              <a:t>lv3 </a:t>
-            </a:r>
-            <a:r>
-              <a:rPr lang="zh-TW" altLang="en-US" dirty="0">
-                <a:solidFill>
-                  <a:srgbClr val="FF0000"/>
-                </a:solidFill>
-              </a:rPr>
-              <a:t>在計算時間時，可自行決定要不要參考當下的時間。由於本範例是在 </a:t>
-            </a:r>
-            <a:r>
-              <a:rPr lang="en-US" altLang="zh-TW" dirty="0">
-                <a:solidFill>
-                  <a:srgbClr val="FF0000"/>
-                </a:solidFill>
-              </a:rPr>
-              <a:t>2021.05.06 (</a:t>
-            </a:r>
-            <a:r>
-              <a:rPr lang="zh-TW" altLang="en-US" dirty="0">
-                <a:solidFill>
-                  <a:srgbClr val="FF0000"/>
-                </a:solidFill>
-              </a:rPr>
-              <a:t>四</a:t>
-            </a:r>
-            <a:r>
-              <a:rPr lang="en-US" altLang="zh-TW" dirty="0">
-                <a:solidFill>
-                  <a:srgbClr val="FF0000"/>
-                </a:solidFill>
-              </a:rPr>
-              <a:t>) </a:t>
-            </a:r>
-            <a:r>
-              <a:rPr lang="zh-TW" altLang="en-US" dirty="0">
-                <a:solidFill>
-                  <a:srgbClr val="FF0000"/>
-                </a:solidFill>
-              </a:rPr>
-              <a:t>執行的，參考這個時間的結果，</a:t>
-            </a:r>
-            <a:r>
-              <a:rPr lang="en-US" altLang="zh-TW" dirty="0" err="1">
-                <a:solidFill>
-                  <a:srgbClr val="FF0000"/>
-                </a:solidFill>
-              </a:rPr>
-              <a:t>Articut</a:t>
-            </a:r>
-            <a:r>
-              <a:rPr lang="en-US" altLang="zh-TW" dirty="0">
-                <a:solidFill>
-                  <a:srgbClr val="FF0000"/>
-                </a:solidFill>
-              </a:rPr>
-              <a:t> </a:t>
-            </a:r>
-            <a:r>
-              <a:rPr lang="zh-TW" altLang="en-US" dirty="0">
-                <a:solidFill>
-                  <a:srgbClr val="FF0000"/>
-                </a:solidFill>
-              </a:rPr>
-              <a:t>將「週三」計算為 </a:t>
-            </a:r>
-            <a:r>
-              <a:rPr lang="en-US" altLang="zh-TW" dirty="0">
-                <a:solidFill>
-                  <a:srgbClr val="FF0000"/>
-                </a:solidFill>
-              </a:rPr>
-              <a:t>"2021-05-05" </a:t>
-            </a:r>
-            <a:r>
-              <a:rPr lang="zh-TW" altLang="en-US" dirty="0">
-                <a:solidFill>
-                  <a:srgbClr val="FF0000"/>
-                </a:solidFill>
-              </a:rPr>
-              <a:t>這天。</a:t>
-            </a:r>
-          </a:p>
-          <a:p>
             <a:endParaRPr lang="en-US" altLang="zh-TW" dirty="0"/>
           </a:p>
         </p:txBody>
@@ -24439,10 +24368,88 @@
           </a:p>
         </p:txBody>
       </p:sp>
+      <p:sp>
+        <p:nvSpPr>
+          <p:cNvPr id="5" name="Google Shape;202;p3">
+            <a:extLst>
+              <a:ext uri="{FF2B5EF4-FFF2-40B4-BE49-F238E27FC236}">
+                <a16:creationId xmlns:a16="http://schemas.microsoft.com/office/drawing/2014/main" id="{DC8B3E3B-C82B-4780-B752-7F03C4CC0A60}"/>
+              </a:ext>
+            </a:extLst>
+          </p:cNvPr>
+          <p:cNvSpPr/>
+          <p:nvPr/>
+        </p:nvSpPr>
+        <p:spPr>
+          <a:xfrm>
+            <a:off x="1203767" y="2351822"/>
+            <a:ext cx="7543801" cy="1077178"/>
+          </a:xfrm>
+          <a:prstGeom prst="rect">
+            <a:avLst/>
+          </a:prstGeom>
+          <a:solidFill>
+            <a:srgbClr val="DEF4FB"/>
+          </a:solidFill>
+          <a:ln>
+            <a:noFill/>
+          </a:ln>
+        </p:spPr>
+        <p:txBody>
+          <a:bodyPr spcFirstLastPara="1" wrap="square" lIns="91425" tIns="45700" rIns="91425" bIns="45700" anchor="t" anchorCtr="0">
+            <a:spAutoFit/>
+          </a:bodyPr>
+          <a:lstStyle/>
+          <a:p>
+            <a:pPr lvl="0"/>
+            <a:r>
+              <a:rPr lang="en-US" sz="1600">
+                <a:solidFill>
+                  <a:schemeClr val="dk1"/>
+                </a:solidFill>
+              </a:rPr>
+              <a:t>[[{'absolute': False, 'datetime': '2021-07-04 22:00:00', 'text': '</a:t>
+            </a:r>
+            <a:r>
+              <a:rPr lang="zh-TW" altLang="en-US" sz="1600">
+                <a:solidFill>
+                  <a:schemeClr val="dk1"/>
+                </a:solidFill>
+              </a:rPr>
+              <a:t>昨晚</a:t>
+            </a:r>
+            <a:r>
+              <a:rPr lang="en-US" altLang="zh-TW" sz="1600">
+                <a:solidFill>
+                  <a:schemeClr val="dk1"/>
+                </a:solidFill>
+              </a:rPr>
+              <a:t>', '</a:t>
+            </a:r>
+            <a:r>
+              <a:rPr lang="en-US" sz="1600">
+                <a:solidFill>
+                  <a:schemeClr val="dk1"/>
+                </a:solidFill>
+              </a:rPr>
+              <a:t>time_span': {'year': [2021, 2021], 'month': [7, 7], 'weekday': [7, 7], 'day': [4, 4], 'hour': [22, 2], 'minute': [0, 59], 'second': [0, 59], 'time_period': 'night'}}], [], [], '\n', [], [], [], [], [], '\n', [], [], [], [], [], [], '\n', [], [], [], [], [], [], '\n', [], []]</a:t>
+            </a:r>
+            <a:endParaRPr sz="1600" dirty="0">
+              <a:solidFill>
+                <a:schemeClr val="dk1"/>
+              </a:solidFill>
+              <a:latin typeface="Arial"/>
+              <a:ea typeface="Arial"/>
+              <a:cs typeface="Arial"/>
+              <a:sym typeface="Arial"/>
+            </a:endParaRPr>
+          </a:p>
+        </p:txBody>
+      </p:sp>
     </p:spTree>
     <p:extLst>
       <p:ext uri="{BB962C8B-B14F-4D97-AF65-F5344CB8AC3E}">
-        <p14:creationId xmlns:p14="http://schemas.microsoft.com/office/powerpoint/2010/main" val="1139355661"/>
+        <p14:creationId xmlns:p14="http://schemas.microsoft.com/office/powerpoint/2010/main" val="2411492329"/>
       </p:ext>
     </p:extLst>
   </p:cSld>
@@ -24770,7 +24777,7 @@
           <p:cNvPr id="2" name="標題 1">
             <a:extLst>
               <a:ext uri="{FF2B5EF4-FFF2-40B4-BE49-F238E27FC236}">
-                <a16:creationId xmlns:a16="http://schemas.microsoft.com/office/drawing/2014/main" id="{5286D151-8405-47E2-BB1C-D39414FA617B}"/>
+                <a16:creationId xmlns:a16="http://schemas.microsoft.com/office/drawing/2014/main" id="{BBE212B6-EC29-46E7-BE3D-763832F3001C}"/>
               </a:ext>
             </a:extLst>
           </p:cNvPr>
@@ -24788,25 +24795,22 @@
           <a:p>
             <a:r>
               <a:rPr lang="zh-TW" altLang="en-US" dirty="0"/>
-              <a:t>從文本中抽詞 </a:t>
+              <a:t>課間練習</a:t>
             </a:r>
             <a:r>
               <a:rPr lang="en-US" altLang="zh-TW" dirty="0"/>
-              <a:t>--</a:t>
-            </a:r>
-            <a:r>
-              <a:rPr lang="zh-TW" altLang="en-US" dirty="0"/>
-              <a:t> 「時」</a:t>
-            </a:r>
+              <a:t>4</a:t>
+            </a:r>
+            <a:endParaRPr lang="zh-TW" altLang="en-US" dirty="0"/>
           </a:p>
         </p:txBody>
       </p:sp>
       <p:sp>
         <p:nvSpPr>
-          <p:cNvPr id="6" name="文字版面配置區 5">
+          <p:cNvPr id="3" name="文字版面配置區 2">
             <a:extLst>
               <a:ext uri="{FF2B5EF4-FFF2-40B4-BE49-F238E27FC236}">
-                <a16:creationId xmlns:a16="http://schemas.microsoft.com/office/drawing/2014/main" id="{ADB5C6FB-1645-432A-B429-9F5960C6A437}"/>
+                <a16:creationId xmlns:a16="http://schemas.microsoft.com/office/drawing/2014/main" id="{C05A4628-9611-44D6-BFA5-42A982738E97}"/>
               </a:ext>
             </a:extLst>
           </p:cNvPr>
@@ -24819,116 +24823,21 @@
         </p:nvSpPr>
         <p:spPr/>
         <p:txBody>
-          <a:bodyPr>
-            <a:normAutofit/>
-          </a:bodyPr>
+          <a:bodyPr/>
           <a:lstStyle/>
           <a:p>
             <a:r>
               <a:rPr lang="zh-TW" altLang="en-US" dirty="0"/>
-              <a:t>籃球類文本輸出的結果如下</a:t>
-            </a:r>
-            <a:endParaRPr lang="en-US" altLang="zh-TW" dirty="0"/>
-          </a:p>
-          <a:p>
-            <a:endParaRPr lang="en-US" altLang="zh-TW" dirty="0"/>
-          </a:p>
-          <a:p>
-            <a:endParaRPr lang="en-US" altLang="zh-TW" dirty="0"/>
-          </a:p>
-          <a:p>
-            <a:endParaRPr lang="en-US" altLang="zh-TW" dirty="0"/>
-          </a:p>
-          <a:p>
-            <a:r>
-              <a:rPr lang="zh-TW" altLang="zh-TW" dirty="0">
-                <a:solidFill>
-                  <a:schemeClr val="dk1"/>
-                </a:solidFill>
-              </a:rPr>
-              <a:t>另一篇籃球比賽的文本裡，則「昨晚的紐約西區霸王之戰中…」中，有「昨晚」這一個表示時間的詞彙。Articut lv3 的 [</a:t>
-            </a:r>
-            <a:r>
-              <a:rPr lang="zh-TW" altLang="en-US" dirty="0">
-                <a:solidFill>
-                  <a:schemeClr val="dk1"/>
-                </a:solidFill>
-              </a:rPr>
-              <a:t>“</a:t>
-            </a:r>
-            <a:r>
-              <a:rPr lang="zh-TW" altLang="zh-TW" dirty="0">
-                <a:solidFill>
-                  <a:schemeClr val="dk1"/>
-                </a:solidFill>
-              </a:rPr>
-              <a:t>time</a:t>
-            </a:r>
-            <a:r>
-              <a:rPr lang="zh-TW" altLang="en-US" dirty="0">
-                <a:solidFill>
-                  <a:schemeClr val="dk1"/>
-                </a:solidFill>
-              </a:rPr>
-              <a:t>”</a:t>
-            </a:r>
-            <a:r>
-              <a:rPr lang="zh-TW" altLang="zh-TW" dirty="0">
-                <a:solidFill>
-                  <a:schemeClr val="dk1"/>
-                </a:solidFill>
-              </a:rPr>
-              <a:t>] 則算出以下的結果。一樣取出了「昨晚」並加以計算出它的時間在 </a:t>
-            </a:r>
-            <a:r>
-              <a:rPr lang="zh-TW" altLang="en-US" dirty="0">
-                <a:solidFill>
-                  <a:schemeClr val="dk1"/>
-                </a:solidFill>
-              </a:rPr>
-              <a:t>“</a:t>
-            </a:r>
-            <a:r>
-              <a:rPr lang="zh-TW" altLang="zh-TW" dirty="0">
-                <a:solidFill>
-                  <a:schemeClr val="dk1"/>
-                </a:solidFill>
-              </a:rPr>
-              <a:t>2021</a:t>
-            </a:r>
-            <a:r>
-              <a:rPr lang="en-US" altLang="zh-TW" dirty="0">
-                <a:solidFill>
-                  <a:schemeClr val="dk1"/>
-                </a:solidFill>
-              </a:rPr>
-              <a:t>-05-06</a:t>
-            </a:r>
-            <a:r>
-              <a:rPr lang="zh-TW" altLang="en-US" dirty="0">
-                <a:solidFill>
-                  <a:schemeClr val="dk1"/>
-                </a:solidFill>
-              </a:rPr>
-              <a:t> </a:t>
-            </a:r>
-            <a:r>
-              <a:rPr lang="en-US" altLang="zh-TW" dirty="0">
-                <a:solidFill>
-                  <a:schemeClr val="dk1"/>
-                </a:solidFill>
-              </a:rPr>
-              <a:t>22:00:00”</a:t>
-            </a:r>
-            <a:r>
-              <a:rPr lang="zh-TW" altLang="en-US" dirty="0">
-                <a:solidFill>
-                  <a:schemeClr val="dk1"/>
-                </a:solidFill>
-              </a:rPr>
-              <a:t> </a:t>
-            </a:r>
-            <a:endParaRPr lang="en-US" altLang="zh-TW" dirty="0"/>
+              <a:t>請使用課程練習</a:t>
+            </a:r>
+            <a:r>
+              <a:rPr lang="en-US" altLang="zh-TW" dirty="0"/>
+              <a:t>1</a:t>
+            </a:r>
+            <a:r>
+              <a:rPr lang="zh-TW" altLang="en-US" dirty="0"/>
+              <a:t>提及的那則娛樂新聞以及裡面的來分析裡面提及那些時間點。</a:t>
+            </a:r>
           </a:p>
         </p:txBody>
       </p:sp>
@@ -24937,7 +24846,7 @@
           <p:cNvPr id="4" name="投影片編號版面配置區 3">
             <a:extLst>
               <a:ext uri="{FF2B5EF4-FFF2-40B4-BE49-F238E27FC236}">
-                <a16:creationId xmlns:a16="http://schemas.microsoft.com/office/drawing/2014/main" id="{AC09661A-C95F-49E4-9689-5A9F3E3BB3A2}"/>
+                <a16:creationId xmlns:a16="http://schemas.microsoft.com/office/drawing/2014/main" id="{2CC01F5A-79FE-4749-A5D8-66E7CE7D017A}"/>
               </a:ext>
             </a:extLst>
           </p:cNvPr>
@@ -24970,88 +24879,10 @@
           </a:p>
         </p:txBody>
       </p:sp>
-      <p:sp>
-        <p:nvSpPr>
-          <p:cNvPr id="5" name="Google Shape;202;p3">
-            <a:extLst>
-              <a:ext uri="{FF2B5EF4-FFF2-40B4-BE49-F238E27FC236}">
-                <a16:creationId xmlns:a16="http://schemas.microsoft.com/office/drawing/2014/main" id="{DC8B3E3B-C82B-4780-B752-7F03C4CC0A60}"/>
-              </a:ext>
-            </a:extLst>
-          </p:cNvPr>
-          <p:cNvSpPr/>
-          <p:nvPr/>
-        </p:nvSpPr>
-        <p:spPr>
-          <a:xfrm>
-            <a:off x="1203767" y="2351822"/>
-            <a:ext cx="7543801" cy="1077178"/>
-          </a:xfrm>
-          <a:prstGeom prst="rect">
-            <a:avLst/>
-          </a:prstGeom>
-          <a:solidFill>
-            <a:srgbClr val="DEF4FB"/>
-          </a:solidFill>
-          <a:ln>
-            <a:noFill/>
-          </a:ln>
-        </p:spPr>
-        <p:txBody>
-          <a:bodyPr spcFirstLastPara="1" wrap="square" lIns="91425" tIns="45700" rIns="91425" bIns="45700" anchor="t" anchorCtr="0">
-            <a:spAutoFit/>
-          </a:bodyPr>
-          <a:lstStyle/>
-          <a:p>
-            <a:pPr lvl="0"/>
-            <a:r>
-              <a:rPr lang="en-US" sz="1600">
-                <a:solidFill>
-                  <a:schemeClr val="dk1"/>
-                </a:solidFill>
-              </a:rPr>
-              <a:t>[[{'absolute': False, 'datetime': '2021-07-04 22:00:00', 'text': '</a:t>
-            </a:r>
-            <a:r>
-              <a:rPr lang="zh-TW" altLang="en-US" sz="1600">
-                <a:solidFill>
-                  <a:schemeClr val="dk1"/>
-                </a:solidFill>
-              </a:rPr>
-              <a:t>昨晚</a:t>
-            </a:r>
-            <a:r>
-              <a:rPr lang="en-US" altLang="zh-TW" sz="1600">
-                <a:solidFill>
-                  <a:schemeClr val="dk1"/>
-                </a:solidFill>
-              </a:rPr>
-              <a:t>', '</a:t>
-            </a:r>
-            <a:r>
-              <a:rPr lang="en-US" sz="1600">
-                <a:solidFill>
-                  <a:schemeClr val="dk1"/>
-                </a:solidFill>
-              </a:rPr>
-              <a:t>time_span': {'year': [2021, 2021], 'month': [7, 7], 'weekday': [7, 7], 'day': [4, 4], 'hour': [22, 2], 'minute': [0, 59], 'second': [0, 59], 'time_period': 'night'}}], [], [], '\n', [], [], [], [], [], '\n', [], [], [], [], [], [], '\n', [], [], [], [], [], [], '\n', [], []]</a:t>
-            </a:r>
-            <a:endParaRPr sz="1600" dirty="0">
-              <a:solidFill>
-                <a:schemeClr val="dk1"/>
-              </a:solidFill>
-              <a:latin typeface="Arial"/>
-              <a:ea typeface="Arial"/>
-              <a:cs typeface="Arial"/>
-              <a:sym typeface="Arial"/>
-            </a:endParaRPr>
-          </a:p>
-        </p:txBody>
-      </p:sp>
     </p:spTree>
     <p:extLst>
       <p:ext uri="{BB962C8B-B14F-4D97-AF65-F5344CB8AC3E}">
-        <p14:creationId xmlns:p14="http://schemas.microsoft.com/office/powerpoint/2010/main" val="2411492329"/>
+        <p14:creationId xmlns:p14="http://schemas.microsoft.com/office/powerpoint/2010/main" val="715652478"/>
       </p:ext>
     </p:extLst>
   </p:cSld>
@@ -25083,7 +24914,7 @@
           <p:cNvPr id="2" name="標題 1">
             <a:extLst>
               <a:ext uri="{FF2B5EF4-FFF2-40B4-BE49-F238E27FC236}">
-                <a16:creationId xmlns:a16="http://schemas.microsoft.com/office/drawing/2014/main" id="{BBE212B6-EC29-46E7-BE3D-763832F3001C}"/>
+                <a16:creationId xmlns:a16="http://schemas.microsoft.com/office/drawing/2014/main" id="{455EEFF4-55A9-4936-A694-BD3C09D31967}"/>
               </a:ext>
             </a:extLst>
           </p:cNvPr>
@@ -25100,14 +24931,21 @@
           <a:lstStyle/>
           <a:p>
             <a:r>
+              <a:rPr lang="zh-TW" altLang="zh-TW" dirty="0"/>
+              <a:t>從文本中抽詞</a:t>
+            </a:r>
+            <a:r>
               <a:rPr lang="zh-TW" altLang="en-US" dirty="0"/>
-              <a:t>課間練習</a:t>
+              <a:t> </a:t>
             </a:r>
             <a:r>
               <a:rPr lang="en-US" altLang="zh-TW" dirty="0"/>
-              <a:t>4</a:t>
-            </a:r>
-            <a:endParaRPr lang="zh-TW" altLang="en-US" dirty="0"/>
+              <a:t>– </a:t>
+            </a:r>
+            <a:r>
+              <a:rPr lang="zh-TW" altLang="en-US" dirty="0"/>
+              <a:t>「地」一般地點</a:t>
+            </a:r>
           </a:p>
         </p:txBody>
       </p:sp>
@@ -25116,7 +24954,7 @@
           <p:cNvPr id="3" name="文字版面配置區 2">
             <a:extLst>
               <a:ext uri="{FF2B5EF4-FFF2-40B4-BE49-F238E27FC236}">
-                <a16:creationId xmlns:a16="http://schemas.microsoft.com/office/drawing/2014/main" id="{C05A4628-9611-44D6-BFA5-42A982738E97}"/>
+                <a16:creationId xmlns:a16="http://schemas.microsoft.com/office/drawing/2014/main" id="{44443741-AA3A-431C-9E92-C160BA3F363C}"/>
               </a:ext>
             </a:extLst>
           </p:cNvPr>
@@ -25133,17 +24971,72 @@
           <a:lstStyle/>
           <a:p>
             <a:r>
-              <a:rPr lang="zh-TW" altLang="en-US" dirty="0"/>
-              <a:t>請使用課程練習</a:t>
-            </a:r>
-            <a:r>
-              <a:rPr lang="en-US" altLang="zh-TW" dirty="0"/>
-              <a:t>1</a:t>
-            </a:r>
-            <a:r>
-              <a:rPr lang="zh-TW" altLang="en-US" dirty="0"/>
-              <a:t>提及的那則娛樂新聞以及裡面的來分析裡面提及那些時間點。</a:t>
-            </a:r>
+              <a:rPr lang="en-US" altLang="zh-TW" dirty="0" err="1">
+                <a:solidFill>
+                  <a:schemeClr val="dk1"/>
+                </a:solidFill>
+              </a:rPr>
+              <a:t>Articut</a:t>
+            </a:r>
+            <a:r>
+              <a:rPr lang="en-US" altLang="zh-TW" dirty="0">
+                <a:solidFill>
+                  <a:schemeClr val="dk1"/>
+                </a:solidFill>
+              </a:rPr>
+              <a:t> </a:t>
+            </a:r>
+            <a:r>
+              <a:rPr lang="zh-TW" altLang="en-US" dirty="0">
+                <a:solidFill>
+                  <a:schemeClr val="dk1"/>
+                </a:solidFill>
+              </a:rPr>
+              <a:t>自帶的 </a:t>
+            </a:r>
+            <a:r>
+              <a:rPr lang="en-US" altLang="zh-TW" b="1" dirty="0">
+                <a:solidFill>
+                  <a:schemeClr val="dk1"/>
+                </a:solidFill>
+              </a:rPr>
+              <a:t>.</a:t>
+            </a:r>
+            <a:r>
+              <a:rPr lang="en-US" altLang="zh-TW" b="1" dirty="0" err="1">
+                <a:solidFill>
+                  <a:schemeClr val="dk1"/>
+                </a:solidFill>
+              </a:rPr>
+              <a:t>getLocationStemLIST</a:t>
+            </a:r>
+            <a:r>
+              <a:rPr lang="en-US" altLang="zh-TW" b="1" dirty="0">
+                <a:solidFill>
+                  <a:schemeClr val="dk1"/>
+                </a:solidFill>
+              </a:rPr>
+              <a:t>()</a:t>
+            </a:r>
+            <a:r>
+              <a:rPr lang="en-US" altLang="zh-TW" dirty="0">
+                <a:solidFill>
+                  <a:schemeClr val="dk1"/>
+                </a:solidFill>
+              </a:rPr>
+              <a:t> </a:t>
+            </a:r>
+            <a:r>
+              <a:rPr lang="zh-TW" altLang="en-US" dirty="0">
+                <a:solidFill>
+                  <a:schemeClr val="dk1"/>
+                </a:solidFill>
+              </a:rPr>
+              <a:t>函式可以像前述取得人名列表一樣地操作，將文本中指涉「某種地方」或「位置」的詞彙抽出。</a:t>
+            </a:r>
+          </a:p>
+          <a:p>
+            <a:endParaRPr lang="zh-TW" altLang="en-US" dirty="0"/>
           </a:p>
         </p:txBody>
       </p:sp>
@@ -25152,7 +25045,7 @@
           <p:cNvPr id="4" name="投影片編號版面配置區 3">
             <a:extLst>
               <a:ext uri="{FF2B5EF4-FFF2-40B4-BE49-F238E27FC236}">
-                <a16:creationId xmlns:a16="http://schemas.microsoft.com/office/drawing/2014/main" id="{2CC01F5A-79FE-4749-A5D8-66E7CE7D017A}"/>
+                <a16:creationId xmlns:a16="http://schemas.microsoft.com/office/drawing/2014/main" id="{2746194B-4380-46E5-941C-9FA8E5CC0169}"/>
               </a:ext>
             </a:extLst>
           </p:cNvPr>
@@ -25185,10 +25078,493 @@
           </a:p>
         </p:txBody>
       </p:sp>
+      <p:sp>
+        <p:nvSpPr>
+          <p:cNvPr id="5" name="Google Shape;201;p3">
+            <a:extLst>
+              <a:ext uri="{FF2B5EF4-FFF2-40B4-BE49-F238E27FC236}">
+                <a16:creationId xmlns:a16="http://schemas.microsoft.com/office/drawing/2014/main" id="{E16AE0C7-42DF-4B8B-A420-3D501C621750}"/>
+              </a:ext>
+            </a:extLst>
+          </p:cNvPr>
+          <p:cNvSpPr txBox="1"/>
+          <p:nvPr/>
+        </p:nvSpPr>
+        <p:spPr>
+          <a:xfrm>
+            <a:off x="1194586" y="2834365"/>
+            <a:ext cx="10310899" cy="1754286"/>
+          </a:xfrm>
+          <a:prstGeom prst="rect">
+            <a:avLst/>
+          </a:prstGeom>
+          <a:noFill/>
+          <a:ln w="9525" cap="flat" cmpd="sng">
+            <a:solidFill>
+              <a:srgbClr val="16B0E3"/>
+            </a:solidFill>
+            <a:prstDash val="dash"/>
+            <a:round/>
+            <a:headEnd type="none" w="sm" len="sm"/>
+            <a:tailEnd type="none" w="sm" len="sm"/>
+          </a:ln>
+        </p:spPr>
+        <p:txBody>
+          <a:bodyPr spcFirstLastPara="1" wrap="square" lIns="91425" tIns="45700" rIns="91425" bIns="45700" anchor="t" anchorCtr="0">
+            <a:spAutoFit/>
+          </a:bodyPr>
+          <a:lstStyle/>
+          <a:p>
+            <a:pPr marL="0" marR="0" lvl="0" indent="0" algn="l" rtl="0">
+              <a:spcBef>
+                <a:spcPts val="0"/>
+              </a:spcBef>
+              <a:spcAft>
+                <a:spcPts val="0"/>
+              </a:spcAft>
+              <a:buNone/>
+            </a:pPr>
+            <a:r>
+              <a:rPr lang="en-US" sz="1800" dirty="0" err="1">
+                <a:solidFill>
+                  <a:schemeClr val="dk1"/>
+                </a:solidFill>
+                <a:latin typeface="Courier New"/>
+                <a:ea typeface="Courier New"/>
+                <a:cs typeface="Courier New"/>
+                <a:sym typeface="Courier New"/>
+              </a:rPr>
+              <a:t>baseballlocLIST</a:t>
+            </a:r>
+            <a:r>
+              <a:rPr lang="en-US" sz="1800" dirty="0">
+                <a:solidFill>
+                  <a:schemeClr val="dk1"/>
+                </a:solidFill>
+                <a:latin typeface="Courier New"/>
+                <a:ea typeface="Courier New"/>
+                <a:cs typeface="Courier New"/>
+                <a:sym typeface="Courier New"/>
+              </a:rPr>
+              <a:t> = </a:t>
+            </a:r>
+            <a:r>
+              <a:rPr lang="en-US" sz="1800" dirty="0" err="1">
+                <a:solidFill>
+                  <a:schemeClr val="dk1"/>
+                </a:solidFill>
+                <a:latin typeface="Courier New"/>
+                <a:ea typeface="Courier New"/>
+                <a:cs typeface="Courier New"/>
+                <a:sym typeface="Courier New"/>
+              </a:rPr>
+              <a:t>articut.getLocationStemLIST</a:t>
+            </a:r>
+            <a:r>
+              <a:rPr lang="en-US" sz="1800" dirty="0">
+                <a:solidFill>
+                  <a:schemeClr val="dk1"/>
+                </a:solidFill>
+                <a:latin typeface="Courier New"/>
+                <a:ea typeface="Courier New"/>
+                <a:cs typeface="Courier New"/>
+                <a:sym typeface="Courier New"/>
+              </a:rPr>
+              <a:t>(</a:t>
+            </a:r>
+            <a:r>
+              <a:rPr lang="en-US" sz="1800" dirty="0" err="1">
+                <a:solidFill>
+                  <a:schemeClr val="dk1"/>
+                </a:solidFill>
+                <a:latin typeface="Courier New"/>
+                <a:ea typeface="Courier New"/>
+                <a:cs typeface="Courier New"/>
+                <a:sym typeface="Courier New"/>
+              </a:rPr>
+              <a:t>baseballResultDICT</a:t>
+            </a:r>
+            <a:r>
+              <a:rPr lang="en-US" sz="1800" dirty="0">
+                <a:solidFill>
+                  <a:schemeClr val="dk1"/>
+                </a:solidFill>
+                <a:latin typeface="Courier New"/>
+                <a:ea typeface="Courier New"/>
+                <a:cs typeface="Courier New"/>
+                <a:sym typeface="Courier New"/>
+              </a:rPr>
+              <a:t>) </a:t>
+            </a:r>
+          </a:p>
+          <a:p>
+            <a:pPr lvl="0"/>
+            <a:r>
+              <a:rPr lang="en-US" sz="1800" dirty="0">
+                <a:solidFill>
+                  <a:schemeClr val="dk1"/>
+                </a:solidFill>
+                <a:latin typeface="Courier New"/>
+                <a:ea typeface="Courier New"/>
+                <a:cs typeface="Courier New"/>
+                <a:sym typeface="Courier New"/>
+              </a:rPr>
+              <a:t>print(</a:t>
+            </a:r>
+            <a:r>
+              <a:rPr lang="en-US" altLang="zh-TW" sz="1800" dirty="0" err="1">
+                <a:solidFill>
+                  <a:schemeClr val="dk1"/>
+                </a:solidFill>
+                <a:latin typeface="Courier New"/>
+                <a:ea typeface="Courier New"/>
+                <a:cs typeface="Courier New"/>
+                <a:sym typeface="Courier New"/>
+              </a:rPr>
+              <a:t>baseballlocLIST</a:t>
+            </a:r>
+            <a:r>
+              <a:rPr lang="en-US" altLang="zh-TW" sz="1800" dirty="0">
+                <a:solidFill>
+                  <a:schemeClr val="dk1"/>
+                </a:solidFill>
+                <a:latin typeface="Courier New"/>
+                <a:ea typeface="Courier New"/>
+                <a:cs typeface="Courier New"/>
+                <a:sym typeface="Courier New"/>
+              </a:rPr>
+              <a:t>)</a:t>
+            </a:r>
+          </a:p>
+          <a:p>
+            <a:pPr lvl="0"/>
+            <a:endParaRPr lang="en-US" altLang="zh-TW" sz="1800" dirty="0">
+              <a:solidFill>
+                <a:schemeClr val="dk1"/>
+              </a:solidFill>
+              <a:latin typeface="Courier New"/>
+              <a:ea typeface="Courier New"/>
+              <a:cs typeface="Courier New"/>
+              <a:sym typeface="Courier New"/>
+            </a:endParaRPr>
+          </a:p>
+          <a:p>
+            <a:pPr lvl="0"/>
+            <a:r>
+              <a:rPr lang="en-US" altLang="zh-TW" sz="1800" dirty="0" err="1">
+                <a:solidFill>
+                  <a:schemeClr val="dk1"/>
+                </a:solidFill>
+                <a:latin typeface="Courier New"/>
+                <a:ea typeface="Courier New"/>
+                <a:cs typeface="Courier New"/>
+                <a:sym typeface="Courier New"/>
+              </a:rPr>
+              <a:t>basketballlocLIST</a:t>
+            </a:r>
+            <a:r>
+              <a:rPr lang="en-US" altLang="zh-TW" sz="1800" dirty="0">
+                <a:solidFill>
+                  <a:schemeClr val="dk1"/>
+                </a:solidFill>
+                <a:latin typeface="Courier New"/>
+                <a:ea typeface="Courier New"/>
+                <a:cs typeface="Courier New"/>
+                <a:sym typeface="Courier New"/>
+              </a:rPr>
+              <a:t> = </a:t>
+            </a:r>
+            <a:r>
+              <a:rPr lang="en-US" altLang="zh-TW" sz="1800" dirty="0" err="1">
+                <a:solidFill>
+                  <a:schemeClr val="dk1"/>
+                </a:solidFill>
+                <a:latin typeface="Courier New"/>
+                <a:ea typeface="Courier New"/>
+                <a:cs typeface="Courier New"/>
+                <a:sym typeface="Courier New"/>
+              </a:rPr>
+              <a:t>articut.getLocationStemLIST</a:t>
+            </a:r>
+            <a:r>
+              <a:rPr lang="en-US" altLang="zh-TW" sz="1800" dirty="0">
+                <a:solidFill>
+                  <a:schemeClr val="dk1"/>
+                </a:solidFill>
+                <a:latin typeface="Courier New"/>
+                <a:ea typeface="Courier New"/>
+                <a:cs typeface="Courier New"/>
+                <a:sym typeface="Courier New"/>
+              </a:rPr>
+              <a:t>(</a:t>
+            </a:r>
+            <a:r>
+              <a:rPr lang="en-US" altLang="zh-TW" sz="1800" dirty="0" err="1">
+                <a:solidFill>
+                  <a:schemeClr val="dk1"/>
+                </a:solidFill>
+                <a:latin typeface="Courier New"/>
+                <a:ea typeface="Courier New"/>
+                <a:cs typeface="Courier New"/>
+                <a:sym typeface="Courier New"/>
+              </a:rPr>
+              <a:t>basketballResultDICT</a:t>
+            </a:r>
+            <a:r>
+              <a:rPr lang="en-US" altLang="zh-TW" sz="1800" dirty="0">
+                <a:solidFill>
+                  <a:schemeClr val="dk1"/>
+                </a:solidFill>
+                <a:latin typeface="Courier New"/>
+                <a:ea typeface="Courier New"/>
+                <a:cs typeface="Courier New"/>
+                <a:sym typeface="Courier New"/>
+              </a:rPr>
+              <a:t>) </a:t>
+            </a:r>
+          </a:p>
+          <a:p>
+            <a:pPr lvl="0"/>
+            <a:r>
+              <a:rPr lang="en-US" altLang="zh-TW" sz="1800" dirty="0">
+                <a:solidFill>
+                  <a:schemeClr val="dk1"/>
+                </a:solidFill>
+                <a:latin typeface="Courier New"/>
+                <a:ea typeface="Courier New"/>
+                <a:cs typeface="Courier New"/>
+                <a:sym typeface="Courier New"/>
+              </a:rPr>
+              <a:t>print(</a:t>
+            </a:r>
+            <a:r>
+              <a:rPr lang="en-US" altLang="zh-TW" sz="1800" dirty="0" err="1">
+                <a:solidFill>
+                  <a:schemeClr val="dk1"/>
+                </a:solidFill>
+                <a:latin typeface="Courier New"/>
+                <a:ea typeface="Courier New"/>
+                <a:cs typeface="Courier New"/>
+                <a:sym typeface="Courier New"/>
+              </a:rPr>
+              <a:t>basketballlocLIST</a:t>
+            </a:r>
+            <a:r>
+              <a:rPr lang="en-US" altLang="zh-TW" sz="1800" dirty="0">
+                <a:solidFill>
+                  <a:schemeClr val="dk1"/>
+                </a:solidFill>
+                <a:latin typeface="Courier New"/>
+                <a:ea typeface="Courier New"/>
+                <a:cs typeface="Courier New"/>
+                <a:sym typeface="Courier New"/>
+              </a:rPr>
+              <a:t>)</a:t>
+            </a:r>
+          </a:p>
+          <a:p>
+            <a:pPr lvl="0"/>
+            <a:endParaRPr sz="1800" dirty="0">
+              <a:solidFill>
+                <a:schemeClr val="dk1"/>
+              </a:solidFill>
+              <a:latin typeface="Courier New"/>
+              <a:ea typeface="Courier New"/>
+              <a:cs typeface="Courier New"/>
+              <a:sym typeface="Courier New"/>
+            </a:endParaRPr>
+          </a:p>
+        </p:txBody>
+      </p:sp>
+      <p:sp>
+        <p:nvSpPr>
+          <p:cNvPr id="6" name="Google Shape;202;p3">
+            <a:extLst>
+              <a:ext uri="{FF2B5EF4-FFF2-40B4-BE49-F238E27FC236}">
+                <a16:creationId xmlns:a16="http://schemas.microsoft.com/office/drawing/2014/main" id="{AE0A4CFB-91BD-4471-BCA0-EBCF205AE579}"/>
+              </a:ext>
+            </a:extLst>
+          </p:cNvPr>
+          <p:cNvSpPr/>
+          <p:nvPr/>
+        </p:nvSpPr>
+        <p:spPr>
+          <a:xfrm>
+            <a:off x="1178076" y="4782619"/>
+            <a:ext cx="10364431" cy="1323399"/>
+          </a:xfrm>
+          <a:prstGeom prst="rect">
+            <a:avLst/>
+          </a:prstGeom>
+          <a:solidFill>
+            <a:srgbClr val="DEF4FB"/>
+          </a:solidFill>
+          <a:ln>
+            <a:noFill/>
+          </a:ln>
+        </p:spPr>
+        <p:txBody>
+          <a:bodyPr spcFirstLastPara="1" wrap="square" lIns="91425" tIns="45700" rIns="91425" bIns="45700" anchor="t" anchorCtr="0">
+            <a:spAutoFit/>
+          </a:bodyPr>
+          <a:lstStyle/>
+          <a:p>
+            <a:pPr marL="0" marR="0" lvl="0" indent="0" algn="l" rtl="0">
+              <a:spcBef>
+                <a:spcPts val="0"/>
+              </a:spcBef>
+              <a:spcAft>
+                <a:spcPts val="0"/>
+              </a:spcAft>
+              <a:buNone/>
+            </a:pPr>
+            <a:r>
+              <a:rPr lang="zh-TW" sz="1600" u="sng" dirty="0">
+                <a:solidFill>
+                  <a:schemeClr val="dk1"/>
+                </a:solidFill>
+                <a:latin typeface="Arial"/>
+                <a:ea typeface="Arial"/>
+                <a:cs typeface="Arial"/>
+                <a:sym typeface="Arial"/>
+              </a:rPr>
+              <a:t>執行結果</a:t>
+            </a:r>
+            <a:endParaRPr lang="en-US" altLang="zh-TW" sz="1600" u="sng" dirty="0">
+              <a:solidFill>
+                <a:schemeClr val="dk1"/>
+              </a:solidFill>
+              <a:latin typeface="Arial"/>
+              <a:ea typeface="Arial"/>
+              <a:cs typeface="Arial"/>
+              <a:sym typeface="Arial"/>
+            </a:endParaRPr>
+          </a:p>
+          <a:p>
+            <a:pPr lvl="0"/>
+            <a:r>
+              <a:rPr lang="en-US" altLang="zh-TW" sz="1600" dirty="0">
+                <a:solidFill>
+                  <a:schemeClr val="dk1"/>
+                </a:solidFill>
+              </a:rPr>
+              <a:t>['</a:t>
+            </a:r>
+            <a:r>
+              <a:rPr lang="zh-TW" altLang="en-US" sz="1600" dirty="0">
+                <a:solidFill>
+                  <a:schemeClr val="dk1"/>
+                </a:solidFill>
+              </a:rPr>
+              <a:t>球帶內</a:t>
+            </a:r>
+            <a:r>
+              <a:rPr lang="en-US" altLang="zh-TW" sz="1600" dirty="0">
+                <a:solidFill>
+                  <a:schemeClr val="dk1"/>
+                </a:solidFill>
+              </a:rPr>
+              <a:t>', '</a:t>
+            </a:r>
+            <a:r>
+              <a:rPr lang="zh-TW" altLang="en-US" sz="1600" dirty="0">
+                <a:solidFill>
+                  <a:schemeClr val="dk1"/>
+                </a:solidFill>
+              </a:rPr>
+              <a:t>紐約</a:t>
+            </a:r>
+            <a:r>
+              <a:rPr lang="en-US" altLang="zh-TW" sz="1600" dirty="0">
+                <a:solidFill>
+                  <a:schemeClr val="dk1"/>
+                </a:solidFill>
+              </a:rPr>
+              <a:t>’]</a:t>
+            </a:r>
+          </a:p>
+          <a:p>
+            <a:pPr lvl="0"/>
+            <a:endParaRPr lang="en-US" altLang="zh-TW" sz="1600" u="sng" dirty="0">
+              <a:solidFill>
+                <a:schemeClr val="dk1"/>
+              </a:solidFill>
+            </a:endParaRPr>
+          </a:p>
+          <a:p>
+            <a:pPr lvl="0"/>
+            <a:r>
+              <a:rPr lang="zh-TW" altLang="en-US" sz="1600" u="sng" dirty="0">
+                <a:solidFill>
+                  <a:schemeClr val="dk1"/>
+                </a:solidFill>
+              </a:rPr>
+              <a:t>籃球執行結果</a:t>
+            </a:r>
+            <a:endParaRPr lang="en-US" altLang="zh-TW" sz="1600" u="sng" dirty="0">
+              <a:solidFill>
+                <a:schemeClr val="dk1"/>
+              </a:solidFill>
+            </a:endParaRPr>
+          </a:p>
+          <a:p>
+            <a:pPr lvl="0"/>
+            <a:r>
+              <a:rPr lang="en-US" altLang="zh-TW" sz="1600" dirty="0">
+                <a:solidFill>
+                  <a:schemeClr val="dk1"/>
+                </a:solidFill>
+              </a:rPr>
+              <a:t>['</a:t>
+            </a:r>
+            <a:r>
+              <a:rPr lang="zh-TW" altLang="en-US" sz="1600" dirty="0">
+                <a:solidFill>
+                  <a:schemeClr val="dk1"/>
+                </a:solidFill>
+              </a:rPr>
+              <a:t>紐約</a:t>
+            </a:r>
+            <a:r>
+              <a:rPr lang="en-US" altLang="zh-TW" sz="1600" dirty="0">
+                <a:solidFill>
+                  <a:schemeClr val="dk1"/>
+                </a:solidFill>
+              </a:rPr>
+              <a:t>', '</a:t>
+            </a:r>
+            <a:r>
+              <a:rPr lang="zh-TW" altLang="en-US" sz="1600" dirty="0">
+                <a:solidFill>
+                  <a:schemeClr val="dk1"/>
+                </a:solidFill>
+              </a:rPr>
+              <a:t>西區</a:t>
+            </a:r>
+            <a:r>
+              <a:rPr lang="en-US" altLang="zh-TW" sz="1600" dirty="0">
+                <a:solidFill>
+                  <a:schemeClr val="dk1"/>
+                </a:solidFill>
+              </a:rPr>
+              <a:t>']</a:t>
+            </a:r>
+            <a:endParaRPr sz="1600" dirty="0">
+              <a:solidFill>
+                <a:schemeClr val="dk1"/>
+              </a:solidFill>
+              <a:latin typeface="Arial"/>
+              <a:ea typeface="Arial"/>
+              <a:cs typeface="Arial"/>
+              <a:sym typeface="Arial"/>
+            </a:endParaRPr>
+          </a:p>
+        </p:txBody>
+      </p:sp>
     </p:spTree>
     <p:extLst>
       <p:ext uri="{BB962C8B-B14F-4D97-AF65-F5344CB8AC3E}">
-        <p14:creationId xmlns:p14="http://schemas.microsoft.com/office/powerpoint/2010/main" val="715652478"/>
+        <p14:creationId xmlns:p14="http://schemas.microsoft.com/office/powerpoint/2010/main" val="1746204362"/>
       </p:ext>
     </p:extLst>
   </p:cSld>
@@ -25250,688 +25626,6 @@
             </a:r>
             <a:r>
               <a:rPr lang="zh-TW" altLang="en-US" dirty="0"/>
-              <a:t>「地」一般地點</a:t>
-            </a:r>
-          </a:p>
-        </p:txBody>
-      </p:sp>
-      <p:sp>
-        <p:nvSpPr>
-          <p:cNvPr id="3" name="文字版面配置區 2">
-            <a:extLst>
-              <a:ext uri="{FF2B5EF4-FFF2-40B4-BE49-F238E27FC236}">
-                <a16:creationId xmlns:a16="http://schemas.microsoft.com/office/drawing/2014/main" id="{44443741-AA3A-431C-9E92-C160BA3F363C}"/>
-              </a:ext>
-            </a:extLst>
-          </p:cNvPr>
-          <p:cNvSpPr>
-            <a:spLocks noGrp="1"/>
-          </p:cNvSpPr>
-          <p:nvPr>
-            <p:ph type="body" idx="1"/>
-          </p:nvPr>
-        </p:nvSpPr>
-        <p:spPr/>
-        <p:txBody>
-          <a:bodyPr/>
-          <a:lstStyle/>
-          <a:p>
-            <a:r>
-              <a:rPr lang="en-US" altLang="zh-TW" dirty="0" err="1">
-                <a:solidFill>
-                  <a:schemeClr val="dk1"/>
-                </a:solidFill>
-              </a:rPr>
-              <a:t>Articut</a:t>
-            </a:r>
-            <a:r>
-              <a:rPr lang="en-US" altLang="zh-TW" dirty="0">
-                <a:solidFill>
-                  <a:schemeClr val="dk1"/>
-                </a:solidFill>
-              </a:rPr>
-              <a:t> </a:t>
-            </a:r>
-            <a:r>
-              <a:rPr lang="zh-TW" altLang="en-US" dirty="0">
-                <a:solidFill>
-                  <a:schemeClr val="dk1"/>
-                </a:solidFill>
-              </a:rPr>
-              <a:t>自帶的 </a:t>
-            </a:r>
-            <a:r>
-              <a:rPr lang="en-US" altLang="zh-TW" b="1" dirty="0">
-                <a:solidFill>
-                  <a:schemeClr val="dk1"/>
-                </a:solidFill>
-              </a:rPr>
-              <a:t>.</a:t>
-            </a:r>
-            <a:r>
-              <a:rPr lang="en-US" altLang="zh-TW" b="1" dirty="0" err="1">
-                <a:solidFill>
-                  <a:schemeClr val="dk1"/>
-                </a:solidFill>
-              </a:rPr>
-              <a:t>getLocationStemLIST</a:t>
-            </a:r>
-            <a:r>
-              <a:rPr lang="en-US" altLang="zh-TW" b="1" dirty="0">
-                <a:solidFill>
-                  <a:schemeClr val="dk1"/>
-                </a:solidFill>
-              </a:rPr>
-              <a:t>()</a:t>
-            </a:r>
-            <a:r>
-              <a:rPr lang="en-US" altLang="zh-TW" dirty="0">
-                <a:solidFill>
-                  <a:schemeClr val="dk1"/>
-                </a:solidFill>
-              </a:rPr>
-              <a:t> </a:t>
-            </a:r>
-            <a:r>
-              <a:rPr lang="zh-TW" altLang="en-US" dirty="0">
-                <a:solidFill>
-                  <a:schemeClr val="dk1"/>
-                </a:solidFill>
-              </a:rPr>
-              <a:t>函式可以像前述取得人名列表一樣地操作，將文本中指涉「某種地方」或「位置」的詞彙抽出。</a:t>
-            </a:r>
-          </a:p>
-          <a:p>
-            <a:endParaRPr lang="zh-TW" altLang="en-US" dirty="0"/>
-          </a:p>
-        </p:txBody>
-      </p:sp>
-      <p:sp>
-        <p:nvSpPr>
-          <p:cNvPr id="4" name="投影片編號版面配置區 3">
-            <a:extLst>
-              <a:ext uri="{FF2B5EF4-FFF2-40B4-BE49-F238E27FC236}">
-                <a16:creationId xmlns:a16="http://schemas.microsoft.com/office/drawing/2014/main" id="{2746194B-4380-46E5-941C-9FA8E5CC0169}"/>
-              </a:ext>
-            </a:extLst>
-          </p:cNvPr>
-          <p:cNvSpPr>
-            <a:spLocks noGrp="1"/>
-          </p:cNvSpPr>
-          <p:nvPr>
-            <p:ph type="sldNum" idx="12"/>
-          </p:nvPr>
-        </p:nvSpPr>
-        <p:spPr/>
-        <p:txBody>
-          <a:bodyPr/>
-          <a:lstStyle/>
-          <a:p>
-            <a:pPr marL="0" lvl="0" indent="0" algn="r" rtl="0">
-              <a:spcBef>
-                <a:spcPts val="0"/>
-              </a:spcBef>
-              <a:spcAft>
-                <a:spcPts val="0"/>
-              </a:spcAft>
-              <a:buNone/>
-            </a:pPr>
-            <a:fld id="{00000000-1234-1234-1234-123412341234}" type="slidenum">
-              <a:rPr lang="en-US" altLang="zh-TW" smtClean="0"/>
-              <a:t>22</a:t>
-            </a:fld>
-            <a:endParaRPr lang="zh-TW" altLang="en-US"/>
-          </a:p>
-        </p:txBody>
-      </p:sp>
-      <p:sp>
-        <p:nvSpPr>
-          <p:cNvPr id="5" name="Google Shape;201;p3">
-            <a:extLst>
-              <a:ext uri="{FF2B5EF4-FFF2-40B4-BE49-F238E27FC236}">
-                <a16:creationId xmlns:a16="http://schemas.microsoft.com/office/drawing/2014/main" id="{E16AE0C7-42DF-4B8B-A420-3D501C621750}"/>
-              </a:ext>
-            </a:extLst>
-          </p:cNvPr>
-          <p:cNvSpPr txBox="1"/>
-          <p:nvPr/>
-        </p:nvSpPr>
-        <p:spPr>
-          <a:xfrm>
-            <a:off x="1194586" y="2834365"/>
-            <a:ext cx="10310899" cy="1754286"/>
-          </a:xfrm>
-          <a:prstGeom prst="rect">
-            <a:avLst/>
-          </a:prstGeom>
-          <a:noFill/>
-          <a:ln w="9525" cap="flat" cmpd="sng">
-            <a:solidFill>
-              <a:srgbClr val="16B0E3"/>
-            </a:solidFill>
-            <a:prstDash val="dash"/>
-            <a:round/>
-            <a:headEnd type="none" w="sm" len="sm"/>
-            <a:tailEnd type="none" w="sm" len="sm"/>
-          </a:ln>
-        </p:spPr>
-        <p:txBody>
-          <a:bodyPr spcFirstLastPara="1" wrap="square" lIns="91425" tIns="45700" rIns="91425" bIns="45700" anchor="t" anchorCtr="0">
-            <a:spAutoFit/>
-          </a:bodyPr>
-          <a:lstStyle/>
-          <a:p>
-            <a:pPr marL="0" marR="0" lvl="0" indent="0" algn="l" rtl="0">
-              <a:spcBef>
-                <a:spcPts val="0"/>
-              </a:spcBef>
-              <a:spcAft>
-                <a:spcPts val="0"/>
-              </a:spcAft>
-              <a:buNone/>
-            </a:pPr>
-            <a:r>
-              <a:rPr lang="en-US" sz="1800" dirty="0" err="1">
-                <a:solidFill>
-                  <a:schemeClr val="dk1"/>
-                </a:solidFill>
-                <a:latin typeface="Courier New"/>
-                <a:ea typeface="Courier New"/>
-                <a:cs typeface="Courier New"/>
-                <a:sym typeface="Courier New"/>
-              </a:rPr>
-              <a:t>baseballlocLIST</a:t>
-            </a:r>
-            <a:r>
-              <a:rPr lang="en-US" sz="1800" dirty="0">
-                <a:solidFill>
-                  <a:schemeClr val="dk1"/>
-                </a:solidFill>
-                <a:latin typeface="Courier New"/>
-                <a:ea typeface="Courier New"/>
-                <a:cs typeface="Courier New"/>
-                <a:sym typeface="Courier New"/>
-              </a:rPr>
-              <a:t> = </a:t>
-            </a:r>
-            <a:r>
-              <a:rPr lang="en-US" sz="1800" dirty="0" err="1">
-                <a:solidFill>
-                  <a:schemeClr val="dk1"/>
-                </a:solidFill>
-                <a:latin typeface="Courier New"/>
-                <a:ea typeface="Courier New"/>
-                <a:cs typeface="Courier New"/>
-                <a:sym typeface="Courier New"/>
-              </a:rPr>
-              <a:t>articut.getLocationStemLIST</a:t>
-            </a:r>
-            <a:r>
-              <a:rPr lang="en-US" sz="1800" dirty="0">
-                <a:solidFill>
-                  <a:schemeClr val="dk1"/>
-                </a:solidFill>
-                <a:latin typeface="Courier New"/>
-                <a:ea typeface="Courier New"/>
-                <a:cs typeface="Courier New"/>
-                <a:sym typeface="Courier New"/>
-              </a:rPr>
-              <a:t>(</a:t>
-            </a:r>
-            <a:r>
-              <a:rPr lang="en-US" sz="1800" dirty="0" err="1">
-                <a:solidFill>
-                  <a:schemeClr val="dk1"/>
-                </a:solidFill>
-                <a:latin typeface="Courier New"/>
-                <a:ea typeface="Courier New"/>
-                <a:cs typeface="Courier New"/>
-                <a:sym typeface="Courier New"/>
-              </a:rPr>
-              <a:t>baseballResultDICT</a:t>
-            </a:r>
-            <a:r>
-              <a:rPr lang="en-US" sz="1800" dirty="0">
-                <a:solidFill>
-                  <a:schemeClr val="dk1"/>
-                </a:solidFill>
-                <a:latin typeface="Courier New"/>
-                <a:ea typeface="Courier New"/>
-                <a:cs typeface="Courier New"/>
-                <a:sym typeface="Courier New"/>
-              </a:rPr>
-              <a:t>) </a:t>
-            </a:r>
-          </a:p>
-          <a:p>
-            <a:pPr lvl="0"/>
-            <a:r>
-              <a:rPr lang="en-US" sz="1800" dirty="0">
-                <a:solidFill>
-                  <a:schemeClr val="dk1"/>
-                </a:solidFill>
-                <a:latin typeface="Courier New"/>
-                <a:ea typeface="Courier New"/>
-                <a:cs typeface="Courier New"/>
-                <a:sym typeface="Courier New"/>
-              </a:rPr>
-              <a:t>print(</a:t>
-            </a:r>
-            <a:r>
-              <a:rPr lang="en-US" altLang="zh-TW" sz="1800" dirty="0" err="1">
-                <a:solidFill>
-                  <a:schemeClr val="dk1"/>
-                </a:solidFill>
-                <a:latin typeface="Courier New"/>
-                <a:ea typeface="Courier New"/>
-                <a:cs typeface="Courier New"/>
-                <a:sym typeface="Courier New"/>
-              </a:rPr>
-              <a:t>baseballlocLIST</a:t>
-            </a:r>
-            <a:r>
-              <a:rPr lang="en-US" altLang="zh-TW" sz="1800" dirty="0">
-                <a:solidFill>
-                  <a:schemeClr val="dk1"/>
-                </a:solidFill>
-                <a:latin typeface="Courier New"/>
-                <a:ea typeface="Courier New"/>
-                <a:cs typeface="Courier New"/>
-                <a:sym typeface="Courier New"/>
-              </a:rPr>
-              <a:t>)</a:t>
-            </a:r>
-          </a:p>
-          <a:p>
-            <a:pPr lvl="0"/>
-            <a:endParaRPr lang="en-US" altLang="zh-TW" sz="1800" dirty="0">
-              <a:solidFill>
-                <a:schemeClr val="dk1"/>
-              </a:solidFill>
-              <a:latin typeface="Courier New"/>
-              <a:ea typeface="Courier New"/>
-              <a:cs typeface="Courier New"/>
-              <a:sym typeface="Courier New"/>
-            </a:endParaRPr>
-          </a:p>
-          <a:p>
-            <a:pPr lvl="0"/>
-            <a:r>
-              <a:rPr lang="en-US" altLang="zh-TW" sz="1800" dirty="0" err="1">
-                <a:solidFill>
-                  <a:schemeClr val="dk1"/>
-                </a:solidFill>
-                <a:latin typeface="Courier New"/>
-                <a:ea typeface="Courier New"/>
-                <a:cs typeface="Courier New"/>
-                <a:sym typeface="Courier New"/>
-              </a:rPr>
-              <a:t>basketballlocLIST</a:t>
-            </a:r>
-            <a:r>
-              <a:rPr lang="en-US" altLang="zh-TW" sz="1800" dirty="0">
-                <a:solidFill>
-                  <a:schemeClr val="dk1"/>
-                </a:solidFill>
-                <a:latin typeface="Courier New"/>
-                <a:ea typeface="Courier New"/>
-                <a:cs typeface="Courier New"/>
-                <a:sym typeface="Courier New"/>
-              </a:rPr>
-              <a:t> = </a:t>
-            </a:r>
-            <a:r>
-              <a:rPr lang="en-US" altLang="zh-TW" sz="1800" dirty="0" err="1">
-                <a:solidFill>
-                  <a:schemeClr val="dk1"/>
-                </a:solidFill>
-                <a:latin typeface="Courier New"/>
-                <a:ea typeface="Courier New"/>
-                <a:cs typeface="Courier New"/>
-                <a:sym typeface="Courier New"/>
-              </a:rPr>
-              <a:t>articut.getLocationStemLIST</a:t>
-            </a:r>
-            <a:r>
-              <a:rPr lang="en-US" altLang="zh-TW" sz="1800" dirty="0">
-                <a:solidFill>
-                  <a:schemeClr val="dk1"/>
-                </a:solidFill>
-                <a:latin typeface="Courier New"/>
-                <a:ea typeface="Courier New"/>
-                <a:cs typeface="Courier New"/>
-                <a:sym typeface="Courier New"/>
-              </a:rPr>
-              <a:t>(</a:t>
-            </a:r>
-            <a:r>
-              <a:rPr lang="en-US" altLang="zh-TW" sz="1800" dirty="0" err="1">
-                <a:solidFill>
-                  <a:schemeClr val="dk1"/>
-                </a:solidFill>
-                <a:latin typeface="Courier New"/>
-                <a:ea typeface="Courier New"/>
-                <a:cs typeface="Courier New"/>
-                <a:sym typeface="Courier New"/>
-              </a:rPr>
-              <a:t>basketballResultDICT</a:t>
-            </a:r>
-            <a:r>
-              <a:rPr lang="en-US" altLang="zh-TW" sz="1800" dirty="0">
-                <a:solidFill>
-                  <a:schemeClr val="dk1"/>
-                </a:solidFill>
-                <a:latin typeface="Courier New"/>
-                <a:ea typeface="Courier New"/>
-                <a:cs typeface="Courier New"/>
-                <a:sym typeface="Courier New"/>
-              </a:rPr>
-              <a:t>) </a:t>
-            </a:r>
-          </a:p>
-          <a:p>
-            <a:pPr lvl="0"/>
-            <a:r>
-              <a:rPr lang="en-US" altLang="zh-TW" sz="1800" dirty="0">
-                <a:solidFill>
-                  <a:schemeClr val="dk1"/>
-                </a:solidFill>
-                <a:latin typeface="Courier New"/>
-                <a:ea typeface="Courier New"/>
-                <a:cs typeface="Courier New"/>
-                <a:sym typeface="Courier New"/>
-              </a:rPr>
-              <a:t>print(</a:t>
-            </a:r>
-            <a:r>
-              <a:rPr lang="en-US" altLang="zh-TW" sz="1800" dirty="0" err="1">
-                <a:solidFill>
-                  <a:schemeClr val="dk1"/>
-                </a:solidFill>
-                <a:latin typeface="Courier New"/>
-                <a:ea typeface="Courier New"/>
-                <a:cs typeface="Courier New"/>
-                <a:sym typeface="Courier New"/>
-              </a:rPr>
-              <a:t>basketballlocLIST</a:t>
-            </a:r>
-            <a:r>
-              <a:rPr lang="en-US" altLang="zh-TW" sz="1800" dirty="0">
-                <a:solidFill>
-                  <a:schemeClr val="dk1"/>
-                </a:solidFill>
-                <a:latin typeface="Courier New"/>
-                <a:ea typeface="Courier New"/>
-                <a:cs typeface="Courier New"/>
-                <a:sym typeface="Courier New"/>
-              </a:rPr>
-              <a:t>)</a:t>
-            </a:r>
-          </a:p>
-          <a:p>
-            <a:pPr lvl="0"/>
-            <a:endParaRPr sz="1800" dirty="0">
-              <a:solidFill>
-                <a:schemeClr val="dk1"/>
-              </a:solidFill>
-              <a:latin typeface="Courier New"/>
-              <a:ea typeface="Courier New"/>
-              <a:cs typeface="Courier New"/>
-              <a:sym typeface="Courier New"/>
-            </a:endParaRPr>
-          </a:p>
-        </p:txBody>
-      </p:sp>
-      <p:sp>
-        <p:nvSpPr>
-          <p:cNvPr id="6" name="Google Shape;202;p3">
-            <a:extLst>
-              <a:ext uri="{FF2B5EF4-FFF2-40B4-BE49-F238E27FC236}">
-                <a16:creationId xmlns:a16="http://schemas.microsoft.com/office/drawing/2014/main" id="{AE0A4CFB-91BD-4471-BCA0-EBCF205AE579}"/>
-              </a:ext>
-            </a:extLst>
-          </p:cNvPr>
-          <p:cNvSpPr/>
-          <p:nvPr/>
-        </p:nvSpPr>
-        <p:spPr>
-          <a:xfrm>
-            <a:off x="1178076" y="4782619"/>
-            <a:ext cx="10364431" cy="1323399"/>
-          </a:xfrm>
-          <a:prstGeom prst="rect">
-            <a:avLst/>
-          </a:prstGeom>
-          <a:solidFill>
-            <a:srgbClr val="DEF4FB"/>
-          </a:solidFill>
-          <a:ln>
-            <a:noFill/>
-          </a:ln>
-        </p:spPr>
-        <p:txBody>
-          <a:bodyPr spcFirstLastPara="1" wrap="square" lIns="91425" tIns="45700" rIns="91425" bIns="45700" anchor="t" anchorCtr="0">
-            <a:spAutoFit/>
-          </a:bodyPr>
-          <a:lstStyle/>
-          <a:p>
-            <a:pPr marL="0" marR="0" lvl="0" indent="0" algn="l" rtl="0">
-              <a:spcBef>
-                <a:spcPts val="0"/>
-              </a:spcBef>
-              <a:spcAft>
-                <a:spcPts val="0"/>
-              </a:spcAft>
-              <a:buNone/>
-            </a:pPr>
-            <a:r>
-              <a:rPr lang="zh-TW" sz="1600" u="sng" dirty="0">
-                <a:solidFill>
-                  <a:schemeClr val="dk1"/>
-                </a:solidFill>
-                <a:latin typeface="Arial"/>
-                <a:ea typeface="Arial"/>
-                <a:cs typeface="Arial"/>
-                <a:sym typeface="Arial"/>
-              </a:rPr>
-              <a:t>執行結果</a:t>
-            </a:r>
-            <a:endParaRPr lang="en-US" altLang="zh-TW" sz="1600" u="sng" dirty="0">
-              <a:solidFill>
-                <a:schemeClr val="dk1"/>
-              </a:solidFill>
-              <a:latin typeface="Arial"/>
-              <a:ea typeface="Arial"/>
-              <a:cs typeface="Arial"/>
-              <a:sym typeface="Arial"/>
-            </a:endParaRPr>
-          </a:p>
-          <a:p>
-            <a:pPr lvl="0"/>
-            <a:r>
-              <a:rPr lang="en-US" altLang="zh-TW" sz="1600" dirty="0">
-                <a:solidFill>
-                  <a:schemeClr val="dk1"/>
-                </a:solidFill>
-              </a:rPr>
-              <a:t>['</a:t>
-            </a:r>
-            <a:r>
-              <a:rPr lang="zh-TW" altLang="en-US" sz="1600" dirty="0">
-                <a:solidFill>
-                  <a:schemeClr val="dk1"/>
-                </a:solidFill>
-              </a:rPr>
-              <a:t>球帶內</a:t>
-            </a:r>
-            <a:r>
-              <a:rPr lang="en-US" altLang="zh-TW" sz="1600" dirty="0">
-                <a:solidFill>
-                  <a:schemeClr val="dk1"/>
-                </a:solidFill>
-              </a:rPr>
-              <a:t>', '</a:t>
-            </a:r>
-            <a:r>
-              <a:rPr lang="zh-TW" altLang="en-US" sz="1600" dirty="0">
-                <a:solidFill>
-                  <a:schemeClr val="dk1"/>
-                </a:solidFill>
-              </a:rPr>
-              <a:t>紐約</a:t>
-            </a:r>
-            <a:r>
-              <a:rPr lang="en-US" altLang="zh-TW" sz="1600" dirty="0">
-                <a:solidFill>
-                  <a:schemeClr val="dk1"/>
-                </a:solidFill>
-              </a:rPr>
-              <a:t>’]</a:t>
-            </a:r>
-          </a:p>
-          <a:p>
-            <a:pPr lvl="0"/>
-            <a:endParaRPr lang="en-US" altLang="zh-TW" sz="1600" u="sng" dirty="0">
-              <a:solidFill>
-                <a:schemeClr val="dk1"/>
-              </a:solidFill>
-            </a:endParaRPr>
-          </a:p>
-          <a:p>
-            <a:pPr lvl="0"/>
-            <a:r>
-              <a:rPr lang="zh-TW" altLang="en-US" sz="1600" u="sng" dirty="0">
-                <a:solidFill>
-                  <a:schemeClr val="dk1"/>
-                </a:solidFill>
-              </a:rPr>
-              <a:t>籃球執行結果</a:t>
-            </a:r>
-            <a:endParaRPr lang="en-US" altLang="zh-TW" sz="1600" u="sng" dirty="0">
-              <a:solidFill>
-                <a:schemeClr val="dk1"/>
-              </a:solidFill>
-            </a:endParaRPr>
-          </a:p>
-          <a:p>
-            <a:pPr lvl="0"/>
-            <a:r>
-              <a:rPr lang="en-US" altLang="zh-TW" sz="1600" dirty="0">
-                <a:solidFill>
-                  <a:schemeClr val="dk1"/>
-                </a:solidFill>
-              </a:rPr>
-              <a:t>['</a:t>
-            </a:r>
-            <a:r>
-              <a:rPr lang="zh-TW" altLang="en-US" sz="1600" dirty="0">
-                <a:solidFill>
-                  <a:schemeClr val="dk1"/>
-                </a:solidFill>
-              </a:rPr>
-              <a:t>紐約</a:t>
-            </a:r>
-            <a:r>
-              <a:rPr lang="en-US" altLang="zh-TW" sz="1600" dirty="0">
-                <a:solidFill>
-                  <a:schemeClr val="dk1"/>
-                </a:solidFill>
-              </a:rPr>
-              <a:t>', '</a:t>
-            </a:r>
-            <a:r>
-              <a:rPr lang="zh-TW" altLang="en-US" sz="1600" dirty="0">
-                <a:solidFill>
-                  <a:schemeClr val="dk1"/>
-                </a:solidFill>
-              </a:rPr>
-              <a:t>西區</a:t>
-            </a:r>
-            <a:r>
-              <a:rPr lang="en-US" altLang="zh-TW" sz="1600" dirty="0">
-                <a:solidFill>
-                  <a:schemeClr val="dk1"/>
-                </a:solidFill>
-              </a:rPr>
-              <a:t>']</a:t>
-            </a:r>
-            <a:endParaRPr sz="1600" dirty="0">
-              <a:solidFill>
-                <a:schemeClr val="dk1"/>
-              </a:solidFill>
-              <a:latin typeface="Arial"/>
-              <a:ea typeface="Arial"/>
-              <a:cs typeface="Arial"/>
-              <a:sym typeface="Arial"/>
-            </a:endParaRPr>
-          </a:p>
-        </p:txBody>
-      </p:sp>
-    </p:spTree>
-    <p:extLst>
-      <p:ext uri="{BB962C8B-B14F-4D97-AF65-F5344CB8AC3E}">
-        <p14:creationId xmlns:p14="http://schemas.microsoft.com/office/powerpoint/2010/main" val="1746204362"/>
-      </p:ext>
-    </p:extLst>
-  </p:cSld>
-  <p:clrMapOvr>
-    <a:masterClrMapping/>
-  </p:clrMapOvr>
-</p:sld>
-</file>
-
-<file path=ppt/slides/slide23.xml><?xml version="1.0" encoding="utf-8"?>
-<p:sld xmlns:a="http://schemas.openxmlformats.org/drawingml/2006/main" xmlns:r="http://schemas.openxmlformats.org/officeDocument/2006/relationships" xmlns:p="http://schemas.openxmlformats.org/presentationml/2006/main">
-  <p:cSld>
-    <p:spTree>
-      <p:nvGrpSpPr>
-        <p:cNvPr id="1" name=""/>
-        <p:cNvGrpSpPr/>
-        <p:nvPr/>
-      </p:nvGrpSpPr>
-      <p:grpSpPr>
-        <a:xfrm>
-          <a:off x="0" y="0"/>
-          <a:ext cx="0" cy="0"/>
-          <a:chOff x="0" y="0"/>
-          <a:chExt cx="0" cy="0"/>
-        </a:xfrm>
-      </p:grpSpPr>
-      <p:sp>
-        <p:nvSpPr>
-          <p:cNvPr id="2" name="標題 1">
-            <a:extLst>
-              <a:ext uri="{FF2B5EF4-FFF2-40B4-BE49-F238E27FC236}">
-                <a16:creationId xmlns:a16="http://schemas.microsoft.com/office/drawing/2014/main" id="{455EEFF4-55A9-4936-A694-BD3C09D31967}"/>
-              </a:ext>
-            </a:extLst>
-          </p:cNvPr>
-          <p:cNvSpPr>
-            <a:spLocks noGrp="1"/>
-          </p:cNvSpPr>
-          <p:nvPr>
-            <p:ph type="title"/>
-          </p:nvPr>
-        </p:nvSpPr>
-        <p:spPr/>
-        <p:txBody>
-          <a:bodyPr/>
-          <a:lstStyle/>
-          <a:p>
-            <a:r>
-              <a:rPr lang="zh-TW" altLang="zh-TW" dirty="0"/>
-              <a:t>從文本中抽詞</a:t>
-            </a:r>
-            <a:r>
-              <a:rPr lang="zh-TW" altLang="en-US" dirty="0"/>
-              <a:t> </a:t>
-            </a:r>
-            <a:r>
-              <a:rPr lang="en-US" altLang="zh-TW" dirty="0"/>
-              <a:t>– </a:t>
-            </a:r>
-            <a:r>
-              <a:rPr lang="zh-TW" altLang="en-US" dirty="0"/>
               <a:t>「地」景點</a:t>
             </a:r>
           </a:p>
@@ -26094,7 +25788,7 @@
             </a:pPr>
             <a:fld id="{00000000-1234-1234-1234-123412341234}" type="slidenum">
               <a:rPr lang="en-US" altLang="zh-TW" smtClean="0"/>
-              <a:t>23</a:t>
+              <a:t>22</a:t>
             </a:fld>
             <a:endParaRPr lang="zh-TW" altLang="en-US"/>
           </a:p>
@@ -26113,7 +25807,7 @@
 </p:sld>
 </file>
 
-<file path=ppt/slides/slide24.xml><?xml version="1.0" encoding="utf-8"?>
+<file path=ppt/slides/slide23.xml><?xml version="1.0" encoding="utf-8"?>
 <p:sld xmlns:a="http://schemas.openxmlformats.org/drawingml/2006/main" xmlns:r="http://schemas.openxmlformats.org/officeDocument/2006/relationships" xmlns:p="http://schemas.openxmlformats.org/presentationml/2006/main">
   <p:cSld>
     <p:spTree>
@@ -26202,7 +25896,7 @@
             </a:pPr>
             <a:fld id="{00000000-1234-1234-1234-123412341234}" type="slidenum">
               <a:rPr lang="en-US" altLang="zh-TW" smtClean="0"/>
-              <a:t>24</a:t>
+              <a:t>23</a:t>
             </a:fld>
             <a:endParaRPr lang="zh-TW" altLang="en-US"/>
           </a:p>
@@ -26399,7 +26093,7 @@
 </p:sld>
 </file>
 
-<file path=ppt/slides/slide25.xml><?xml version="1.0" encoding="utf-8"?>
+<file path=ppt/slides/slide24.xml><?xml version="1.0" encoding="utf-8"?>
 <p:sld xmlns:a="http://schemas.openxmlformats.org/drawingml/2006/main" xmlns:r="http://schemas.openxmlformats.org/officeDocument/2006/relationships" xmlns:p="http://schemas.openxmlformats.org/presentationml/2006/main">
   <p:cSld>
     <p:spTree>
@@ -26578,7 +26272,7 @@
             </a:pPr>
             <a:fld id="{00000000-1234-1234-1234-123412341234}" type="slidenum">
               <a:rPr lang="en-US" altLang="zh-TW" smtClean="0"/>
-              <a:t>25</a:t>
+              <a:t>24</a:t>
             </a:fld>
             <a:endParaRPr lang="zh-TW" altLang="en-US"/>
           </a:p>
@@ -26873,7 +26567,7 @@
 </p:sld>
 </file>
 
-<file path=ppt/slides/slide26.xml><?xml version="1.0" encoding="utf-8"?>
+<file path=ppt/slides/slide25.xml><?xml version="1.0" encoding="utf-8"?>
 <p:sld xmlns:a="http://schemas.openxmlformats.org/drawingml/2006/main" xmlns:r="http://schemas.openxmlformats.org/officeDocument/2006/relationships" xmlns:p="http://schemas.openxmlformats.org/presentationml/2006/main">
   <p:cSld>
     <p:spTree>
@@ -26994,7 +26688,7 @@
             </a:pPr>
             <a:fld id="{00000000-1234-1234-1234-123412341234}" type="slidenum">
               <a:rPr lang="en-US" altLang="zh-TW" smtClean="0"/>
-              <a:t>26</a:t>
+              <a:t>25</a:t>
             </a:fld>
             <a:endParaRPr lang="zh-TW" altLang="en-US"/>
           </a:p>
@@ -27013,7 +26707,7 @@
 </p:sld>
 </file>
 
-<file path=ppt/slides/slide27.xml><?xml version="1.0" encoding="utf-8"?>
+<file path=ppt/slides/slide26.xml><?xml version="1.0" encoding="utf-8"?>
 <p:sld xmlns:a="http://schemas.openxmlformats.org/drawingml/2006/main" xmlns:r="http://schemas.openxmlformats.org/officeDocument/2006/relationships" xmlns:p="http://schemas.openxmlformats.org/presentationml/2006/main">
   <p:cSld>
     <p:spTree>
@@ -27140,7 +26834,7 @@
             </a:pPr>
             <a:fld id="{00000000-1234-1234-1234-123412341234}" type="slidenum">
               <a:rPr lang="en-US" altLang="zh-TW" smtClean="0"/>
-              <a:t>27</a:t>
+              <a:t>26</a:t>
             </a:fld>
             <a:endParaRPr lang="zh-TW" altLang="en-US"/>
           </a:p>
@@ -28208,7 +27902,7 @@
 </p:sld>
 </file>
 
-<file path=ppt/slides/slide28.xml><?xml version="1.0" encoding="utf-8"?>
+<file path=ppt/slides/slide27.xml><?xml version="1.0" encoding="utf-8"?>
 <p:sld xmlns:a="http://schemas.openxmlformats.org/drawingml/2006/main" xmlns:r="http://schemas.openxmlformats.org/officeDocument/2006/relationships" xmlns:p="http://schemas.openxmlformats.org/presentationml/2006/main">
   <p:cSld>
     <p:spTree>
@@ -28329,7 +28023,7 @@
             </a:pPr>
             <a:fld id="{00000000-1234-1234-1234-123412341234}" type="slidenum">
               <a:rPr lang="en-US" altLang="zh-TW" smtClean="0"/>
-              <a:t>28</a:t>
+              <a:t>27</a:t>
             </a:fld>
             <a:endParaRPr lang="zh-TW" altLang="en-US"/>
           </a:p>
@@ -28348,7 +28042,7 @@
 </p:sld>
 </file>
 
-<file path=ppt/slides/slide29.xml><?xml version="1.0" encoding="utf-8"?>
+<file path=ppt/slides/slide28.xml><?xml version="1.0" encoding="utf-8"?>
 <p:sld xmlns:a="http://schemas.openxmlformats.org/drawingml/2006/main" xmlns:r="http://schemas.openxmlformats.org/officeDocument/2006/relationships" xmlns:p="http://schemas.openxmlformats.org/presentationml/2006/main">
   <p:cSld>
     <p:spTree>
@@ -28453,7 +28147,7 @@
             </a:pPr>
             <a:fld id="{00000000-1234-1234-1234-123412341234}" type="slidenum">
               <a:rPr lang="en-US" altLang="zh-TW" smtClean="0"/>
-              <a:t>29</a:t>
+              <a:t>28</a:t>
             </a:fld>
             <a:endParaRPr lang="zh-TW" altLang="en-US"/>
           </a:p>
@@ -28463,6 +28157,152 @@
     <p:extLst>
       <p:ext uri="{BB962C8B-B14F-4D97-AF65-F5344CB8AC3E}">
         <p14:creationId xmlns:p14="http://schemas.microsoft.com/office/powerpoint/2010/main" val="29732506"/>
+      </p:ext>
+    </p:extLst>
+  </p:cSld>
+  <p:clrMapOvr>
+    <a:masterClrMapping/>
+  </p:clrMapOvr>
+</p:sld>
+</file>
+
+<file path=ppt/slides/slide29.xml><?xml version="1.0" encoding="utf-8"?>
+<p:sld xmlns:a="http://schemas.openxmlformats.org/drawingml/2006/main" xmlns:r="http://schemas.openxmlformats.org/officeDocument/2006/relationships" xmlns:p="http://schemas.openxmlformats.org/presentationml/2006/main">
+  <p:cSld>
+    <p:spTree>
+      <p:nvGrpSpPr>
+        <p:cNvPr id="1" name=""/>
+        <p:cNvGrpSpPr/>
+        <p:nvPr/>
+      </p:nvGrpSpPr>
+      <p:grpSpPr>
+        <a:xfrm>
+          <a:off x="0" y="0"/>
+          <a:ext cx="0" cy="0"/>
+          <a:chOff x="0" y="0"/>
+          <a:chExt cx="0" cy="0"/>
+        </a:xfrm>
+      </p:grpSpPr>
+      <p:sp>
+        <p:nvSpPr>
+          <p:cNvPr id="2" name="標題 1">
+            <a:extLst>
+              <a:ext uri="{FF2B5EF4-FFF2-40B4-BE49-F238E27FC236}">
+                <a16:creationId xmlns:a16="http://schemas.microsoft.com/office/drawing/2014/main" id="{AE3D9963-EAA4-4380-B1AA-A433855146DB}"/>
+              </a:ext>
+            </a:extLst>
+          </p:cNvPr>
+          <p:cNvSpPr>
+            <a:spLocks noGrp="1"/>
+          </p:cNvSpPr>
+          <p:nvPr>
+            <p:ph type="title"/>
+          </p:nvPr>
+        </p:nvSpPr>
+        <p:spPr/>
+        <p:txBody>
+          <a:bodyPr/>
+          <a:lstStyle/>
+          <a:p>
+            <a:r>
+              <a:rPr lang="zh-TW" altLang="en-US" dirty="0"/>
+              <a:t>人事時地物特徵詞應用</a:t>
+            </a:r>
+            <a:r>
+              <a:rPr lang="en-US" altLang="zh-TW" dirty="0"/>
+              <a:t>brainstorm</a:t>
+            </a:r>
+            <a:endParaRPr lang="zh-TW" altLang="en-US" dirty="0"/>
+          </a:p>
+        </p:txBody>
+      </p:sp>
+      <p:sp>
+        <p:nvSpPr>
+          <p:cNvPr id="3" name="文字版面配置區 2">
+            <a:extLst>
+              <a:ext uri="{FF2B5EF4-FFF2-40B4-BE49-F238E27FC236}">
+                <a16:creationId xmlns:a16="http://schemas.microsoft.com/office/drawing/2014/main" id="{0066AD75-BEC1-4083-A0FE-9621C1878F5C}"/>
+              </a:ext>
+            </a:extLst>
+          </p:cNvPr>
+          <p:cNvSpPr>
+            <a:spLocks noGrp="1"/>
+          </p:cNvSpPr>
+          <p:nvPr>
+            <p:ph type="body" idx="1"/>
+          </p:nvPr>
+        </p:nvSpPr>
+        <p:spPr/>
+        <p:txBody>
+          <a:bodyPr/>
+          <a:lstStyle/>
+          <a:p>
+            <a:r>
+              <a:rPr lang="zh-TW" altLang="en-US" dirty="0"/>
+              <a:t>參考內容</a:t>
+            </a:r>
+            <a:endParaRPr lang="en-US" altLang="zh-TW" dirty="0"/>
+          </a:p>
+          <a:p>
+            <a:endParaRPr lang="en-US" altLang="zh-TW" dirty="0"/>
+          </a:p>
+          <a:p>
+            <a:r>
+              <a:rPr lang="zh-TW" altLang="en-US" dirty="0"/>
+              <a:t>看看洗錢文章中可以直接取得人名，接下來可以分析誰是犯人，誰是檢察官，接下來取得的人名可以繼續做後續分析</a:t>
+            </a:r>
+            <a:endParaRPr lang="en-US" altLang="zh-TW" dirty="0"/>
+          </a:p>
+          <a:p>
+            <a:r>
+              <a:rPr lang="zh-TW" altLang="en-US" dirty="0"/>
+              <a:t>如果有好大一篇故事，例如水滸傳，可以取得每個章節的事件，藉此可以用最短時間整理每個章節的大意</a:t>
+            </a:r>
+          </a:p>
+        </p:txBody>
+      </p:sp>
+      <p:sp>
+        <p:nvSpPr>
+          <p:cNvPr id="4" name="投影片編號版面配置區 3">
+            <a:extLst>
+              <a:ext uri="{FF2B5EF4-FFF2-40B4-BE49-F238E27FC236}">
+                <a16:creationId xmlns:a16="http://schemas.microsoft.com/office/drawing/2014/main" id="{0C082339-61DE-4F33-8396-8A443855F9FB}"/>
+              </a:ext>
+            </a:extLst>
+          </p:cNvPr>
+          <p:cNvSpPr>
+            <a:spLocks noGrp="1"/>
+          </p:cNvSpPr>
+          <p:nvPr>
+            <p:ph type="sldNum" idx="12"/>
+          </p:nvPr>
+        </p:nvSpPr>
+        <p:spPr/>
+        <p:txBody>
+          <a:bodyPr/>
+          <a:lstStyle/>
+          <a:p>
+            <a:pPr marL="0" lvl="0" indent="0" algn="r" rtl="0">
+              <a:spcBef>
+                <a:spcPts val="0"/>
+              </a:spcBef>
+              <a:spcAft>
+                <a:spcPts val="0"/>
+              </a:spcAft>
+              <a:buNone/>
+            </a:pPr>
+            <a:fld id="{00000000-1234-1234-1234-123412341234}" type="slidenum">
+              <a:rPr lang="en-US" altLang="zh-TW" smtClean="0"/>
+              <a:t>29</a:t>
+            </a:fld>
+            <a:endParaRPr lang="zh-TW" altLang="en-US"/>
+          </a:p>
+        </p:txBody>
+      </p:sp>
+    </p:spTree>
+    <p:extLst>
+      <p:ext uri="{BB962C8B-B14F-4D97-AF65-F5344CB8AC3E}">
+        <p14:creationId xmlns:p14="http://schemas.microsoft.com/office/powerpoint/2010/main" val="4084570823"/>
       </p:ext>
     </p:extLst>
   </p:cSld>
@@ -28639,152 +28479,6 @@
       </p:grpSpPr>
       <p:sp>
         <p:nvSpPr>
-          <p:cNvPr id="2" name="標題 1">
-            <a:extLst>
-              <a:ext uri="{FF2B5EF4-FFF2-40B4-BE49-F238E27FC236}">
-                <a16:creationId xmlns:a16="http://schemas.microsoft.com/office/drawing/2014/main" id="{AE3D9963-EAA4-4380-B1AA-A433855146DB}"/>
-              </a:ext>
-            </a:extLst>
-          </p:cNvPr>
-          <p:cNvSpPr>
-            <a:spLocks noGrp="1"/>
-          </p:cNvSpPr>
-          <p:nvPr>
-            <p:ph type="title"/>
-          </p:nvPr>
-        </p:nvSpPr>
-        <p:spPr/>
-        <p:txBody>
-          <a:bodyPr/>
-          <a:lstStyle/>
-          <a:p>
-            <a:r>
-              <a:rPr lang="zh-TW" altLang="en-US" dirty="0"/>
-              <a:t>人事時地物特徵詞應用</a:t>
-            </a:r>
-            <a:r>
-              <a:rPr lang="en-US" altLang="zh-TW" dirty="0"/>
-              <a:t>brainstorm</a:t>
-            </a:r>
-            <a:endParaRPr lang="zh-TW" altLang="en-US" dirty="0"/>
-          </a:p>
-        </p:txBody>
-      </p:sp>
-      <p:sp>
-        <p:nvSpPr>
-          <p:cNvPr id="3" name="文字版面配置區 2">
-            <a:extLst>
-              <a:ext uri="{FF2B5EF4-FFF2-40B4-BE49-F238E27FC236}">
-                <a16:creationId xmlns:a16="http://schemas.microsoft.com/office/drawing/2014/main" id="{0066AD75-BEC1-4083-A0FE-9621C1878F5C}"/>
-              </a:ext>
-            </a:extLst>
-          </p:cNvPr>
-          <p:cNvSpPr>
-            <a:spLocks noGrp="1"/>
-          </p:cNvSpPr>
-          <p:nvPr>
-            <p:ph type="body" idx="1"/>
-          </p:nvPr>
-        </p:nvSpPr>
-        <p:spPr/>
-        <p:txBody>
-          <a:bodyPr/>
-          <a:lstStyle/>
-          <a:p>
-            <a:r>
-              <a:rPr lang="zh-TW" altLang="en-US" dirty="0"/>
-              <a:t>參考內容</a:t>
-            </a:r>
-            <a:endParaRPr lang="en-US" altLang="zh-TW" dirty="0"/>
-          </a:p>
-          <a:p>
-            <a:endParaRPr lang="en-US" altLang="zh-TW" dirty="0"/>
-          </a:p>
-          <a:p>
-            <a:r>
-              <a:rPr lang="zh-TW" altLang="en-US" dirty="0"/>
-              <a:t>看看洗錢文章中可以直接取得人名，接下來可以分析誰是犯人，誰是檢察官，接下來取得的人名可以繼續做後續分析</a:t>
-            </a:r>
-            <a:endParaRPr lang="en-US" altLang="zh-TW" dirty="0"/>
-          </a:p>
-          <a:p>
-            <a:r>
-              <a:rPr lang="zh-TW" altLang="en-US" dirty="0"/>
-              <a:t>如果有好大一篇故事，例如水滸傳，可以取得每個章節的事件，藉此可以用最短時間整理每個章節的大意</a:t>
-            </a:r>
-          </a:p>
-        </p:txBody>
-      </p:sp>
-      <p:sp>
-        <p:nvSpPr>
-          <p:cNvPr id="4" name="投影片編號版面配置區 3">
-            <a:extLst>
-              <a:ext uri="{FF2B5EF4-FFF2-40B4-BE49-F238E27FC236}">
-                <a16:creationId xmlns:a16="http://schemas.microsoft.com/office/drawing/2014/main" id="{0C082339-61DE-4F33-8396-8A443855F9FB}"/>
-              </a:ext>
-            </a:extLst>
-          </p:cNvPr>
-          <p:cNvSpPr>
-            <a:spLocks noGrp="1"/>
-          </p:cNvSpPr>
-          <p:nvPr>
-            <p:ph type="sldNum" idx="12"/>
-          </p:nvPr>
-        </p:nvSpPr>
-        <p:spPr/>
-        <p:txBody>
-          <a:bodyPr/>
-          <a:lstStyle/>
-          <a:p>
-            <a:pPr marL="0" lvl="0" indent="0" algn="r" rtl="0">
-              <a:spcBef>
-                <a:spcPts val="0"/>
-              </a:spcBef>
-              <a:spcAft>
-                <a:spcPts val="0"/>
-              </a:spcAft>
-              <a:buNone/>
-            </a:pPr>
-            <a:fld id="{00000000-1234-1234-1234-123412341234}" type="slidenum">
-              <a:rPr lang="en-US" altLang="zh-TW" smtClean="0"/>
-              <a:t>30</a:t>
-            </a:fld>
-            <a:endParaRPr lang="zh-TW" altLang="en-US"/>
-          </a:p>
-        </p:txBody>
-      </p:sp>
-    </p:spTree>
-    <p:extLst>
-      <p:ext uri="{BB962C8B-B14F-4D97-AF65-F5344CB8AC3E}">
-        <p14:creationId xmlns:p14="http://schemas.microsoft.com/office/powerpoint/2010/main" val="4084570823"/>
-      </p:ext>
-    </p:extLst>
-  </p:cSld>
-  <p:clrMapOvr>
-    <a:masterClrMapping/>
-  </p:clrMapOvr>
-</p:sld>
-</file>
-
-<file path=ppt/slides/slide31.xml><?xml version="1.0" encoding="utf-8"?>
-<p:sld xmlns:a="http://schemas.openxmlformats.org/drawingml/2006/main" xmlns:r="http://schemas.openxmlformats.org/officeDocument/2006/relationships" xmlns:p="http://schemas.openxmlformats.org/presentationml/2006/main">
-  <p:cSld>
-    <p:spTree>
-      <p:nvGrpSpPr>
-        <p:cNvPr id="1" name=""/>
-        <p:cNvGrpSpPr/>
-        <p:nvPr/>
-      </p:nvGrpSpPr>
-      <p:grpSpPr>
-        <a:xfrm>
-          <a:off x="0" y="0"/>
-          <a:ext cx="0" cy="0"/>
-          <a:chOff x="0" y="0"/>
-          <a:chExt cx="0" cy="0"/>
-        </a:xfrm>
-      </p:grpSpPr>
-      <p:sp>
-        <p:nvSpPr>
           <p:cNvPr id="2" name="Title 1">
             <a:extLst>
               <a:ext uri="{FF2B5EF4-FFF2-40B4-BE49-F238E27FC236}">
@@ -28984,7 +28678,7 @@
             </a:pPr>
             <a:fld id="{00000000-1234-1234-1234-123412341234}" type="slidenum">
               <a:rPr lang="en-US" altLang="zh-TW" smtClean="0"/>
-              <a:t>31</a:t>
+              <a:t>30</a:t>
             </a:fld>
             <a:endParaRPr lang="zh-TW" altLang="en-US"/>
           </a:p>
@@ -29003,7 +28697,7 @@
 </p:sld>
 </file>
 
-<file path=ppt/slides/slide32.xml><?xml version="1.0" encoding="utf-8"?>
+<file path=ppt/slides/slide31.xml><?xml version="1.0" encoding="utf-8"?>
 <p:sld xmlns:a="http://schemas.openxmlformats.org/drawingml/2006/main" xmlns:r="http://schemas.openxmlformats.org/officeDocument/2006/relationships" xmlns:p="http://schemas.openxmlformats.org/presentationml/2006/main">
   <p:cSld>
     <p:spTree>
@@ -29160,7 +28854,7 @@
             </a:pPr>
             <a:fld id="{00000000-1234-1234-1234-123412341234}" type="slidenum">
               <a:rPr lang="en-US" altLang="zh-TW" smtClean="0"/>
-              <a:t>32</a:t>
+              <a:t>31</a:t>
             </a:fld>
             <a:endParaRPr lang="zh-TW" altLang="en-US"/>
           </a:p>
@@ -29179,7 +28873,7 @@
 </p:sld>
 </file>
 
-<file path=ppt/slides/slide33.xml><?xml version="1.0" encoding="utf-8"?>
+<file path=ppt/slides/slide32.xml><?xml version="1.0" encoding="utf-8"?>
 <p:sld xmlns:a="http://schemas.openxmlformats.org/drawingml/2006/main" xmlns:r="http://schemas.openxmlformats.org/officeDocument/2006/relationships" xmlns:p="http://schemas.openxmlformats.org/presentationml/2006/main">
   <p:cSld>
     <p:spTree>
@@ -29408,7 +29102,7 @@
             </a:pPr>
             <a:fld id="{00000000-1234-1234-1234-123412341234}" type="slidenum">
               <a:rPr lang="en-US" altLang="zh-TW" smtClean="0"/>
-              <a:t>33</a:t>
+              <a:t>32</a:t>
             </a:fld>
             <a:endParaRPr lang="zh-TW" altLang="en-US"/>
           </a:p>
@@ -29418,6 +29112,175 @@
     <p:extLst>
       <p:ext uri="{BB962C8B-B14F-4D97-AF65-F5344CB8AC3E}">
         <p14:creationId xmlns:p14="http://schemas.microsoft.com/office/powerpoint/2010/main" val="2597067285"/>
+      </p:ext>
+    </p:extLst>
+  </p:cSld>
+  <p:clrMapOvr>
+    <a:masterClrMapping/>
+  </p:clrMapOvr>
+</p:sld>
+</file>
+
+<file path=ppt/slides/slide33.xml><?xml version="1.0" encoding="utf-8"?>
+<p:sld xmlns:a="http://schemas.openxmlformats.org/drawingml/2006/main" xmlns:r="http://schemas.openxmlformats.org/officeDocument/2006/relationships" xmlns:p="http://schemas.openxmlformats.org/presentationml/2006/main">
+  <p:cSld>
+    <p:spTree>
+      <p:nvGrpSpPr>
+        <p:cNvPr id="1" name=""/>
+        <p:cNvGrpSpPr/>
+        <p:nvPr/>
+      </p:nvGrpSpPr>
+      <p:grpSpPr>
+        <a:xfrm>
+          <a:off x="0" y="0"/>
+          <a:ext cx="0" cy="0"/>
+          <a:chOff x="0" y="0"/>
+          <a:chExt cx="0" cy="0"/>
+        </a:xfrm>
+      </p:grpSpPr>
+      <p:sp>
+        <p:nvSpPr>
+          <p:cNvPr id="2" name="Title 1">
+            <a:extLst>
+              <a:ext uri="{FF2B5EF4-FFF2-40B4-BE49-F238E27FC236}">
+                <a16:creationId xmlns:a16="http://schemas.microsoft.com/office/drawing/2014/main" id="{FCD03470-AE20-4BCD-AA26-CF4F6059CC3A}"/>
+              </a:ext>
+            </a:extLst>
+          </p:cNvPr>
+          <p:cNvSpPr>
+            <a:spLocks noGrp="1"/>
+          </p:cNvSpPr>
+          <p:nvPr>
+            <p:ph type="title"/>
+          </p:nvPr>
+        </p:nvSpPr>
+        <p:spPr/>
+        <p:txBody>
+          <a:bodyPr/>
+          <a:lstStyle/>
+          <a:p>
+            <a:r>
+              <a:rPr lang="zh-TW" altLang="en-US" dirty="0">
+                <a:latin typeface="微軟正黑體" panose="020B0604030504040204" pitchFamily="34" charset="-120"/>
+                <a:ea typeface="微軟正黑體" panose="020B0604030504040204" pitchFamily="34" charset="-120"/>
+              </a:rPr>
+              <a:t>作業</a:t>
+            </a:r>
+            <a:r>
+              <a:rPr lang="en-US" altLang="zh-TW" dirty="0">
+                <a:latin typeface="微軟正黑體" panose="020B0604030504040204" pitchFamily="34" charset="-120"/>
+                <a:ea typeface="微軟正黑體" panose="020B0604030504040204" pitchFamily="34" charset="-120"/>
+              </a:rPr>
+              <a:t>:</a:t>
+            </a:r>
+            <a:r>
+              <a:rPr lang="zh-TW" altLang="en-US" dirty="0"/>
+              <a:t>遠距教學新聞的特徵詞抽取</a:t>
+            </a:r>
+          </a:p>
+        </p:txBody>
+      </p:sp>
+      <p:sp>
+        <p:nvSpPr>
+          <p:cNvPr id="3" name="Text Placeholder 2">
+            <a:extLst>
+              <a:ext uri="{FF2B5EF4-FFF2-40B4-BE49-F238E27FC236}">
+                <a16:creationId xmlns:a16="http://schemas.microsoft.com/office/drawing/2014/main" id="{10FC150F-521D-437A-ADFD-4463BFB4FB7C}"/>
+              </a:ext>
+            </a:extLst>
+          </p:cNvPr>
+          <p:cNvSpPr>
+            <a:spLocks noGrp="1"/>
+          </p:cNvSpPr>
+          <p:nvPr>
+            <p:ph type="body" idx="1"/>
+          </p:nvPr>
+        </p:nvSpPr>
+        <p:spPr/>
+        <p:txBody>
+          <a:bodyPr>
+            <a:normAutofit/>
+          </a:bodyPr>
+          <a:lstStyle/>
+          <a:p>
+            <a:r>
+              <a:rPr lang="zh-TW" altLang="en-US" dirty="0"/>
+              <a:t>任務二之一</a:t>
+            </a:r>
+            <a:r>
+              <a:rPr lang="en-US" altLang="zh-TW" dirty="0"/>
+              <a:t>: </a:t>
+            </a:r>
+            <a:r>
+              <a:rPr lang="zh-TW" altLang="en-US" dirty="0"/>
+              <a:t>抽取需要的特徵詞</a:t>
+            </a:r>
+          </a:p>
+          <a:p>
+            <a:r>
+              <a:rPr lang="zh-TW" altLang="en-US" dirty="0"/>
+              <a:t>在這個任務中，請你根據所學過的抽取特徵詞的方法，包含運用</a:t>
+            </a:r>
+            <a:r>
+              <a:rPr lang="en-US" altLang="zh-TW" dirty="0"/>
+              <a:t>TFIDF</a:t>
+            </a:r>
+            <a:r>
+              <a:rPr lang="zh-TW" altLang="en-US" dirty="0"/>
+              <a:t>值、抽取名詞、抽取動詞、抽取事件這四種技術，分別以第一則新聞去嘗試，之後綜合比較，你覺得要用哪個方法來判斷一篇股市新聞是漲是跌比較好呢</a:t>
+            </a:r>
+            <a:r>
+              <a:rPr lang="en-US" altLang="zh-TW" dirty="0"/>
+              <a:t>? </a:t>
+            </a:r>
+          </a:p>
+          <a:p>
+            <a:endParaRPr lang="zh-TW" altLang="en-US" dirty="0"/>
+          </a:p>
+        </p:txBody>
+      </p:sp>
+      <p:sp>
+        <p:nvSpPr>
+          <p:cNvPr id="4" name="Slide Number Placeholder 3">
+            <a:extLst>
+              <a:ext uri="{FF2B5EF4-FFF2-40B4-BE49-F238E27FC236}">
+                <a16:creationId xmlns:a16="http://schemas.microsoft.com/office/drawing/2014/main" id="{73A3B7DF-F80C-4113-937B-1A85BA686687}"/>
+              </a:ext>
+            </a:extLst>
+          </p:cNvPr>
+          <p:cNvSpPr>
+            <a:spLocks noGrp="1"/>
+          </p:cNvSpPr>
+          <p:nvPr>
+            <p:ph type="sldNum" idx="12"/>
+          </p:nvPr>
+        </p:nvSpPr>
+        <p:spPr/>
+        <p:txBody>
+          <a:bodyPr/>
+          <a:lstStyle/>
+          <a:p>
+            <a:pPr marL="0" lvl="0" indent="0" algn="r" rtl="0">
+              <a:spcBef>
+                <a:spcPts val="0"/>
+              </a:spcBef>
+              <a:spcAft>
+                <a:spcPts val="0"/>
+              </a:spcAft>
+              <a:buNone/>
+            </a:pPr>
+            <a:fld id="{00000000-1234-1234-1234-123412341234}" type="slidenum">
+              <a:rPr lang="en-US" altLang="zh-TW" smtClean="0"/>
+              <a:t>33</a:t>
+            </a:fld>
+            <a:endParaRPr lang="zh-TW" altLang="en-US"/>
+          </a:p>
+        </p:txBody>
+      </p:sp>
+    </p:spTree>
+    <p:extLst>
+      <p:ext uri="{BB962C8B-B14F-4D97-AF65-F5344CB8AC3E}">
+        <p14:creationId xmlns:p14="http://schemas.microsoft.com/office/powerpoint/2010/main" val="430569506"/>
       </p:ext>
     </p:extLst>
   </p:cSld>
@@ -29504,44 +29367,124 @@
         </p:nvSpPr>
         <p:spPr/>
         <p:txBody>
-          <a:bodyPr>
-            <a:normAutofit/>
-          </a:bodyPr>
+          <a:bodyPr/>
           <a:lstStyle/>
           <a:p>
             <a:r>
               <a:rPr lang="zh-TW" altLang="en-US" dirty="0"/>
-              <a:t>任務二之一</a:t>
+              <a:t>任務二之二</a:t>
             </a:r>
             <a:r>
               <a:rPr lang="en-US" altLang="zh-TW" dirty="0"/>
-              <a:t>: </a:t>
+              <a:t>:</a:t>
             </a:r>
             <a:r>
               <a:rPr lang="zh-TW" altLang="en-US" dirty="0"/>
-              <a:t>抽取需要的特徵詞</a:t>
-            </a:r>
+              <a:t> 根據詞性自定義程式</a:t>
+            </a:r>
+            <a:endParaRPr lang="en-US" altLang="zh-TW" dirty="0"/>
           </a:p>
           <a:p>
             <a:r>
               <a:rPr lang="zh-TW" altLang="en-US" dirty="0"/>
-              <a:t>在這個任務中，請你根據所學過的抽取特徵詞的方法，包含運用</a:t>
+              <a:t>在這個任務中，我們希望自己透過對詞性標記的觀察，留下標記為</a:t>
+            </a:r>
+            <a:r>
+              <a:rPr lang="en-US" altLang="zh-TW" dirty="0" err="1"/>
+              <a:t>UserDefined</a:t>
             </a:r>
             <a:r>
               <a:rPr lang="en-US" altLang="zh-TW" dirty="0"/>
-              <a:t>TFIDF</a:t>
+              <a:t>,</a:t>
             </a:r>
             <a:r>
               <a:rPr lang="zh-TW" altLang="en-US" dirty="0"/>
-              <a:t>值、抽取名詞、抽取動詞、抽取事件這四種技術，分別以第一則新聞去嘗試，之後綜合比較，你覺得要用哪個方法來判斷一篇股市新聞是漲是跌比較好呢</a:t>
+              <a:t> </a:t>
             </a:r>
             <a:r>
               <a:rPr lang="en-US" altLang="zh-TW" dirty="0"/>
-              <a:t>? </a:t>
-            </a:r>
-          </a:p>
-          <a:p>
-            <a:endParaRPr lang="zh-TW" altLang="en-US" dirty="0"/>
+              <a:t>ACTION,</a:t>
+            </a:r>
+            <a:r>
+              <a:rPr lang="zh-TW" altLang="en-US" dirty="0"/>
+              <a:t> </a:t>
+            </a:r>
+            <a:r>
+              <a:rPr lang="en-US" altLang="zh-TW" dirty="0"/>
+              <a:t>ENTITY,</a:t>
+            </a:r>
+            <a:r>
+              <a:rPr lang="zh-TW" altLang="en-US" dirty="0"/>
+              <a:t> </a:t>
+            </a:r>
+            <a:r>
+              <a:rPr lang="en-US" altLang="zh-TW" dirty="0" err="1"/>
+              <a:t>VerbP</a:t>
+            </a:r>
+            <a:r>
+              <a:rPr lang="zh-TW" altLang="en-US" dirty="0"/>
+              <a:t>，並且只留下句子</a:t>
+            </a:r>
+            <a:r>
+              <a:rPr lang="en-US" altLang="zh-TW" dirty="0"/>
+              <a:t>(</a:t>
+            </a:r>
+            <a:r>
+              <a:rPr lang="zh-TW" altLang="en-US" dirty="0"/>
+              <a:t>個人定義句子為有</a:t>
+            </a:r>
+            <a:r>
+              <a:rPr lang="en-US" altLang="zh-TW" dirty="0"/>
+              <a:t>Entity/</a:t>
+            </a:r>
+            <a:r>
+              <a:rPr lang="en-US" altLang="zh-TW" dirty="0" err="1"/>
+              <a:t>UserDefined</a:t>
+            </a:r>
+            <a:r>
+              <a:rPr lang="zh-TW" altLang="en-US" dirty="0"/>
+              <a:t>跟</a:t>
+            </a:r>
+            <a:r>
+              <a:rPr lang="en-US" altLang="zh-TW" dirty="0"/>
+              <a:t>Action)</a:t>
+            </a:r>
+            <a:r>
+              <a:rPr lang="zh-TW" altLang="en-US" dirty="0"/>
+              <a:t>，希望透過這樣子的方式我們可以過濾目前不需要的元素，但是又保持句子的概念，如此一來，當我們發現</a:t>
+            </a:r>
+            <a:r>
+              <a:rPr lang="en-US" altLang="zh-TW" dirty="0"/>
+              <a:t>“</a:t>
+            </a:r>
+            <a:r>
+              <a:rPr lang="zh-TW" altLang="en-US" dirty="0"/>
+              <a:t>股價</a:t>
+            </a:r>
+            <a:r>
+              <a:rPr lang="en-US" altLang="zh-TW" dirty="0"/>
+              <a:t>”</a:t>
+            </a:r>
+            <a:r>
+              <a:rPr lang="zh-TW" altLang="en-US" dirty="0"/>
+              <a:t>跟</a:t>
+            </a:r>
+            <a:r>
+              <a:rPr lang="en-US" altLang="zh-TW" dirty="0"/>
+              <a:t>“</a:t>
+            </a:r>
+            <a:r>
+              <a:rPr lang="zh-TW" altLang="en-US" dirty="0"/>
+              <a:t>走揚</a:t>
+            </a:r>
+            <a:r>
+              <a:rPr lang="en-US" altLang="zh-TW" dirty="0"/>
+              <a:t>”</a:t>
+            </a:r>
+            <a:r>
+              <a:rPr lang="zh-TW" altLang="en-US" dirty="0"/>
+              <a:t>出現在同一個句子時，我們就可以比較放心認定他是一個有關股市上漲的句子了。</a:t>
+            </a:r>
           </a:p>
         </p:txBody>
       </p:sp>
@@ -29586,7 +29529,7 @@
     </p:spTree>
     <p:extLst>
       <p:ext uri="{BB962C8B-B14F-4D97-AF65-F5344CB8AC3E}">
-        <p14:creationId xmlns:p14="http://schemas.microsoft.com/office/powerpoint/2010/main" val="430569506"/>
+        <p14:creationId xmlns:p14="http://schemas.microsoft.com/office/powerpoint/2010/main" val="1441643738"/>
       </p:ext>
     </p:extLst>
   </p:cSld>
@@ -29686,111 +29629,15 @@
             </a:r>
             <a:r>
               <a:rPr lang="zh-TW" altLang="en-US" dirty="0"/>
-              <a:t> 根據詞性自定義程式</a:t>
+              <a:t> 根據詞性自定義程式產出範例</a:t>
             </a:r>
             <a:endParaRPr lang="en-US" altLang="zh-TW" dirty="0"/>
           </a:p>
           <a:p>
-            <a:r>
-              <a:rPr lang="zh-TW" altLang="en-US" dirty="0"/>
-              <a:t>在這個任務中，我們希望自己透過對詞性標記的觀察，留下標記為</a:t>
-            </a:r>
-            <a:r>
-              <a:rPr lang="en-US" altLang="zh-TW" dirty="0" err="1"/>
-              <a:t>UserDefined</a:t>
-            </a:r>
-            <a:r>
-              <a:rPr lang="en-US" altLang="zh-TW" dirty="0"/>
-              <a:t>,</a:t>
-            </a:r>
-            <a:r>
-              <a:rPr lang="zh-TW" altLang="en-US" dirty="0"/>
-              <a:t> </a:t>
-            </a:r>
-            <a:r>
-              <a:rPr lang="en-US" altLang="zh-TW" dirty="0"/>
-              <a:t>ACTION,</a:t>
-            </a:r>
-            <a:r>
-              <a:rPr lang="zh-TW" altLang="en-US" dirty="0"/>
-              <a:t> </a:t>
-            </a:r>
-            <a:r>
-              <a:rPr lang="en-US" altLang="zh-TW" dirty="0"/>
-              <a:t>ENTITY,</a:t>
-            </a:r>
-            <a:r>
-              <a:rPr lang="zh-TW" altLang="en-US" dirty="0"/>
-              <a:t> </a:t>
-            </a:r>
-            <a:r>
-              <a:rPr lang="en-US" altLang="zh-TW" dirty="0" err="1"/>
-              <a:t>VerbP</a:t>
-            </a:r>
-            <a:r>
-              <a:rPr lang="zh-TW" altLang="en-US" dirty="0"/>
-              <a:t>，並且只留下句子</a:t>
-            </a:r>
-            <a:r>
-              <a:rPr lang="en-US" altLang="zh-TW" dirty="0"/>
-              <a:t>(</a:t>
-            </a:r>
-            <a:r>
-              <a:rPr lang="zh-TW" altLang="en-US" dirty="0"/>
-              <a:t>個人定義句子為有</a:t>
-            </a:r>
-            <a:r>
-              <a:rPr lang="en-US" altLang="zh-TW" dirty="0"/>
-              <a:t>Entity/</a:t>
-            </a:r>
-            <a:r>
-              <a:rPr lang="en-US" altLang="zh-TW" dirty="0" err="1"/>
-              <a:t>UserDefined</a:t>
-            </a:r>
-            <a:r>
-              <a:rPr lang="zh-TW" altLang="en-US" dirty="0"/>
-              <a:t>跟</a:t>
-            </a:r>
-            <a:r>
-              <a:rPr lang="en-US" altLang="zh-TW" dirty="0"/>
-              <a:t>Action)</a:t>
-            </a:r>
-            <a:r>
-              <a:rPr lang="zh-TW" altLang="en-US" dirty="0"/>
-              <a:t>，希望透過這樣子的方式我們可以過濾目前不需要的元素，但是又保持句子的概念，如此一來，當我們發現</a:t>
-            </a:r>
-            <a:r>
-              <a:rPr lang="en-US" altLang="zh-TW" dirty="0"/>
-              <a:t>“</a:t>
-            </a:r>
-            <a:r>
-              <a:rPr lang="zh-TW" altLang="en-US" dirty="0"/>
-              <a:t>股價</a:t>
-            </a:r>
-            <a:r>
-              <a:rPr lang="en-US" altLang="zh-TW" dirty="0"/>
-              <a:t>”</a:t>
-            </a:r>
-            <a:r>
-              <a:rPr lang="zh-TW" altLang="en-US" dirty="0"/>
-              <a:t>跟</a:t>
-            </a:r>
-            <a:r>
-              <a:rPr lang="en-US" altLang="zh-TW" dirty="0"/>
-              <a:t>“</a:t>
-            </a:r>
-            <a:r>
-              <a:rPr lang="zh-TW" altLang="en-US" dirty="0"/>
-              <a:t>走揚</a:t>
-            </a:r>
-            <a:r>
-              <a:rPr lang="en-US" altLang="zh-TW" dirty="0"/>
-              <a:t>”</a:t>
-            </a:r>
-            <a:r>
-              <a:rPr lang="zh-TW" altLang="en-US" dirty="0"/>
-              <a:t>出現在同一個句子時，我們就可以比較放心認定他是一個有關股市上漲的句子了。</a:t>
-            </a:r>
+            <a:endParaRPr lang="en-US" altLang="zh-TW" dirty="0"/>
+          </a:p>
+          <a:p>
+            <a:endParaRPr lang="en-US" altLang="zh-TW" dirty="0"/>
           </a:p>
         </p:txBody>
       </p:sp>
@@ -29827,159 +29674,6 @@
             <a:fld id="{00000000-1234-1234-1234-123412341234}" type="slidenum">
               <a:rPr lang="en-US" altLang="zh-TW" smtClean="0"/>
               <a:t>35</a:t>
-            </a:fld>
-            <a:endParaRPr lang="zh-TW" altLang="en-US"/>
-          </a:p>
-        </p:txBody>
-      </p:sp>
-    </p:spTree>
-    <p:extLst>
-      <p:ext uri="{BB962C8B-B14F-4D97-AF65-F5344CB8AC3E}">
-        <p14:creationId xmlns:p14="http://schemas.microsoft.com/office/powerpoint/2010/main" val="1441643738"/>
-      </p:ext>
-    </p:extLst>
-  </p:cSld>
-  <p:clrMapOvr>
-    <a:masterClrMapping/>
-  </p:clrMapOvr>
-</p:sld>
-</file>
-
-<file path=ppt/slides/slide36.xml><?xml version="1.0" encoding="utf-8"?>
-<p:sld xmlns:a="http://schemas.openxmlformats.org/drawingml/2006/main" xmlns:r="http://schemas.openxmlformats.org/officeDocument/2006/relationships" xmlns:p="http://schemas.openxmlformats.org/presentationml/2006/main">
-  <p:cSld>
-    <p:spTree>
-      <p:nvGrpSpPr>
-        <p:cNvPr id="1" name=""/>
-        <p:cNvGrpSpPr/>
-        <p:nvPr/>
-      </p:nvGrpSpPr>
-      <p:grpSpPr>
-        <a:xfrm>
-          <a:off x="0" y="0"/>
-          <a:ext cx="0" cy="0"/>
-          <a:chOff x="0" y="0"/>
-          <a:chExt cx="0" cy="0"/>
-        </a:xfrm>
-      </p:grpSpPr>
-      <p:sp>
-        <p:nvSpPr>
-          <p:cNvPr id="2" name="Title 1">
-            <a:extLst>
-              <a:ext uri="{FF2B5EF4-FFF2-40B4-BE49-F238E27FC236}">
-                <a16:creationId xmlns:a16="http://schemas.microsoft.com/office/drawing/2014/main" id="{FCD03470-AE20-4BCD-AA26-CF4F6059CC3A}"/>
-              </a:ext>
-            </a:extLst>
-          </p:cNvPr>
-          <p:cNvSpPr>
-            <a:spLocks noGrp="1"/>
-          </p:cNvSpPr>
-          <p:nvPr>
-            <p:ph type="title"/>
-          </p:nvPr>
-        </p:nvSpPr>
-        <p:spPr/>
-        <p:txBody>
-          <a:bodyPr/>
-          <a:lstStyle/>
-          <a:p>
-            <a:r>
-              <a:rPr lang="zh-TW" altLang="en-US" dirty="0">
-                <a:latin typeface="微軟正黑體" panose="020B0604030504040204" pitchFamily="34" charset="-120"/>
-                <a:ea typeface="微軟正黑體" panose="020B0604030504040204" pitchFamily="34" charset="-120"/>
-              </a:rPr>
-              <a:t>作業</a:t>
-            </a:r>
-            <a:r>
-              <a:rPr lang="en-US" altLang="zh-TW" dirty="0">
-                <a:latin typeface="微軟正黑體" panose="020B0604030504040204" pitchFamily="34" charset="-120"/>
-                <a:ea typeface="微軟正黑體" panose="020B0604030504040204" pitchFamily="34" charset="-120"/>
-              </a:rPr>
-              <a:t>:</a:t>
-            </a:r>
-            <a:r>
-              <a:rPr lang="zh-TW" altLang="en-US" dirty="0"/>
-              <a:t>遠距教學新聞的特徵詞抽取</a:t>
-            </a:r>
-          </a:p>
-        </p:txBody>
-      </p:sp>
-      <p:sp>
-        <p:nvSpPr>
-          <p:cNvPr id="3" name="Text Placeholder 2">
-            <a:extLst>
-              <a:ext uri="{FF2B5EF4-FFF2-40B4-BE49-F238E27FC236}">
-                <a16:creationId xmlns:a16="http://schemas.microsoft.com/office/drawing/2014/main" id="{10FC150F-521D-437A-ADFD-4463BFB4FB7C}"/>
-              </a:ext>
-            </a:extLst>
-          </p:cNvPr>
-          <p:cNvSpPr>
-            <a:spLocks noGrp="1"/>
-          </p:cNvSpPr>
-          <p:nvPr>
-            <p:ph type="body" idx="1"/>
-          </p:nvPr>
-        </p:nvSpPr>
-        <p:spPr/>
-        <p:txBody>
-          <a:bodyPr/>
-          <a:lstStyle/>
-          <a:p>
-            <a:r>
-              <a:rPr lang="zh-TW" altLang="en-US" dirty="0"/>
-              <a:t>任務二之二</a:t>
-            </a:r>
-            <a:r>
-              <a:rPr lang="en-US" altLang="zh-TW" dirty="0"/>
-              <a:t>:</a:t>
-            </a:r>
-            <a:r>
-              <a:rPr lang="zh-TW" altLang="en-US" dirty="0"/>
-              <a:t> 根據詞性自定義程式產出範例</a:t>
-            </a:r>
-            <a:endParaRPr lang="en-US" altLang="zh-TW" dirty="0"/>
-          </a:p>
-          <a:p>
-            <a:endParaRPr lang="en-US" altLang="zh-TW" dirty="0"/>
-          </a:p>
-          <a:p>
-            <a:endParaRPr lang="en-US" altLang="zh-TW" dirty="0"/>
-          </a:p>
-        </p:txBody>
-      </p:sp>
-      <p:sp>
-        <p:nvSpPr>
-          <p:cNvPr id="4" name="Slide Number Placeholder 3">
-            <a:extLst>
-              <a:ext uri="{FF2B5EF4-FFF2-40B4-BE49-F238E27FC236}">
-                <a16:creationId xmlns:a16="http://schemas.microsoft.com/office/drawing/2014/main" id="{73A3B7DF-F80C-4113-937B-1A85BA686687}"/>
-              </a:ext>
-            </a:extLst>
-          </p:cNvPr>
-          <p:cNvSpPr>
-            <a:spLocks noGrp="1"/>
-          </p:cNvSpPr>
-          <p:nvPr>
-            <p:ph type="sldNum" idx="12"/>
-          </p:nvPr>
-        </p:nvSpPr>
-        <p:spPr/>
-        <p:txBody>
-          <a:bodyPr/>
-          <a:lstStyle/>
-          <a:p>
-            <a:pPr marL="0" lvl="0" indent="0" algn="r" rtl="0">
-              <a:spcBef>
-                <a:spcPts val="0"/>
-              </a:spcBef>
-              <a:spcAft>
-                <a:spcPts val="0"/>
-              </a:spcAft>
-              <a:buNone/>
-            </a:pPr>
-            <a:fld id="{00000000-1234-1234-1234-123412341234}" type="slidenum">
-              <a:rPr lang="en-US" altLang="zh-TW" smtClean="0"/>
-              <a:t>36</a:t>
             </a:fld>
             <a:endParaRPr lang="zh-TW" altLang="en-US"/>
           </a:p>
@@ -30028,7 +29722,7 @@
 </p:sld>
 </file>
 
-<file path=ppt/slides/slide37.xml><?xml version="1.0" encoding="utf-8"?>
+<file path=ppt/slides/slide36.xml><?xml version="1.0" encoding="utf-8"?>
 <p:sld xmlns:a="http://schemas.openxmlformats.org/drawingml/2006/main" xmlns:r="http://schemas.openxmlformats.org/officeDocument/2006/relationships" xmlns:p="http://schemas.openxmlformats.org/presentationml/2006/main">
   <p:cSld>
     <p:spTree>
@@ -30168,7 +29862,7 @@
             </a:pPr>
             <a:fld id="{00000000-1234-1234-1234-123412341234}" type="slidenum">
               <a:rPr lang="en-US" altLang="zh-TW" smtClean="0"/>
-              <a:t>37</a:t>
+              <a:t>36</a:t>
             </a:fld>
             <a:endParaRPr lang="zh-TW" altLang="en-US"/>
           </a:p>
@@ -30264,6 +29958,199 @@
 </p:sld>
 </file>
 
+<file path=ppt/slides/slide37.xml><?xml version="1.0" encoding="utf-8"?>
+<p:sld xmlns:a="http://schemas.openxmlformats.org/drawingml/2006/main" xmlns:r="http://schemas.openxmlformats.org/officeDocument/2006/relationships" xmlns:p="http://schemas.openxmlformats.org/presentationml/2006/main">
+  <p:cSld>
+    <p:spTree>
+      <p:nvGrpSpPr>
+        <p:cNvPr id="1" name=""/>
+        <p:cNvGrpSpPr/>
+        <p:nvPr/>
+      </p:nvGrpSpPr>
+      <p:grpSpPr>
+        <a:xfrm>
+          <a:off x="0" y="0"/>
+          <a:ext cx="0" cy="0"/>
+          <a:chOff x="0" y="0"/>
+          <a:chExt cx="0" cy="0"/>
+        </a:xfrm>
+      </p:grpSpPr>
+      <p:sp>
+        <p:nvSpPr>
+          <p:cNvPr id="2" name="Title 1">
+            <a:extLst>
+              <a:ext uri="{FF2B5EF4-FFF2-40B4-BE49-F238E27FC236}">
+                <a16:creationId xmlns:a16="http://schemas.microsoft.com/office/drawing/2014/main" id="{FCD03470-AE20-4BCD-AA26-CF4F6059CC3A}"/>
+              </a:ext>
+            </a:extLst>
+          </p:cNvPr>
+          <p:cNvSpPr>
+            <a:spLocks noGrp="1"/>
+          </p:cNvSpPr>
+          <p:nvPr>
+            <p:ph type="title"/>
+          </p:nvPr>
+        </p:nvSpPr>
+        <p:spPr/>
+        <p:txBody>
+          <a:bodyPr/>
+          <a:lstStyle/>
+          <a:p>
+            <a:r>
+              <a:rPr lang="zh-TW" altLang="en-US" dirty="0">
+                <a:latin typeface="微軟正黑體" panose="020B0604030504040204" pitchFamily="34" charset="-120"/>
+                <a:ea typeface="微軟正黑體" panose="020B0604030504040204" pitchFamily="34" charset="-120"/>
+              </a:rPr>
+              <a:t>作業</a:t>
+            </a:r>
+            <a:r>
+              <a:rPr lang="en-US" altLang="zh-TW" dirty="0">
+                <a:latin typeface="微軟正黑體" panose="020B0604030504040204" pitchFamily="34" charset="-120"/>
+                <a:ea typeface="微軟正黑體" panose="020B0604030504040204" pitchFamily="34" charset="-120"/>
+              </a:rPr>
+              <a:t>:</a:t>
+            </a:r>
+            <a:r>
+              <a:rPr lang="zh-TW" altLang="en-US" dirty="0"/>
+              <a:t>遠距教學新聞的特徵詞抽取</a:t>
+            </a:r>
+          </a:p>
+        </p:txBody>
+      </p:sp>
+      <p:sp>
+        <p:nvSpPr>
+          <p:cNvPr id="3" name="Text Placeholder 2">
+            <a:extLst>
+              <a:ext uri="{FF2B5EF4-FFF2-40B4-BE49-F238E27FC236}">
+                <a16:creationId xmlns:a16="http://schemas.microsoft.com/office/drawing/2014/main" id="{10FC150F-521D-437A-ADFD-4463BFB4FB7C}"/>
+              </a:ext>
+            </a:extLst>
+          </p:cNvPr>
+          <p:cNvSpPr>
+            <a:spLocks noGrp="1"/>
+          </p:cNvSpPr>
+          <p:nvPr>
+            <p:ph type="body" idx="1"/>
+          </p:nvPr>
+        </p:nvSpPr>
+        <p:spPr/>
+        <p:txBody>
+          <a:bodyPr>
+            <a:normAutofit/>
+          </a:bodyPr>
+          <a:lstStyle/>
+          <a:p>
+            <a:r>
+              <a:rPr lang="zh-TW" altLang="en-US" dirty="0"/>
+              <a:t>任務二之四</a:t>
+            </a:r>
+            <a:r>
+              <a:rPr lang="en-US" altLang="zh-TW" dirty="0"/>
+              <a:t>: </a:t>
+            </a:r>
+            <a:r>
+              <a:rPr lang="zh-TW" altLang="en-US" dirty="0"/>
+              <a:t>思考時間</a:t>
+            </a:r>
+            <a:endParaRPr lang="en-US" altLang="zh-TW" dirty="0"/>
+          </a:p>
+          <a:p>
+            <a:pPr marL="137160" indent="0">
+              <a:buNone/>
+            </a:pPr>
+            <a:r>
+              <a:rPr lang="zh-TW" altLang="en-US" dirty="0"/>
+              <a:t>請回想一下之前的思考活動，我們認定有一些句子是能有句於我們理解一篇文章是描述漲還是跌，我們可以試著將觀察是那些字詞讓我們有這樣的感受呢</a:t>
+            </a:r>
+            <a:r>
+              <a:rPr lang="en-US" altLang="zh-TW" dirty="0"/>
+              <a:t>? </a:t>
+            </a:r>
+            <a:r>
+              <a:rPr lang="zh-TW" altLang="en-US" dirty="0"/>
+              <a:t>例如在第一句我們可以發現是</a:t>
+            </a:r>
+            <a:r>
+              <a:rPr lang="zh-TW" altLang="en-US" b="1" dirty="0"/>
+              <a:t>股價</a:t>
+            </a:r>
+            <a:r>
+              <a:rPr lang="zh-TW" altLang="en-US" dirty="0"/>
+              <a:t>和</a:t>
+            </a:r>
+            <a:r>
+              <a:rPr lang="zh-TW" altLang="en-US" b="1" dirty="0"/>
+              <a:t>走揚</a:t>
+            </a:r>
+            <a:r>
+              <a:rPr lang="zh-TW" altLang="en-US" dirty="0"/>
+              <a:t>，讓我們有這樣的認知，那我們是不是能夠建立一個</a:t>
+            </a:r>
+            <a:r>
+              <a:rPr lang="en-US" altLang="zh-TW" dirty="0"/>
+              <a:t>LIST</a:t>
+            </a:r>
+            <a:r>
+              <a:rPr lang="zh-TW" altLang="en-US" dirty="0"/>
+              <a:t>在其中，我們把有關股價上漲的字詞都放進去，如果一個有出現這些那我們就可以暫時認定文章跟這方面有關係，如果這樣的句子越多，我們就越能肯定這個文章跟股市上漲有關。</a:t>
+            </a:r>
+          </a:p>
+          <a:p>
+            <a:endParaRPr lang="zh-TW" altLang="en-US" dirty="0"/>
+          </a:p>
+        </p:txBody>
+      </p:sp>
+      <p:sp>
+        <p:nvSpPr>
+          <p:cNvPr id="4" name="Slide Number Placeholder 3">
+            <a:extLst>
+              <a:ext uri="{FF2B5EF4-FFF2-40B4-BE49-F238E27FC236}">
+                <a16:creationId xmlns:a16="http://schemas.microsoft.com/office/drawing/2014/main" id="{73A3B7DF-F80C-4113-937B-1A85BA686687}"/>
+              </a:ext>
+            </a:extLst>
+          </p:cNvPr>
+          <p:cNvSpPr>
+            <a:spLocks noGrp="1"/>
+          </p:cNvSpPr>
+          <p:nvPr>
+            <p:ph type="sldNum" idx="12"/>
+          </p:nvPr>
+        </p:nvSpPr>
+        <p:spPr/>
+        <p:txBody>
+          <a:bodyPr/>
+          <a:lstStyle/>
+          <a:p>
+            <a:pPr marL="0" lvl="0" indent="0" algn="r" rtl="0">
+              <a:spcBef>
+                <a:spcPts val="0"/>
+              </a:spcBef>
+              <a:spcAft>
+                <a:spcPts val="0"/>
+              </a:spcAft>
+              <a:buNone/>
+            </a:pPr>
+            <a:fld id="{00000000-1234-1234-1234-123412341234}" type="slidenum">
+              <a:rPr lang="en-US" altLang="zh-TW" smtClean="0"/>
+              <a:t>37</a:t>
+            </a:fld>
+            <a:endParaRPr lang="zh-TW" altLang="en-US"/>
+          </a:p>
+        </p:txBody>
+      </p:sp>
+    </p:spTree>
+    <p:extLst>
+      <p:ext uri="{BB962C8B-B14F-4D97-AF65-F5344CB8AC3E}">
+        <p14:creationId xmlns:p14="http://schemas.microsoft.com/office/powerpoint/2010/main" val="3305127806"/>
+      </p:ext>
+    </p:extLst>
+  </p:cSld>
+  <p:clrMapOvr>
+    <a:masterClrMapping/>
+  </p:clrMapOvr>
+</p:sld>
+</file>
+
 <file path=ppt/slides/slide38.xml><?xml version="1.0" encoding="utf-8"?>
 <p:sld xmlns:a="http://schemas.openxmlformats.org/drawingml/2006/main" xmlns:r="http://schemas.openxmlformats.org/officeDocument/2006/relationships" xmlns:p="http://schemas.openxmlformats.org/presentationml/2006/main">
   <p:cSld>
@@ -30341,14 +30228,12 @@
         </p:nvSpPr>
         <p:spPr/>
         <p:txBody>
-          <a:bodyPr>
-            <a:normAutofit/>
-          </a:bodyPr>
+          <a:bodyPr/>
           <a:lstStyle/>
           <a:p>
             <a:r>
               <a:rPr lang="zh-TW" altLang="en-US" dirty="0"/>
-              <a:t>任務二之四</a:t>
+              <a:t>任務三</a:t>
             </a:r>
             <a:r>
               <a:rPr lang="en-US" altLang="zh-TW" dirty="0"/>
@@ -30356,41 +30241,13 @@
             </a:r>
             <a:r>
               <a:rPr lang="zh-TW" altLang="en-US" dirty="0"/>
-              <a:t>思考時間</a:t>
-            </a:r>
-            <a:endParaRPr lang="en-US" altLang="zh-TW" dirty="0"/>
-          </a:p>
-          <a:p>
-            <a:pPr marL="137160" indent="0">
-              <a:buNone/>
-            </a:pPr>
+              <a:t>開始判斷文本</a:t>
+            </a:r>
+          </a:p>
+          <a:p>
             <a:r>
               <a:rPr lang="zh-TW" altLang="en-US" dirty="0"/>
-              <a:t>請回想一下之前的思考活動，我們認定有一些句子是能有句於我們理解一篇文章是描述漲還是跌，我們可以試著將觀察是那些字詞讓我們有這樣的感受呢</a:t>
-            </a:r>
-            <a:r>
-              <a:rPr lang="en-US" altLang="zh-TW" dirty="0"/>
-              <a:t>? </a:t>
-            </a:r>
-            <a:r>
-              <a:rPr lang="zh-TW" altLang="en-US" dirty="0"/>
-              <a:t>例如在第一句我們可以發現是</a:t>
-            </a:r>
-            <a:r>
-              <a:rPr lang="zh-TW" altLang="en-US" b="1" dirty="0"/>
-              <a:t>股價</a:t>
-            </a:r>
-            <a:r>
-              <a:rPr lang="zh-TW" altLang="en-US" dirty="0"/>
-              <a:t>和</a:t>
-            </a:r>
-            <a:r>
-              <a:rPr lang="zh-TW" altLang="en-US" b="1" dirty="0"/>
-              <a:t>走揚</a:t>
-            </a:r>
-            <a:r>
-              <a:rPr lang="zh-TW" altLang="en-US" dirty="0"/>
-              <a:t>，讓我們有這樣的認知，那我們是不是能夠建立一個</a:t>
+              <a:t>在這個任務中，我們開始要將我們在思考時間所累積的想法實踐出來，我們首先要先藉由人工觀察，建出一個有關於描述股市漲的</a:t>
             </a:r>
             <a:r>
               <a:rPr lang="en-US" altLang="zh-TW" dirty="0"/>
@@ -30398,7 +30255,7 @@
             </a:r>
             <a:r>
               <a:rPr lang="zh-TW" altLang="en-US" dirty="0"/>
-              <a:t>在其中，我們把有關股價上漲的字詞都放進去，如果一個有出現這些那我們就可以暫時認定文章跟這方面有關係，如果這樣的句子越多，我們就越能肯定這個文章跟股市上漲有關。</a:t>
+              <a:t>，之後將它和新聞去進行比對以得到結果</a:t>
             </a:r>
           </a:p>
           <a:p>
@@ -30447,7 +30304,7 @@
     </p:spTree>
     <p:extLst>
       <p:ext uri="{BB962C8B-B14F-4D97-AF65-F5344CB8AC3E}">
-        <p14:creationId xmlns:p14="http://schemas.microsoft.com/office/powerpoint/2010/main" val="3305127806"/>
+        <p14:creationId xmlns:p14="http://schemas.microsoft.com/office/powerpoint/2010/main" val="514718505"/>
       </p:ext>
     </p:extLst>
   </p:cSld>
@@ -30539,30 +30396,9 @@
           <a:p>
             <a:r>
               <a:rPr lang="zh-TW" altLang="en-US" dirty="0"/>
-              <a:t>任務三</a:t>
-            </a:r>
-            <a:r>
-              <a:rPr lang="en-US" altLang="zh-TW" dirty="0"/>
-              <a:t>: </a:t>
-            </a:r>
-            <a:r>
-              <a:rPr lang="zh-TW" altLang="en-US" dirty="0"/>
-              <a:t>開始判斷文本</a:t>
-            </a:r>
-          </a:p>
-          <a:p>
-            <a:r>
-              <a:rPr lang="zh-TW" altLang="en-US" dirty="0"/>
-              <a:t>在這個任務中，我們開始要將我們在思考時間所累積的想法實踐出來，我們首先要先藉由人工觀察，建出一個有關於描述股市漲的</a:t>
-            </a:r>
-            <a:r>
-              <a:rPr lang="en-US" altLang="zh-TW" dirty="0"/>
-              <a:t>LIST</a:t>
-            </a:r>
-            <a:r>
-              <a:rPr lang="zh-TW" altLang="en-US" dirty="0"/>
-              <a:t>，之後將它和新聞去進行比對以得到結果</a:t>
-            </a:r>
+              <a:t>範例結果</a:t>
+            </a:r>
+            <a:endParaRPr lang="en-US" altLang="zh-TW" dirty="0"/>
           </a:p>
           <a:p>
             <a:endParaRPr lang="zh-TW" altLang="en-US" dirty="0"/>
@@ -30607,10 +30443,92 @@
           </a:p>
         </p:txBody>
       </p:sp>
+      <p:pic>
+        <p:nvPicPr>
+          <p:cNvPr id="5" name="Picture 4">
+            <a:extLst>
+              <a:ext uri="{FF2B5EF4-FFF2-40B4-BE49-F238E27FC236}">
+                <a16:creationId xmlns:a16="http://schemas.microsoft.com/office/drawing/2014/main" id="{15619E28-801E-4295-A154-154D3ED9FBA1}"/>
+              </a:ext>
+            </a:extLst>
+          </p:cNvPr>
+          <p:cNvPicPr>
+            <a:picLocks noChangeAspect="1"/>
+          </p:cNvPicPr>
+          <p:nvPr/>
+        </p:nvPicPr>
+        <p:blipFill>
+          <a:blip r:embed="rId2"/>
+          <a:stretch>
+            <a:fillRect/>
+          </a:stretch>
+        </p:blipFill>
+        <p:spPr>
+          <a:xfrm>
+            <a:off x="658129" y="1973619"/>
+            <a:ext cx="9183382" cy="4067743"/>
+          </a:xfrm>
+          <a:prstGeom prst="rect">
+            <a:avLst/>
+          </a:prstGeom>
+        </p:spPr>
+      </p:pic>
+      <p:sp>
+        <p:nvSpPr>
+          <p:cNvPr id="6" name="Rectangle 5">
+            <a:extLst>
+              <a:ext uri="{FF2B5EF4-FFF2-40B4-BE49-F238E27FC236}">
+                <a16:creationId xmlns:a16="http://schemas.microsoft.com/office/drawing/2014/main" id="{8D06FE09-1E17-4D4A-83CE-81957F08916B}"/>
+              </a:ext>
+            </a:extLst>
+          </p:cNvPr>
+          <p:cNvSpPr/>
+          <p:nvPr/>
+        </p:nvSpPr>
+        <p:spPr>
+          <a:xfrm>
+            <a:off x="8849360" y="1838960"/>
+            <a:ext cx="1011356" cy="4318000"/>
+          </a:xfrm>
+          <a:prstGeom prst="rect">
+            <a:avLst/>
+          </a:prstGeom>
+          <a:noFill/>
+          <a:ln w="57150">
+            <a:solidFill>
+              <a:srgbClr val="FFC000"/>
+            </a:solidFill>
+          </a:ln>
+        </p:spPr>
+        <p:style>
+          <a:lnRef idx="2">
+            <a:schemeClr val="accent1">
+              <a:shade val="50000"/>
+            </a:schemeClr>
+          </a:lnRef>
+          <a:fillRef idx="1">
+            <a:schemeClr val="accent1"/>
+          </a:fillRef>
+          <a:effectRef idx="0">
+            <a:schemeClr val="accent1"/>
+          </a:effectRef>
+          <a:fontRef idx="minor">
+            <a:schemeClr val="lt1"/>
+          </a:fontRef>
+        </p:style>
+        <p:txBody>
+          <a:bodyPr rtlCol="0" anchor="ctr"/>
+          <a:lstStyle/>
+          <a:p>
+            <a:pPr algn="ctr"/>
+            <a:endParaRPr lang="zh-TW" altLang="en-US"/>
+          </a:p>
+        </p:txBody>
+      </p:sp>
     </p:spTree>
     <p:extLst>
       <p:ext uri="{BB962C8B-B14F-4D97-AF65-F5344CB8AC3E}">
-        <p14:creationId xmlns:p14="http://schemas.microsoft.com/office/powerpoint/2010/main" val="514718505"/>
+        <p14:creationId xmlns:p14="http://schemas.microsoft.com/office/powerpoint/2010/main" val="7613371"/>
       </p:ext>
     </p:extLst>
   </p:cSld>
@@ -31080,230 +30998,6 @@
           <p:cNvPr id="2" name="Title 1">
             <a:extLst>
               <a:ext uri="{FF2B5EF4-FFF2-40B4-BE49-F238E27FC236}">
-                <a16:creationId xmlns:a16="http://schemas.microsoft.com/office/drawing/2014/main" id="{FCD03470-AE20-4BCD-AA26-CF4F6059CC3A}"/>
-              </a:ext>
-            </a:extLst>
-          </p:cNvPr>
-          <p:cNvSpPr>
-            <a:spLocks noGrp="1"/>
-          </p:cNvSpPr>
-          <p:nvPr>
-            <p:ph type="title"/>
-          </p:nvPr>
-        </p:nvSpPr>
-        <p:spPr/>
-        <p:txBody>
-          <a:bodyPr/>
-          <a:lstStyle/>
-          <a:p>
-            <a:r>
-              <a:rPr lang="zh-TW" altLang="en-US" dirty="0">
-                <a:latin typeface="微軟正黑體" panose="020B0604030504040204" pitchFamily="34" charset="-120"/>
-                <a:ea typeface="微軟正黑體" panose="020B0604030504040204" pitchFamily="34" charset="-120"/>
-              </a:rPr>
-              <a:t>作業</a:t>
-            </a:r>
-            <a:r>
-              <a:rPr lang="en-US" altLang="zh-TW" dirty="0">
-                <a:latin typeface="微軟正黑體" panose="020B0604030504040204" pitchFamily="34" charset="-120"/>
-                <a:ea typeface="微軟正黑體" panose="020B0604030504040204" pitchFamily="34" charset="-120"/>
-              </a:rPr>
-              <a:t>:</a:t>
-            </a:r>
-            <a:r>
-              <a:rPr lang="zh-TW" altLang="en-US" dirty="0"/>
-              <a:t>遠距教學新聞的特徵詞抽取</a:t>
-            </a:r>
-          </a:p>
-        </p:txBody>
-      </p:sp>
-      <p:sp>
-        <p:nvSpPr>
-          <p:cNvPr id="3" name="Text Placeholder 2">
-            <a:extLst>
-              <a:ext uri="{FF2B5EF4-FFF2-40B4-BE49-F238E27FC236}">
-                <a16:creationId xmlns:a16="http://schemas.microsoft.com/office/drawing/2014/main" id="{10FC150F-521D-437A-ADFD-4463BFB4FB7C}"/>
-              </a:ext>
-            </a:extLst>
-          </p:cNvPr>
-          <p:cNvSpPr>
-            <a:spLocks noGrp="1"/>
-          </p:cNvSpPr>
-          <p:nvPr>
-            <p:ph type="body" idx="1"/>
-          </p:nvPr>
-        </p:nvSpPr>
-        <p:spPr/>
-        <p:txBody>
-          <a:bodyPr/>
-          <a:lstStyle/>
-          <a:p>
-            <a:r>
-              <a:rPr lang="zh-TW" altLang="en-US" dirty="0"/>
-              <a:t>範例結果</a:t>
-            </a:r>
-            <a:endParaRPr lang="en-US" altLang="zh-TW" dirty="0"/>
-          </a:p>
-          <a:p>
-            <a:endParaRPr lang="zh-TW" altLang="en-US" dirty="0"/>
-          </a:p>
-        </p:txBody>
-      </p:sp>
-      <p:sp>
-        <p:nvSpPr>
-          <p:cNvPr id="4" name="Slide Number Placeholder 3">
-            <a:extLst>
-              <a:ext uri="{FF2B5EF4-FFF2-40B4-BE49-F238E27FC236}">
-                <a16:creationId xmlns:a16="http://schemas.microsoft.com/office/drawing/2014/main" id="{73A3B7DF-F80C-4113-937B-1A85BA686687}"/>
-              </a:ext>
-            </a:extLst>
-          </p:cNvPr>
-          <p:cNvSpPr>
-            <a:spLocks noGrp="1"/>
-          </p:cNvSpPr>
-          <p:nvPr>
-            <p:ph type="sldNum" idx="12"/>
-          </p:nvPr>
-        </p:nvSpPr>
-        <p:spPr/>
-        <p:txBody>
-          <a:bodyPr/>
-          <a:lstStyle/>
-          <a:p>
-            <a:pPr marL="0" lvl="0" indent="0" algn="r" rtl="0">
-              <a:spcBef>
-                <a:spcPts val="0"/>
-              </a:spcBef>
-              <a:spcAft>
-                <a:spcPts val="0"/>
-              </a:spcAft>
-              <a:buNone/>
-            </a:pPr>
-            <a:fld id="{00000000-1234-1234-1234-123412341234}" type="slidenum">
-              <a:rPr lang="en-US" altLang="zh-TW" smtClean="0"/>
-              <a:t>40</a:t>
-            </a:fld>
-            <a:endParaRPr lang="zh-TW" altLang="en-US"/>
-          </a:p>
-        </p:txBody>
-      </p:sp>
-      <p:pic>
-        <p:nvPicPr>
-          <p:cNvPr id="5" name="Picture 4">
-            <a:extLst>
-              <a:ext uri="{FF2B5EF4-FFF2-40B4-BE49-F238E27FC236}">
-                <a16:creationId xmlns:a16="http://schemas.microsoft.com/office/drawing/2014/main" id="{15619E28-801E-4295-A154-154D3ED9FBA1}"/>
-              </a:ext>
-            </a:extLst>
-          </p:cNvPr>
-          <p:cNvPicPr>
-            <a:picLocks noChangeAspect="1"/>
-          </p:cNvPicPr>
-          <p:nvPr/>
-        </p:nvPicPr>
-        <p:blipFill>
-          <a:blip r:embed="rId2"/>
-          <a:stretch>
-            <a:fillRect/>
-          </a:stretch>
-        </p:blipFill>
-        <p:spPr>
-          <a:xfrm>
-            <a:off x="658129" y="1973619"/>
-            <a:ext cx="9183382" cy="4067743"/>
-          </a:xfrm>
-          <a:prstGeom prst="rect">
-            <a:avLst/>
-          </a:prstGeom>
-        </p:spPr>
-      </p:pic>
-      <p:sp>
-        <p:nvSpPr>
-          <p:cNvPr id="6" name="Rectangle 5">
-            <a:extLst>
-              <a:ext uri="{FF2B5EF4-FFF2-40B4-BE49-F238E27FC236}">
-                <a16:creationId xmlns:a16="http://schemas.microsoft.com/office/drawing/2014/main" id="{8D06FE09-1E17-4D4A-83CE-81957F08916B}"/>
-              </a:ext>
-            </a:extLst>
-          </p:cNvPr>
-          <p:cNvSpPr/>
-          <p:nvPr/>
-        </p:nvSpPr>
-        <p:spPr>
-          <a:xfrm>
-            <a:off x="8849360" y="1838960"/>
-            <a:ext cx="1011356" cy="4318000"/>
-          </a:xfrm>
-          <a:prstGeom prst="rect">
-            <a:avLst/>
-          </a:prstGeom>
-          <a:noFill/>
-          <a:ln w="57150">
-            <a:solidFill>
-              <a:srgbClr val="FFC000"/>
-            </a:solidFill>
-          </a:ln>
-        </p:spPr>
-        <p:style>
-          <a:lnRef idx="2">
-            <a:schemeClr val="accent1">
-              <a:shade val="50000"/>
-            </a:schemeClr>
-          </a:lnRef>
-          <a:fillRef idx="1">
-            <a:schemeClr val="accent1"/>
-          </a:fillRef>
-          <a:effectRef idx="0">
-            <a:schemeClr val="accent1"/>
-          </a:effectRef>
-          <a:fontRef idx="minor">
-            <a:schemeClr val="lt1"/>
-          </a:fontRef>
-        </p:style>
-        <p:txBody>
-          <a:bodyPr rtlCol="0" anchor="ctr"/>
-          <a:lstStyle/>
-          <a:p>
-            <a:pPr algn="ctr"/>
-            <a:endParaRPr lang="zh-TW" altLang="en-US"/>
-          </a:p>
-        </p:txBody>
-      </p:sp>
-    </p:spTree>
-    <p:extLst>
-      <p:ext uri="{BB962C8B-B14F-4D97-AF65-F5344CB8AC3E}">
-        <p14:creationId xmlns:p14="http://schemas.microsoft.com/office/powerpoint/2010/main" val="7613371"/>
-      </p:ext>
-    </p:extLst>
-  </p:cSld>
-  <p:clrMapOvr>
-    <a:masterClrMapping/>
-  </p:clrMapOvr>
-</p:sld>
-</file>
-
-<file path=ppt/slides/slide41.xml><?xml version="1.0" encoding="utf-8"?>
-<p:sld xmlns:a="http://schemas.openxmlformats.org/drawingml/2006/main" xmlns:r="http://schemas.openxmlformats.org/officeDocument/2006/relationships" xmlns:p="http://schemas.openxmlformats.org/presentationml/2006/main">
-  <p:cSld>
-    <p:spTree>
-      <p:nvGrpSpPr>
-        <p:cNvPr id="1" name=""/>
-        <p:cNvGrpSpPr/>
-        <p:nvPr/>
-      </p:nvGrpSpPr>
-      <p:grpSpPr>
-        <a:xfrm>
-          <a:off x="0" y="0"/>
-          <a:ext cx="0" cy="0"/>
-          <a:chOff x="0" y="0"/>
-          <a:chExt cx="0" cy="0"/>
-        </a:xfrm>
-      </p:grpSpPr>
-      <p:sp>
-        <p:nvSpPr>
-          <p:cNvPr id="2" name="Title 1">
-            <a:extLst>
-              <a:ext uri="{FF2B5EF4-FFF2-40B4-BE49-F238E27FC236}">
                 <a16:creationId xmlns:a16="http://schemas.microsoft.com/office/drawing/2014/main" id="{D29CF2BA-D6D9-4293-BE03-89B748D55986}"/>
               </a:ext>
             </a:extLst>
@@ -31414,7 +31108,7 @@
             </a:pPr>
             <a:fld id="{00000000-1234-1234-1234-123412341234}" type="slidenum">
               <a:rPr lang="en-US" altLang="zh-TW" smtClean="0"/>
-              <a:t>41</a:t>
+              <a:t>40</a:t>
             </a:fld>
             <a:endParaRPr lang="zh-TW" altLang="en-US"/>
           </a:p>
@@ -31463,7 +31157,7 @@
 </p:sld>
 </file>
 
-<file path=ppt/slides/slide42.xml><?xml version="1.0" encoding="utf-8"?>
+<file path=ppt/slides/slide41.xml><?xml version="1.0" encoding="utf-8"?>
 <p:sld xmlns:a="http://schemas.openxmlformats.org/drawingml/2006/main" xmlns:r="http://schemas.openxmlformats.org/officeDocument/2006/relationships" xmlns:p="http://schemas.openxmlformats.org/presentationml/2006/main">
   <p:cSld>
     <p:spTree>
@@ -31605,7 +31299,7 @@
             </a:pPr>
             <a:fld id="{00000000-1234-1234-1234-123412341234}" type="slidenum">
               <a:rPr lang="en-US" altLang="zh-TW" smtClean="0"/>
-              <a:t>42</a:t>
+              <a:t>41</a:t>
             </a:fld>
             <a:endParaRPr lang="zh-TW" altLang="en-US"/>
           </a:p>
@@ -32270,6 +31964,22 @@
                 <a:hlinkClick r:id="rId3"/>
               </a:rPr>
               <a:t>https://www.ctwant.com/article/111388</a:t>
+            </a:r>
+            <a:r>
+              <a:rPr lang="zh-TW" altLang="en-US" sz="1600" dirty="0"/>
+              <a:t> </a:t>
+            </a:r>
+            <a:r>
+              <a:rPr lang="en-US" altLang="zh-TW" sz="1600" dirty="0"/>
+              <a:t>(</a:t>
+            </a:r>
+            <a:r>
+              <a:rPr lang="zh-TW" altLang="en-US" sz="1600" dirty="0"/>
+              <a:t>有經過編輯</a:t>
+            </a:r>
+            <a:r>
+              <a:rPr lang="en-US" altLang="zh-TW" sz="1600"/>
+              <a:t>)</a:t>
             </a:r>
             <a:endParaRPr lang="en-US" altLang="zh-TW" sz="1600" dirty="0"/>
           </a:p>
